--- a/images/streamsx.watsoniot.pptx
+++ b/images/streamsx.watsoniot.pptx
@@ -263,7 +263,7 @@
           <a:p>
             <a:fld id="{FB208076-E5D3-5740-93E0-1A5007528D47}" type="datetimeFigureOut">
               <a:rPr lang="en-US" smtClean="0"/>
-              <a:t>1/21/18</a:t>
+              <a:t>1/24/18</a:t>
             </a:fld>
             <a:endParaRPr lang="en-US"/>
           </a:p>
@@ -461,7 +461,7 @@
           <a:p>
             <a:fld id="{FB208076-E5D3-5740-93E0-1A5007528D47}" type="datetimeFigureOut">
               <a:rPr lang="en-US" smtClean="0"/>
-              <a:t>1/21/18</a:t>
+              <a:t>1/24/18</a:t>
             </a:fld>
             <a:endParaRPr lang="en-US"/>
           </a:p>
@@ -669,7 +669,7 @@
           <a:p>
             <a:fld id="{FB208076-E5D3-5740-93E0-1A5007528D47}" type="datetimeFigureOut">
               <a:rPr lang="en-US" smtClean="0"/>
-              <a:t>1/21/18</a:t>
+              <a:t>1/24/18</a:t>
             </a:fld>
             <a:endParaRPr lang="en-US"/>
           </a:p>
@@ -867,7 +867,7 @@
           <a:p>
             <a:fld id="{FB208076-E5D3-5740-93E0-1A5007528D47}" type="datetimeFigureOut">
               <a:rPr lang="en-US" smtClean="0"/>
-              <a:t>1/21/18</a:t>
+              <a:t>1/24/18</a:t>
             </a:fld>
             <a:endParaRPr lang="en-US"/>
           </a:p>
@@ -1142,7 +1142,7 @@
           <a:p>
             <a:fld id="{FB208076-E5D3-5740-93E0-1A5007528D47}" type="datetimeFigureOut">
               <a:rPr lang="en-US" smtClean="0"/>
-              <a:t>1/21/18</a:t>
+              <a:t>1/24/18</a:t>
             </a:fld>
             <a:endParaRPr lang="en-US"/>
           </a:p>
@@ -1407,7 +1407,7 @@
           <a:p>
             <a:fld id="{FB208076-E5D3-5740-93E0-1A5007528D47}" type="datetimeFigureOut">
               <a:rPr lang="en-US" smtClean="0"/>
-              <a:t>1/21/18</a:t>
+              <a:t>1/24/18</a:t>
             </a:fld>
             <a:endParaRPr lang="en-US"/>
           </a:p>
@@ -1819,7 +1819,7 @@
           <a:p>
             <a:fld id="{FB208076-E5D3-5740-93E0-1A5007528D47}" type="datetimeFigureOut">
               <a:rPr lang="en-US" smtClean="0"/>
-              <a:t>1/21/18</a:t>
+              <a:t>1/24/18</a:t>
             </a:fld>
             <a:endParaRPr lang="en-US"/>
           </a:p>
@@ -1960,7 +1960,7 @@
           <a:p>
             <a:fld id="{FB208076-E5D3-5740-93E0-1A5007528D47}" type="datetimeFigureOut">
               <a:rPr lang="en-US" smtClean="0"/>
-              <a:t>1/21/18</a:t>
+              <a:t>1/24/18</a:t>
             </a:fld>
             <a:endParaRPr lang="en-US"/>
           </a:p>
@@ -2073,7 +2073,7 @@
           <a:p>
             <a:fld id="{FB208076-E5D3-5740-93E0-1A5007528D47}" type="datetimeFigureOut">
               <a:rPr lang="en-US" smtClean="0"/>
-              <a:t>1/21/18</a:t>
+              <a:t>1/24/18</a:t>
             </a:fld>
             <a:endParaRPr lang="en-US"/>
           </a:p>
@@ -2384,7 +2384,7 @@
           <a:p>
             <a:fld id="{FB208076-E5D3-5740-93E0-1A5007528D47}" type="datetimeFigureOut">
               <a:rPr lang="en-US" smtClean="0"/>
-              <a:t>1/21/18</a:t>
+              <a:t>1/24/18</a:t>
             </a:fld>
             <a:endParaRPr lang="en-US"/>
           </a:p>
@@ -2672,7 +2672,7 @@
           <a:p>
             <a:fld id="{FB208076-E5D3-5740-93E0-1A5007528D47}" type="datetimeFigureOut">
               <a:rPr lang="en-US" smtClean="0"/>
-              <a:t>1/21/18</a:t>
+              <a:t>1/24/18</a:t>
             </a:fld>
             <a:endParaRPr lang="en-US"/>
           </a:p>
@@ -2913,7 +2913,7 @@
           <a:p>
             <a:fld id="{FB208076-E5D3-5740-93E0-1A5007528D47}" type="datetimeFigureOut">
               <a:rPr lang="en-US" smtClean="0"/>
-              <a:t>1/21/18</a:t>
+              <a:t>1/24/18</a:t>
             </a:fld>
             <a:endParaRPr lang="en-US"/>
           </a:p>
@@ -3332,10 +3332,10 @@
       </p:grpSpPr>
       <p:sp>
         <p:nvSpPr>
-          <p:cNvPr id="8" name="Cloud 7">
-            <a:extLst>
-              <a:ext uri="{FF2B5EF4-FFF2-40B4-BE49-F238E27FC236}">
-                <a16:creationId xmlns:a16="http://schemas.microsoft.com/office/drawing/2014/main" id="{E552D24A-D6A1-5C4B-8092-A29BAAF4C785}"/>
+          <p:cNvPr id="42" name="Cube 41">
+            <a:extLst>
+              <a:ext uri="{FF2B5EF4-FFF2-40B4-BE49-F238E27FC236}">
+                <a16:creationId xmlns:a16="http://schemas.microsoft.com/office/drawing/2014/main" id="{75A40077-2F8E-F648-AA8F-087C1B4F18FC}"/>
               </a:ext>
             </a:extLst>
           </p:cNvPr>
@@ -3344,67 +3344,12 @@
         </p:nvSpPr>
         <p:spPr>
           <a:xfrm>
-            <a:off x="4016416" y="1177990"/>
-            <a:ext cx="4542944" cy="2967688"/>
-          </a:xfrm>
-          <a:prstGeom prst="cloud">
-            <a:avLst/>
-          </a:prstGeom>
-          <a:solidFill>
-            <a:schemeClr val="accent1">
-              <a:lumMod val="20000"/>
-              <a:lumOff val="80000"/>
-            </a:schemeClr>
-          </a:solidFill>
-          <a:ln>
-            <a:noFill/>
-          </a:ln>
-        </p:spPr>
-        <p:style>
-          <a:lnRef idx="2">
-            <a:schemeClr val="accent1">
-              <a:shade val="50000"/>
-            </a:schemeClr>
-          </a:lnRef>
-          <a:fillRef idx="1">
-            <a:schemeClr val="accent1"/>
-          </a:fillRef>
-          <a:effectRef idx="0">
-            <a:schemeClr val="accent1"/>
-          </a:effectRef>
-          <a:fontRef idx="minor">
-            <a:schemeClr val="lt1"/>
-          </a:fontRef>
-        </p:style>
-        <p:txBody>
-          <a:bodyPr rtlCol="0" anchor="ctr"/>
-          <a:lstStyle/>
-          <a:p>
-            <a:pPr algn="ctr"/>
-            <a:endParaRPr lang="en-US"/>
-          </a:p>
-        </p:txBody>
-      </p:sp>
-      <p:sp>
-        <p:nvSpPr>
-          <p:cNvPr id="124" name="Cube 123">
-            <a:extLst>
-              <a:ext uri="{FF2B5EF4-FFF2-40B4-BE49-F238E27FC236}">
-                <a16:creationId xmlns:a16="http://schemas.microsoft.com/office/drawing/2014/main" id="{52E68E71-C67F-364D-9454-5F0342DD79E1}"/>
-              </a:ext>
-            </a:extLst>
-          </p:cNvPr>
-          <p:cNvSpPr/>
-          <p:nvPr/>
-        </p:nvSpPr>
-        <p:spPr>
-          <a:xfrm>
-            <a:off x="5739001" y="1852288"/>
-            <a:ext cx="1178233" cy="581586"/>
+            <a:off x="1753027" y="1547337"/>
+            <a:ext cx="5593745" cy="1722437"/>
           </a:xfrm>
           <a:prstGeom prst="cube">
             <a:avLst>
-              <a:gd name="adj" fmla="val 15049"/>
+              <a:gd name="adj" fmla="val 9067"/>
             </a:avLst>
           </a:prstGeom>
         </p:spPr>
@@ -3423,34 +3368,20 @@
           </a:fontRef>
         </p:style>
         <p:txBody>
-          <a:bodyPr rtlCol="0" anchor="ctr"/>
+          <a:bodyPr rtlCol="0" anchor="t" anchorCtr="0"/>
           <a:lstStyle/>
           <a:p>
             <a:pPr algn="ctr"/>
-            <a:r>
-              <a:rPr lang="en-US" sz="1400" b="1" dirty="0"/>
-              <a:t>Watson </a:t>
-            </a:r>
-            <a:r>
-              <a:rPr lang="en-US" sz="1400" b="1" dirty="0" err="1"/>
-              <a:t>IoT</a:t>
-            </a:r>
-            <a:br>
-              <a:rPr lang="en-US" sz="1400" b="1" dirty="0"/>
-            </a:br>
-            <a:r>
-              <a:rPr lang="en-US" sz="1400" b="1" dirty="0"/>
-              <a:t>application</a:t>
-            </a:r>
+            <a:endParaRPr lang="en-US" sz="1400" b="1" dirty="0"/>
           </a:p>
         </p:txBody>
       </p:sp>
       <p:sp>
         <p:nvSpPr>
-          <p:cNvPr id="123" name="Cube 122">
-            <a:extLst>
-              <a:ext uri="{FF2B5EF4-FFF2-40B4-BE49-F238E27FC236}">
-                <a16:creationId xmlns:a16="http://schemas.microsoft.com/office/drawing/2014/main" id="{66DE88E7-9C23-184D-ADBD-523C8CA57E47}"/>
+          <p:cNvPr id="43" name="Cloud 42">
+            <a:extLst>
+              <a:ext uri="{FF2B5EF4-FFF2-40B4-BE49-F238E27FC236}">
+                <a16:creationId xmlns:a16="http://schemas.microsoft.com/office/drawing/2014/main" id="{234428EE-A906-8C43-A1E7-934BD96D644F}"/>
               </a:ext>
             </a:extLst>
           </p:cNvPr>
@@ -3459,27 +3390,36 @@
         </p:nvSpPr>
         <p:spPr>
           <a:xfrm>
-            <a:off x="1780841" y="4514128"/>
-            <a:ext cx="9174804" cy="995421"/>
-          </a:xfrm>
-          <a:prstGeom prst="cube">
-            <a:avLst>
-              <a:gd name="adj" fmla="val 13059"/>
-            </a:avLst>
+            <a:off x="8133478" y="949123"/>
+            <a:ext cx="3800475" cy="3307601"/>
+          </a:xfrm>
+          <a:prstGeom prst="cloud">
+            <a:avLst/>
           </a:prstGeom>
+          <a:solidFill>
+            <a:schemeClr val="accent1">
+              <a:lumMod val="20000"/>
+              <a:lumOff val="80000"/>
+            </a:schemeClr>
+          </a:solidFill>
+          <a:ln>
+            <a:noFill/>
+          </a:ln>
         </p:spPr>
         <p:style>
-          <a:lnRef idx="1">
-            <a:schemeClr val="accent3"/>
+          <a:lnRef idx="2">
+            <a:schemeClr val="accent1">
+              <a:shade val="50000"/>
+            </a:schemeClr>
           </a:lnRef>
-          <a:fillRef idx="2">
-            <a:schemeClr val="accent3"/>
+          <a:fillRef idx="1">
+            <a:schemeClr val="accent1"/>
           </a:fillRef>
-          <a:effectRef idx="1">
-            <a:schemeClr val="accent3"/>
+          <a:effectRef idx="0">
+            <a:schemeClr val="accent1"/>
           </a:effectRef>
           <a:fontRef idx="minor">
-            <a:schemeClr val="dk1"/>
+            <a:schemeClr val="lt1"/>
           </a:fontRef>
         </p:style>
         <p:txBody>
@@ -3487,16 +3427,16 @@
           <a:lstStyle/>
           <a:p>
             <a:pPr algn="ctr"/>
-            <a:endParaRPr lang="en-US" sz="1400" b="1" dirty="0"/>
+            <a:endParaRPr lang="en-US"/>
           </a:p>
         </p:txBody>
       </p:sp>
       <p:sp>
         <p:nvSpPr>
-          <p:cNvPr id="6" name="TextBox 5">
-            <a:extLst>
-              <a:ext uri="{FF2B5EF4-FFF2-40B4-BE49-F238E27FC236}">
-                <a16:creationId xmlns:a16="http://schemas.microsoft.com/office/drawing/2014/main" id="{7E35C96D-403B-7A44-8DBD-FAB4CB6E2FC2}"/>
+          <p:cNvPr id="44" name="TextBox 43">
+            <a:extLst>
+              <a:ext uri="{FF2B5EF4-FFF2-40B4-BE49-F238E27FC236}">
+                <a16:creationId xmlns:a16="http://schemas.microsoft.com/office/drawing/2014/main" id="{8F22E40B-FF07-6B4E-8193-B89460C117EE}"/>
               </a:ext>
             </a:extLst>
           </p:cNvPr>
@@ -3505,7 +3445,7 @@
         </p:nvSpPr>
         <p:spPr>
           <a:xfrm>
-            <a:off x="3886739" y="4878028"/>
+            <a:off x="4015193" y="1905485"/>
             <a:ext cx="1023851" cy="461665"/>
           </a:xfrm>
           <a:prstGeom prst="rect">
@@ -3574,325 +3514,10 @@
       </p:sp>
       <p:sp>
         <p:nvSpPr>
-          <p:cNvPr id="34" name="Rectangle 33">
-            <a:extLst>
-              <a:ext uri="{FF2B5EF4-FFF2-40B4-BE49-F238E27FC236}">
-                <a16:creationId xmlns:a16="http://schemas.microsoft.com/office/drawing/2014/main" id="{8BB31788-6D57-914B-B02E-CC686353E154}"/>
-              </a:ext>
-            </a:extLst>
-          </p:cNvPr>
-          <p:cNvSpPr/>
-          <p:nvPr/>
-        </p:nvSpPr>
-        <p:spPr>
-          <a:xfrm>
-            <a:off x="5839309" y="4879734"/>
-            <a:ext cx="1085452" cy="458253"/>
-          </a:xfrm>
-          <a:custGeom>
-            <a:avLst/>
-            <a:gdLst>
-              <a:gd name="connsiteX0" fmla="*/ 0 w 990596"/>
-              <a:gd name="connsiteY0" fmla="*/ 0 h 454751"/>
-              <a:gd name="connsiteX1" fmla="*/ 990596 w 990596"/>
-              <a:gd name="connsiteY1" fmla="*/ 0 h 454751"/>
-              <a:gd name="connsiteX2" fmla="*/ 990596 w 990596"/>
-              <a:gd name="connsiteY2" fmla="*/ 454751 h 454751"/>
-              <a:gd name="connsiteX3" fmla="*/ 0 w 990596"/>
-              <a:gd name="connsiteY3" fmla="*/ 454751 h 454751"/>
-              <a:gd name="connsiteX4" fmla="*/ 0 w 990596"/>
-              <a:gd name="connsiteY4" fmla="*/ 0 h 454751"/>
-              <a:gd name="connsiteX0" fmla="*/ 0 w 990596"/>
-              <a:gd name="connsiteY0" fmla="*/ 0 h 454751"/>
-              <a:gd name="connsiteX1" fmla="*/ 312688 w 990596"/>
-              <a:gd name="connsiteY1" fmla="*/ 3175 h 454751"/>
-              <a:gd name="connsiteX2" fmla="*/ 990596 w 990596"/>
-              <a:gd name="connsiteY2" fmla="*/ 0 h 454751"/>
-              <a:gd name="connsiteX3" fmla="*/ 990596 w 990596"/>
-              <a:gd name="connsiteY3" fmla="*/ 454751 h 454751"/>
-              <a:gd name="connsiteX4" fmla="*/ 0 w 990596"/>
-              <a:gd name="connsiteY4" fmla="*/ 454751 h 454751"/>
-              <a:gd name="connsiteX5" fmla="*/ 0 w 990596"/>
-              <a:gd name="connsiteY5" fmla="*/ 0 h 454751"/>
-              <a:gd name="connsiteX0" fmla="*/ 0 w 990596"/>
-              <a:gd name="connsiteY0" fmla="*/ 0 h 457200"/>
-              <a:gd name="connsiteX1" fmla="*/ 312688 w 990596"/>
-              <a:gd name="connsiteY1" fmla="*/ 3175 h 457200"/>
-              <a:gd name="connsiteX2" fmla="*/ 990596 w 990596"/>
-              <a:gd name="connsiteY2" fmla="*/ 0 h 457200"/>
-              <a:gd name="connsiteX3" fmla="*/ 990596 w 990596"/>
-              <a:gd name="connsiteY3" fmla="*/ 454751 h 457200"/>
-              <a:gd name="connsiteX4" fmla="*/ 312688 w 990596"/>
-              <a:gd name="connsiteY4" fmla="*/ 457200 h 457200"/>
-              <a:gd name="connsiteX5" fmla="*/ 0 w 990596"/>
-              <a:gd name="connsiteY5" fmla="*/ 454751 h 457200"/>
-              <a:gd name="connsiteX6" fmla="*/ 0 w 990596"/>
-              <a:gd name="connsiteY6" fmla="*/ 0 h 457200"/>
-              <a:gd name="connsiteX0" fmla="*/ 0 w 990596"/>
-              <a:gd name="connsiteY0" fmla="*/ 1 h 457201"/>
-              <a:gd name="connsiteX1" fmla="*/ 312688 w 990596"/>
-              <a:gd name="connsiteY1" fmla="*/ 3176 h 457201"/>
-              <a:gd name="connsiteX2" fmla="*/ 611138 w 990596"/>
-              <a:gd name="connsiteY2" fmla="*/ 0 h 457201"/>
-              <a:gd name="connsiteX3" fmla="*/ 990596 w 990596"/>
-              <a:gd name="connsiteY3" fmla="*/ 1 h 457201"/>
-              <a:gd name="connsiteX4" fmla="*/ 990596 w 990596"/>
-              <a:gd name="connsiteY4" fmla="*/ 454752 h 457201"/>
-              <a:gd name="connsiteX5" fmla="*/ 312688 w 990596"/>
-              <a:gd name="connsiteY5" fmla="*/ 457201 h 457201"/>
-              <a:gd name="connsiteX6" fmla="*/ 0 w 990596"/>
-              <a:gd name="connsiteY6" fmla="*/ 454752 h 457201"/>
-              <a:gd name="connsiteX7" fmla="*/ 0 w 990596"/>
-              <a:gd name="connsiteY7" fmla="*/ 1 h 457201"/>
-              <a:gd name="connsiteX0" fmla="*/ 0 w 990596"/>
-              <a:gd name="connsiteY0" fmla="*/ 1 h 460376"/>
-              <a:gd name="connsiteX1" fmla="*/ 312688 w 990596"/>
-              <a:gd name="connsiteY1" fmla="*/ 3176 h 460376"/>
-              <a:gd name="connsiteX2" fmla="*/ 611138 w 990596"/>
-              <a:gd name="connsiteY2" fmla="*/ 0 h 460376"/>
-              <a:gd name="connsiteX3" fmla="*/ 990596 w 990596"/>
-              <a:gd name="connsiteY3" fmla="*/ 1 h 460376"/>
-              <a:gd name="connsiteX4" fmla="*/ 990596 w 990596"/>
-              <a:gd name="connsiteY4" fmla="*/ 454752 h 460376"/>
-              <a:gd name="connsiteX5" fmla="*/ 614313 w 990596"/>
-              <a:gd name="connsiteY5" fmla="*/ 460376 h 460376"/>
-              <a:gd name="connsiteX6" fmla="*/ 312688 w 990596"/>
-              <a:gd name="connsiteY6" fmla="*/ 457201 h 460376"/>
-              <a:gd name="connsiteX7" fmla="*/ 0 w 990596"/>
-              <a:gd name="connsiteY7" fmla="*/ 454752 h 460376"/>
-              <a:gd name="connsiteX8" fmla="*/ 0 w 990596"/>
-              <a:gd name="connsiteY8" fmla="*/ 1 h 460376"/>
-              <a:gd name="connsiteX0" fmla="*/ 0 w 990596"/>
-              <a:gd name="connsiteY0" fmla="*/ 1 h 490278"/>
-              <a:gd name="connsiteX1" fmla="*/ 312688 w 990596"/>
-              <a:gd name="connsiteY1" fmla="*/ 3176 h 490278"/>
-              <a:gd name="connsiteX2" fmla="*/ 611138 w 990596"/>
-              <a:gd name="connsiteY2" fmla="*/ 0 h 490278"/>
-              <a:gd name="connsiteX3" fmla="*/ 990596 w 990596"/>
-              <a:gd name="connsiteY3" fmla="*/ 1 h 490278"/>
-              <a:gd name="connsiteX4" fmla="*/ 990596 w 990596"/>
-              <a:gd name="connsiteY4" fmla="*/ 454752 h 490278"/>
-              <a:gd name="connsiteX5" fmla="*/ 614313 w 990596"/>
-              <a:gd name="connsiteY5" fmla="*/ 460376 h 490278"/>
-              <a:gd name="connsiteX6" fmla="*/ 312688 w 990596"/>
-              <a:gd name="connsiteY6" fmla="*/ 457201 h 490278"/>
-              <a:gd name="connsiteX7" fmla="*/ 0 w 990596"/>
-              <a:gd name="connsiteY7" fmla="*/ 454752 h 490278"/>
-              <a:gd name="connsiteX8" fmla="*/ 0 w 990596"/>
-              <a:gd name="connsiteY8" fmla="*/ 1 h 490278"/>
-              <a:gd name="connsiteX0" fmla="*/ 0 w 990596"/>
-              <a:gd name="connsiteY0" fmla="*/ 1 h 490630"/>
-              <a:gd name="connsiteX1" fmla="*/ 312688 w 990596"/>
-              <a:gd name="connsiteY1" fmla="*/ 3176 h 490630"/>
-              <a:gd name="connsiteX2" fmla="*/ 611138 w 990596"/>
-              <a:gd name="connsiteY2" fmla="*/ 0 h 490630"/>
-              <a:gd name="connsiteX3" fmla="*/ 990596 w 990596"/>
-              <a:gd name="connsiteY3" fmla="*/ 1 h 490630"/>
-              <a:gd name="connsiteX4" fmla="*/ 990596 w 990596"/>
-              <a:gd name="connsiteY4" fmla="*/ 454752 h 490630"/>
-              <a:gd name="connsiteX5" fmla="*/ 614313 w 990596"/>
-              <a:gd name="connsiteY5" fmla="*/ 460376 h 490630"/>
-              <a:gd name="connsiteX6" fmla="*/ 312688 w 990596"/>
-              <a:gd name="connsiteY6" fmla="*/ 457201 h 490630"/>
-              <a:gd name="connsiteX7" fmla="*/ 0 w 990596"/>
-              <a:gd name="connsiteY7" fmla="*/ 454752 h 490630"/>
-              <a:gd name="connsiteX8" fmla="*/ 0 w 990596"/>
-              <a:gd name="connsiteY8" fmla="*/ 1 h 490630"/>
-              <a:gd name="connsiteX0" fmla="*/ 0 w 990596"/>
-              <a:gd name="connsiteY0" fmla="*/ 1 h 489711"/>
-              <a:gd name="connsiteX1" fmla="*/ 312688 w 990596"/>
-              <a:gd name="connsiteY1" fmla="*/ 3176 h 489711"/>
-              <a:gd name="connsiteX2" fmla="*/ 611138 w 990596"/>
-              <a:gd name="connsiteY2" fmla="*/ 0 h 489711"/>
-              <a:gd name="connsiteX3" fmla="*/ 990596 w 990596"/>
-              <a:gd name="connsiteY3" fmla="*/ 1 h 489711"/>
-              <a:gd name="connsiteX4" fmla="*/ 990596 w 990596"/>
-              <a:gd name="connsiteY4" fmla="*/ 454752 h 489711"/>
-              <a:gd name="connsiteX5" fmla="*/ 614313 w 990596"/>
-              <a:gd name="connsiteY5" fmla="*/ 460376 h 489711"/>
-              <a:gd name="connsiteX6" fmla="*/ 312688 w 990596"/>
-              <a:gd name="connsiteY6" fmla="*/ 457201 h 489711"/>
-              <a:gd name="connsiteX7" fmla="*/ 0 w 990596"/>
-              <a:gd name="connsiteY7" fmla="*/ 454752 h 489711"/>
-              <a:gd name="connsiteX8" fmla="*/ 0 w 990596"/>
-              <a:gd name="connsiteY8" fmla="*/ 1 h 489711"/>
-              <a:gd name="connsiteX0" fmla="*/ 0 w 990596"/>
-              <a:gd name="connsiteY0" fmla="*/ 1 h 489265"/>
-              <a:gd name="connsiteX1" fmla="*/ 312688 w 990596"/>
-              <a:gd name="connsiteY1" fmla="*/ 3176 h 489265"/>
-              <a:gd name="connsiteX2" fmla="*/ 611138 w 990596"/>
-              <a:gd name="connsiteY2" fmla="*/ 0 h 489265"/>
-              <a:gd name="connsiteX3" fmla="*/ 990596 w 990596"/>
-              <a:gd name="connsiteY3" fmla="*/ 1 h 489265"/>
-              <a:gd name="connsiteX4" fmla="*/ 990596 w 990596"/>
-              <a:gd name="connsiteY4" fmla="*/ 454752 h 489265"/>
-              <a:gd name="connsiteX5" fmla="*/ 312688 w 990596"/>
-              <a:gd name="connsiteY5" fmla="*/ 457201 h 489265"/>
-              <a:gd name="connsiteX6" fmla="*/ 0 w 990596"/>
-              <a:gd name="connsiteY6" fmla="*/ 454752 h 489265"/>
-              <a:gd name="connsiteX7" fmla="*/ 0 w 990596"/>
-              <a:gd name="connsiteY7" fmla="*/ 1 h 489265"/>
-              <a:gd name="connsiteX0" fmla="*/ 0 w 990596"/>
-              <a:gd name="connsiteY0" fmla="*/ 1 h 458386"/>
-              <a:gd name="connsiteX1" fmla="*/ 312688 w 990596"/>
-              <a:gd name="connsiteY1" fmla="*/ 3176 h 458386"/>
-              <a:gd name="connsiteX2" fmla="*/ 611138 w 990596"/>
-              <a:gd name="connsiteY2" fmla="*/ 0 h 458386"/>
-              <a:gd name="connsiteX3" fmla="*/ 990596 w 990596"/>
-              <a:gd name="connsiteY3" fmla="*/ 1 h 458386"/>
-              <a:gd name="connsiteX4" fmla="*/ 990596 w 990596"/>
-              <a:gd name="connsiteY4" fmla="*/ 454752 h 458386"/>
-              <a:gd name="connsiteX5" fmla="*/ 312688 w 990596"/>
-              <a:gd name="connsiteY5" fmla="*/ 457201 h 458386"/>
-              <a:gd name="connsiteX6" fmla="*/ 0 w 990596"/>
-              <a:gd name="connsiteY6" fmla="*/ 454752 h 458386"/>
-              <a:gd name="connsiteX7" fmla="*/ 0 w 990596"/>
-              <a:gd name="connsiteY7" fmla="*/ 1 h 458386"/>
-              <a:gd name="connsiteX0" fmla="*/ 0 w 990596"/>
-              <a:gd name="connsiteY0" fmla="*/ 1 h 489172"/>
-              <a:gd name="connsiteX1" fmla="*/ 312688 w 990596"/>
-              <a:gd name="connsiteY1" fmla="*/ 3176 h 489172"/>
-              <a:gd name="connsiteX2" fmla="*/ 611138 w 990596"/>
-              <a:gd name="connsiteY2" fmla="*/ 0 h 489172"/>
-              <a:gd name="connsiteX3" fmla="*/ 990596 w 990596"/>
-              <a:gd name="connsiteY3" fmla="*/ 1 h 489172"/>
-              <a:gd name="connsiteX4" fmla="*/ 990596 w 990596"/>
-              <a:gd name="connsiteY4" fmla="*/ 454752 h 489172"/>
-              <a:gd name="connsiteX5" fmla="*/ 611138 w 990596"/>
-              <a:gd name="connsiteY5" fmla="*/ 457201 h 489172"/>
-              <a:gd name="connsiteX6" fmla="*/ 312688 w 990596"/>
-              <a:gd name="connsiteY6" fmla="*/ 457201 h 489172"/>
-              <a:gd name="connsiteX7" fmla="*/ 0 w 990596"/>
-              <a:gd name="connsiteY7" fmla="*/ 454752 h 489172"/>
-              <a:gd name="connsiteX8" fmla="*/ 0 w 990596"/>
-              <a:gd name="connsiteY8" fmla="*/ 1 h 489172"/>
-              <a:gd name="connsiteX0" fmla="*/ 0 w 990596"/>
-              <a:gd name="connsiteY0" fmla="*/ 1 h 458253"/>
-              <a:gd name="connsiteX1" fmla="*/ 312688 w 990596"/>
-              <a:gd name="connsiteY1" fmla="*/ 3176 h 458253"/>
-              <a:gd name="connsiteX2" fmla="*/ 611138 w 990596"/>
-              <a:gd name="connsiteY2" fmla="*/ 0 h 458253"/>
-              <a:gd name="connsiteX3" fmla="*/ 990596 w 990596"/>
-              <a:gd name="connsiteY3" fmla="*/ 1 h 458253"/>
-              <a:gd name="connsiteX4" fmla="*/ 990596 w 990596"/>
-              <a:gd name="connsiteY4" fmla="*/ 454752 h 458253"/>
-              <a:gd name="connsiteX5" fmla="*/ 611138 w 990596"/>
-              <a:gd name="connsiteY5" fmla="*/ 457201 h 458253"/>
-              <a:gd name="connsiteX6" fmla="*/ 312688 w 990596"/>
-              <a:gd name="connsiteY6" fmla="*/ 457201 h 458253"/>
-              <a:gd name="connsiteX7" fmla="*/ 0 w 990596"/>
-              <a:gd name="connsiteY7" fmla="*/ 454752 h 458253"/>
-              <a:gd name="connsiteX8" fmla="*/ 0 w 990596"/>
-              <a:gd name="connsiteY8" fmla="*/ 1 h 458253"/>
-            </a:gdLst>
-            <a:ahLst/>
-            <a:cxnLst>
-              <a:cxn ang="0">
-                <a:pos x="connsiteX0" y="connsiteY0"/>
-              </a:cxn>
-              <a:cxn ang="0">
-                <a:pos x="connsiteX1" y="connsiteY1"/>
-              </a:cxn>
-              <a:cxn ang="0">
-                <a:pos x="connsiteX2" y="connsiteY2"/>
-              </a:cxn>
-              <a:cxn ang="0">
-                <a:pos x="connsiteX3" y="connsiteY3"/>
-              </a:cxn>
-              <a:cxn ang="0">
-                <a:pos x="connsiteX4" y="connsiteY4"/>
-              </a:cxn>
-              <a:cxn ang="0">
-                <a:pos x="connsiteX5" y="connsiteY5"/>
-              </a:cxn>
-              <a:cxn ang="0">
-                <a:pos x="connsiteX6" y="connsiteY6"/>
-              </a:cxn>
-              <a:cxn ang="0">
-                <a:pos x="connsiteX7" y="connsiteY7"/>
-              </a:cxn>
-              <a:cxn ang="0">
-                <a:pos x="connsiteX8" y="connsiteY8"/>
-              </a:cxn>
-            </a:cxnLst>
-            <a:rect l="l" t="t" r="r" b="b"/>
-            <a:pathLst>
-              <a:path w="990596" h="458253">
-                <a:moveTo>
-                  <a:pt x="0" y="1"/>
-                </a:moveTo>
-                <a:lnTo>
-                  <a:pt x="312688" y="3176"/>
-                </a:lnTo>
-                <a:lnTo>
-                  <a:pt x="611138" y="0"/>
-                </a:lnTo>
-                <a:lnTo>
-                  <a:pt x="990596" y="1"/>
-                </a:lnTo>
-                <a:lnTo>
-                  <a:pt x="990596" y="454752"/>
-                </a:lnTo>
-                <a:cubicBezTo>
-                  <a:pt x="901953" y="461102"/>
-                  <a:pt x="724123" y="456793"/>
-                  <a:pt x="611138" y="457201"/>
-                </a:cubicBezTo>
-                <a:lnTo>
-                  <a:pt x="312688" y="457201"/>
-                </a:lnTo>
-                <a:lnTo>
-                  <a:pt x="0" y="454752"/>
-                </a:lnTo>
-                <a:lnTo>
-                  <a:pt x="0" y="1"/>
-                </a:lnTo>
-                <a:close/>
-              </a:path>
-            </a:pathLst>
-          </a:custGeom>
-        </p:spPr>
-        <p:style>
-          <a:lnRef idx="2">
-            <a:schemeClr val="accent1">
-              <a:shade val="50000"/>
-            </a:schemeClr>
-          </a:lnRef>
-          <a:fillRef idx="1">
-            <a:schemeClr val="accent1"/>
-          </a:fillRef>
-          <a:effectRef idx="0">
-            <a:schemeClr val="accent1"/>
-          </a:effectRef>
-          <a:fontRef idx="minor">
-            <a:schemeClr val="lt1"/>
-          </a:fontRef>
-        </p:style>
-        <p:txBody>
-          <a:bodyPr rtlCol="0" anchor="ctr"/>
-          <a:lstStyle/>
-          <a:p>
-            <a:pPr algn="ctr"/>
-            <a:r>
-              <a:rPr lang="en-US" sz="1200" b="1" dirty="0"/>
-              <a:t>Device</a:t>
-            </a:r>
-          </a:p>
-          <a:p>
-            <a:pPr algn="ctr"/>
-            <a:r>
-              <a:rPr lang="en-US" sz="1200" b="1" dirty="0"/>
-              <a:t>Connector</a:t>
-            </a:r>
-          </a:p>
-        </p:txBody>
-      </p:sp>
-      <p:sp>
-        <p:nvSpPr>
-          <p:cNvPr id="100" name="TextBox 99">
-            <a:extLst>
-              <a:ext uri="{FF2B5EF4-FFF2-40B4-BE49-F238E27FC236}">
-                <a16:creationId xmlns:a16="http://schemas.microsoft.com/office/drawing/2014/main" id="{4543559A-A84D-504E-8A8D-9DF4D0F699C6}"/>
+          <p:cNvPr id="45" name="TextBox 44">
+            <a:extLst>
+              <a:ext uri="{FF2B5EF4-FFF2-40B4-BE49-F238E27FC236}">
+                <a16:creationId xmlns:a16="http://schemas.microsoft.com/office/drawing/2014/main" id="{ACB29E0B-5C12-8C46-BB7E-B009B56FC130}"/>
               </a:ext>
             </a:extLst>
           </p:cNvPr>
@@ -3901,7 +3526,7 @@
         </p:nvSpPr>
         <p:spPr>
           <a:xfrm>
-            <a:off x="7813967" y="4878028"/>
+            <a:off x="4015192" y="2646060"/>
             <a:ext cx="1023851" cy="461665"/>
           </a:xfrm>
           <a:prstGeom prst="rect">
@@ -3970,10 +3595,10 @@
       </p:sp>
       <p:cxnSp>
         <p:nvCxnSpPr>
-          <p:cNvPr id="104" name="Straight Arrow Connector 103">
-            <a:extLst>
-              <a:ext uri="{FF2B5EF4-FFF2-40B4-BE49-F238E27FC236}">
-                <a16:creationId xmlns:a16="http://schemas.microsoft.com/office/drawing/2014/main" id="{716CE753-C55D-1D48-9A92-15C664E47A5F}"/>
+          <p:cNvPr id="48" name="Straight Arrow Connector 47">
+            <a:extLst>
+              <a:ext uri="{FF2B5EF4-FFF2-40B4-BE49-F238E27FC236}">
+                <a16:creationId xmlns:a16="http://schemas.microsoft.com/office/drawing/2014/main" id="{D3799229-68BF-5B49-B782-FCA8A230300C}"/>
               </a:ext>
             </a:extLst>
           </p:cNvPr>
@@ -3983,9 +3608,9 @@
           <p:nvPr/>
         </p:nvCxnSpPr>
         <p:spPr>
-          <a:xfrm>
-            <a:off x="4910590" y="5105806"/>
-            <a:ext cx="928719" cy="6109"/>
+          <a:xfrm flipH="1">
+            <a:off x="5039043" y="2876892"/>
+            <a:ext cx="957423" cy="0"/>
           </a:xfrm>
           <a:prstGeom prst="straightConnector1">
             <a:avLst/>
@@ -4015,10 +3640,10 @@
       </p:cxnSp>
       <p:sp>
         <p:nvSpPr>
-          <p:cNvPr id="109" name="TextBox 108">
-            <a:extLst>
-              <a:ext uri="{FF2B5EF4-FFF2-40B4-BE49-F238E27FC236}">
-                <a16:creationId xmlns:a16="http://schemas.microsoft.com/office/drawing/2014/main" id="{F33461BC-A8E2-3C43-9BE6-4B48679A4446}"/>
+          <p:cNvPr id="49" name="TextBox 48">
+            <a:extLst>
+              <a:ext uri="{FF2B5EF4-FFF2-40B4-BE49-F238E27FC236}">
+                <a16:creationId xmlns:a16="http://schemas.microsoft.com/office/drawing/2014/main" id="{D602D5E3-8AFC-E44E-BED9-44B4B4111019}"/>
               </a:ext>
             </a:extLst>
           </p:cNvPr>
@@ -4027,7 +3652,7 @@
         </p:nvSpPr>
         <p:spPr>
           <a:xfrm>
-            <a:off x="5019705" y="4841277"/>
+            <a:off x="5136409" y="1856055"/>
             <a:ext cx="693924" cy="307777"/>
           </a:xfrm>
           <a:prstGeom prst="rect">
@@ -4057,10 +3682,10 @@
       </p:sp>
       <p:sp>
         <p:nvSpPr>
-          <p:cNvPr id="110" name="TextBox 109">
-            <a:extLst>
-              <a:ext uri="{FF2B5EF4-FFF2-40B4-BE49-F238E27FC236}">
-                <a16:creationId xmlns:a16="http://schemas.microsoft.com/office/drawing/2014/main" id="{77321C60-4FB2-8A47-BD7B-D3EAAB3874E5}"/>
+          <p:cNvPr id="50" name="TextBox 49">
+            <a:extLst>
+              <a:ext uri="{FF2B5EF4-FFF2-40B4-BE49-F238E27FC236}">
+                <a16:creationId xmlns:a16="http://schemas.microsoft.com/office/drawing/2014/main" id="{A3194800-9FEC-4B45-B3F3-E3AC59DC56EA}"/>
               </a:ext>
             </a:extLst>
           </p:cNvPr>
@@ -4069,7 +3694,7 @@
         </p:nvSpPr>
         <p:spPr>
           <a:xfrm>
-            <a:off x="6840347" y="4833322"/>
+            <a:off x="5035999" y="2611358"/>
             <a:ext cx="1027804" cy="307777"/>
           </a:xfrm>
           <a:prstGeom prst="rect">
@@ -4099,10 +3724,10 @@
       </p:sp>
       <p:sp>
         <p:nvSpPr>
-          <p:cNvPr id="116" name="TextBox 115">
-            <a:extLst>
-              <a:ext uri="{FF2B5EF4-FFF2-40B4-BE49-F238E27FC236}">
-                <a16:creationId xmlns:a16="http://schemas.microsoft.com/office/drawing/2014/main" id="{336D379E-6CD9-4F4F-B14F-13C2454C3365}"/>
+          <p:cNvPr id="51" name="TextBox 50">
+            <a:extLst>
+              <a:ext uri="{FF2B5EF4-FFF2-40B4-BE49-F238E27FC236}">
+                <a16:creationId xmlns:a16="http://schemas.microsoft.com/office/drawing/2014/main" id="{A21C0645-7AA5-B041-82D9-5A55ED5783CC}"/>
               </a:ext>
             </a:extLst>
           </p:cNvPr>
@@ -4111,7 +3736,7 @@
         </p:nvSpPr>
         <p:spPr>
           <a:xfrm>
-            <a:off x="513501" y="5187918"/>
+            <a:off x="1041690" y="1848127"/>
             <a:ext cx="994659" cy="307777"/>
           </a:xfrm>
           <a:prstGeom prst="rect">
@@ -4127,18 +3752,18 @@
           <a:p>
             <a:pPr algn="ctr"/>
             <a:r>
-              <a:rPr lang="en-US" sz="1400" i="1" dirty="0"/>
-              <a:t>sensors</a:t>
+              <a:rPr lang="en-US" sz="1400" b="1" dirty="0"/>
+              <a:t>readings</a:t>
             </a:r>
           </a:p>
         </p:txBody>
       </p:sp>
       <p:sp>
         <p:nvSpPr>
-          <p:cNvPr id="117" name="TextBox 116">
-            <a:extLst>
-              <a:ext uri="{FF2B5EF4-FFF2-40B4-BE49-F238E27FC236}">
-                <a16:creationId xmlns:a16="http://schemas.microsoft.com/office/drawing/2014/main" id="{E2B82503-6E29-9545-BBBE-5FDF2407C3F5}"/>
+          <p:cNvPr id="52" name="TextBox 51">
+            <a:extLst>
+              <a:ext uri="{FF2B5EF4-FFF2-40B4-BE49-F238E27FC236}">
+                <a16:creationId xmlns:a16="http://schemas.microsoft.com/office/drawing/2014/main" id="{803D5114-9670-E947-BDAC-FBB6756055F5}"/>
               </a:ext>
             </a:extLst>
           </p:cNvPr>
@@ -4147,7 +3772,7 @@
         </p:nvSpPr>
         <p:spPr>
           <a:xfrm>
-            <a:off x="10955645" y="5230334"/>
+            <a:off x="901451" y="2608484"/>
             <a:ext cx="1314987" cy="307777"/>
           </a:xfrm>
           <a:prstGeom prst="rect">
@@ -4163,6 +3788,78 @@
           <a:p>
             <a:pPr algn="ctr"/>
             <a:r>
+              <a:rPr lang="en-US" sz="1400" b="1" dirty="0"/>
+              <a:t>actions</a:t>
+            </a:r>
+          </a:p>
+        </p:txBody>
+      </p:sp>
+      <p:sp>
+        <p:nvSpPr>
+          <p:cNvPr id="53" name="TextBox 52">
+            <a:extLst>
+              <a:ext uri="{FF2B5EF4-FFF2-40B4-BE49-F238E27FC236}">
+                <a16:creationId xmlns:a16="http://schemas.microsoft.com/office/drawing/2014/main" id="{2A0B76CD-E6C2-7241-91D2-D7AC16AF993E}"/>
+              </a:ext>
+            </a:extLst>
+          </p:cNvPr>
+          <p:cNvSpPr txBox="1"/>
+          <p:nvPr/>
+        </p:nvSpPr>
+        <p:spPr>
+          <a:xfrm>
+            <a:off x="439436" y="2169467"/>
+            <a:ext cx="994659" cy="307777"/>
+          </a:xfrm>
+          <a:prstGeom prst="rect">
+            <a:avLst/>
+          </a:prstGeom>
+          <a:noFill/>
+        </p:spPr>
+        <p:txBody>
+          <a:bodyPr wrap="square" rtlCol="0">
+            <a:spAutoFit/>
+          </a:bodyPr>
+          <a:lstStyle/>
+          <a:p>
+            <a:pPr algn="ctr"/>
+            <a:r>
+              <a:rPr lang="en-US" sz="1400" i="1" dirty="0"/>
+              <a:t>sensors</a:t>
+            </a:r>
+          </a:p>
+        </p:txBody>
+      </p:sp>
+      <p:sp>
+        <p:nvSpPr>
+          <p:cNvPr id="54" name="TextBox 53">
+            <a:extLst>
+              <a:ext uri="{FF2B5EF4-FFF2-40B4-BE49-F238E27FC236}">
+                <a16:creationId xmlns:a16="http://schemas.microsoft.com/office/drawing/2014/main" id="{E4D28EFB-8DDC-E849-99F2-61E4B6154986}"/>
+              </a:ext>
+            </a:extLst>
+          </p:cNvPr>
+          <p:cNvSpPr txBox="1"/>
+          <p:nvPr/>
+        </p:nvSpPr>
+        <p:spPr>
+          <a:xfrm>
+            <a:off x="428290" y="2961997"/>
+            <a:ext cx="941407" cy="307777"/>
+          </a:xfrm>
+          <a:prstGeom prst="rect">
+            <a:avLst/>
+          </a:prstGeom>
+          <a:noFill/>
+        </p:spPr>
+        <p:txBody>
+          <a:bodyPr wrap="square" rtlCol="0">
+            <a:spAutoFit/>
+          </a:bodyPr>
+          <a:lstStyle/>
+          <a:p>
+            <a:pPr algn="ctr"/>
+            <a:r>
               <a:rPr lang="en-US" sz="1400" i="1" dirty="0"/>
               <a:t>actuators</a:t>
             </a:r>
@@ -4171,10 +3868,10 @@
       </p:sp>
       <p:pic>
         <p:nvPicPr>
-          <p:cNvPr id="118" name="Picture 117">
-            <a:extLst>
-              <a:ext uri="{FF2B5EF4-FFF2-40B4-BE49-F238E27FC236}">
-                <a16:creationId xmlns:a16="http://schemas.microsoft.com/office/drawing/2014/main" id="{A69E6518-E389-EB4E-ABDD-76845888888E}"/>
+          <p:cNvPr id="55" name="Picture 54">
+            <a:extLst>
+              <a:ext uri="{FF2B5EF4-FFF2-40B4-BE49-F238E27FC236}">
+                <a16:creationId xmlns:a16="http://schemas.microsoft.com/office/drawing/2014/main" id="{B5BCBD5D-0B5C-BD42-B2D7-DCCA170ABB88}"/>
               </a:ext>
             </a:extLst>
           </p:cNvPr>
@@ -4191,7 +3888,7 @@
         </p:blipFill>
         <p:spPr>
           <a:xfrm>
-            <a:off x="866016" y="4921223"/>
+            <a:off x="761453" y="1948680"/>
             <a:ext cx="375275" cy="375275"/>
           </a:xfrm>
           <a:prstGeom prst="rect">
@@ -4201,10 +3898,10 @@
       </p:pic>
       <p:pic>
         <p:nvPicPr>
-          <p:cNvPr id="119" name="Picture 118">
-            <a:extLst>
-              <a:ext uri="{FF2B5EF4-FFF2-40B4-BE49-F238E27FC236}">
-                <a16:creationId xmlns:a16="http://schemas.microsoft.com/office/drawing/2014/main" id="{5ABF206B-BEAD-E047-AC39-739CA3186F67}"/>
+          <p:cNvPr id="56" name="Picture 55">
+            <a:extLst>
+              <a:ext uri="{FF2B5EF4-FFF2-40B4-BE49-F238E27FC236}">
+                <a16:creationId xmlns:a16="http://schemas.microsoft.com/office/drawing/2014/main" id="{DFAC74B8-537F-6742-98A6-6342BBBC5A4A}"/>
               </a:ext>
             </a:extLst>
           </p:cNvPr>
@@ -4221,7 +3918,7 @@
         </p:blipFill>
         <p:spPr>
           <a:xfrm>
-            <a:off x="11405349" y="4884724"/>
+            <a:off x="688456" y="2652756"/>
             <a:ext cx="448272" cy="448272"/>
           </a:xfrm>
           <a:prstGeom prst="rect">
@@ -4231,10 +3928,10 @@
       </p:pic>
       <p:sp>
         <p:nvSpPr>
-          <p:cNvPr id="126" name="Folded Corner 125">
-            <a:extLst>
-              <a:ext uri="{FF2B5EF4-FFF2-40B4-BE49-F238E27FC236}">
-                <a16:creationId xmlns:a16="http://schemas.microsoft.com/office/drawing/2014/main" id="{CB147A71-64F9-4A46-8D7F-BB0977827687}"/>
+          <p:cNvPr id="57" name="Cube 56">
+            <a:extLst>
+              <a:ext uri="{FF2B5EF4-FFF2-40B4-BE49-F238E27FC236}">
+                <a16:creationId xmlns:a16="http://schemas.microsoft.com/office/drawing/2014/main" id="{1A7DC726-711E-2346-A995-CFD19055AF08}"/>
               </a:ext>
             </a:extLst>
           </p:cNvPr>
@@ -4243,7 +3940,112 @@
         </p:nvSpPr>
         <p:spPr>
           <a:xfrm>
-            <a:off x="7246577" y="5749489"/>
+            <a:off x="10326316" y="2149355"/>
+            <a:ext cx="1178233" cy="581586"/>
+          </a:xfrm>
+          <a:prstGeom prst="cube">
+            <a:avLst>
+              <a:gd name="adj" fmla="val 15049"/>
+            </a:avLst>
+          </a:prstGeom>
+        </p:spPr>
+        <p:style>
+          <a:lnRef idx="1">
+            <a:schemeClr val="accent3"/>
+          </a:lnRef>
+          <a:fillRef idx="2">
+            <a:schemeClr val="accent3"/>
+          </a:fillRef>
+          <a:effectRef idx="1">
+            <a:schemeClr val="accent3"/>
+          </a:effectRef>
+          <a:fontRef idx="minor">
+            <a:schemeClr val="dk1"/>
+          </a:fontRef>
+        </p:style>
+        <p:txBody>
+          <a:bodyPr rtlCol="0" anchor="ctr"/>
+          <a:lstStyle/>
+          <a:p>
+            <a:pPr algn="ctr"/>
+            <a:r>
+              <a:rPr lang="en-US" sz="1400" b="1" dirty="0"/>
+              <a:t>Watson </a:t>
+            </a:r>
+            <a:r>
+              <a:rPr lang="en-US" sz="1400" b="1" dirty="0" err="1"/>
+              <a:t>IoT</a:t>
+            </a:r>
+            <a:br>
+              <a:rPr lang="en-US" sz="1400" b="1" dirty="0"/>
+            </a:br>
+            <a:r>
+              <a:rPr lang="en-US" sz="1400" b="1" dirty="0"/>
+              <a:t>application</a:t>
+            </a:r>
+          </a:p>
+        </p:txBody>
+      </p:sp>
+      <p:cxnSp>
+        <p:nvCxnSpPr>
+          <p:cNvPr id="58" name="Straight Arrow Connector 57">
+            <a:extLst>
+              <a:ext uri="{FF2B5EF4-FFF2-40B4-BE49-F238E27FC236}">
+                <a16:creationId xmlns:a16="http://schemas.microsoft.com/office/drawing/2014/main" id="{94D22806-1624-6D49-93F5-BDA850E62637}"/>
+              </a:ext>
+            </a:extLst>
+          </p:cNvPr>
+          <p:cNvCxnSpPr>
+            <a:cxnSpLocks/>
+          </p:cNvCxnSpPr>
+          <p:nvPr/>
+        </p:nvCxnSpPr>
+        <p:spPr>
+          <a:xfrm flipH="1" flipV="1">
+            <a:off x="1136728" y="2876892"/>
+            <a:ext cx="873021" cy="1"/>
+          </a:xfrm>
+          <a:prstGeom prst="straightConnector1">
+            <a:avLst/>
+          </a:prstGeom>
+          <a:ln w="25400">
+            <a:solidFill>
+              <a:schemeClr val="tx1"/>
+            </a:solidFill>
+            <a:headEnd type="none"/>
+            <a:tailEnd type="triangle" w="lg" len="med"/>
+          </a:ln>
+        </p:spPr>
+        <p:style>
+          <a:lnRef idx="1">
+            <a:schemeClr val="accent1"/>
+          </a:lnRef>
+          <a:fillRef idx="0">
+            <a:schemeClr val="accent1"/>
+          </a:fillRef>
+          <a:effectRef idx="0">
+            <a:schemeClr val="accent1"/>
+          </a:effectRef>
+          <a:fontRef idx="minor">
+            <a:schemeClr val="tx1"/>
+          </a:fontRef>
+        </p:style>
+      </p:cxnSp>
+      <p:sp>
+        <p:nvSpPr>
+          <p:cNvPr id="59" name="Folded Corner 58">
+            <a:extLst>
+              <a:ext uri="{FF2B5EF4-FFF2-40B4-BE49-F238E27FC236}">
+                <a16:creationId xmlns:a16="http://schemas.microsoft.com/office/drawing/2014/main" id="{C5F331AE-8AD8-2A47-8D74-6E10484DEEB7}"/>
+              </a:ext>
+            </a:extLst>
+          </p:cNvPr>
+          <p:cNvSpPr/>
+          <p:nvPr/>
+        </p:nvSpPr>
+        <p:spPr>
+          <a:xfrm>
+            <a:off x="5515870" y="3496416"/>
             <a:ext cx="961191" cy="556336"/>
           </a:xfrm>
           <a:prstGeom prst="foldedCorner">
@@ -4289,10 +4091,10 @@
       </p:sp>
       <p:sp>
         <p:nvSpPr>
-          <p:cNvPr id="128" name="TextBox 127">
-            <a:extLst>
-              <a:ext uri="{FF2B5EF4-FFF2-40B4-BE49-F238E27FC236}">
-                <a16:creationId xmlns:a16="http://schemas.microsoft.com/office/drawing/2014/main" id="{7531E503-2EC3-0249-A7BB-2FD793677BE2}"/>
+          <p:cNvPr id="60" name="TextBox 59">
+            <a:extLst>
+              <a:ext uri="{FF2B5EF4-FFF2-40B4-BE49-F238E27FC236}">
+                <a16:creationId xmlns:a16="http://schemas.microsoft.com/office/drawing/2014/main" id="{55C0A7B2-03AF-284B-8C2A-1C6FE086DCA7}"/>
               </a:ext>
             </a:extLst>
           </p:cNvPr>
@@ -4301,7 +4103,7 @@
         </p:nvSpPr>
         <p:spPr>
           <a:xfrm>
-            <a:off x="6208834" y="1380796"/>
+            <a:off x="10008915" y="1230863"/>
             <a:ext cx="1412110" cy="369332"/>
           </a:xfrm>
           <a:prstGeom prst="rect">
@@ -4331,10 +4133,10 @@
       </p:sp>
       <p:pic>
         <p:nvPicPr>
-          <p:cNvPr id="129" name="Picture 128">
-            <a:extLst>
-              <a:ext uri="{FF2B5EF4-FFF2-40B4-BE49-F238E27FC236}">
-                <a16:creationId xmlns:a16="http://schemas.microsoft.com/office/drawing/2014/main" id="{6D705B59-5EA4-7A4A-87D9-327A25F679C5}"/>
+          <p:cNvPr id="61" name="Picture 60">
+            <a:extLst>
+              <a:ext uri="{FF2B5EF4-FFF2-40B4-BE49-F238E27FC236}">
+                <a16:creationId xmlns:a16="http://schemas.microsoft.com/office/drawing/2014/main" id="{6D73710B-90A4-8D4A-B378-6E697406729D}"/>
               </a:ext>
             </a:extLst>
           </p:cNvPr>
@@ -4351,7 +4153,7 @@
         </p:blipFill>
         <p:spPr>
           <a:xfrm>
-            <a:off x="5604763" y="1257617"/>
+            <a:off x="9483636" y="1086674"/>
             <a:ext cx="607562" cy="607562"/>
           </a:xfrm>
           <a:prstGeom prst="rect">
@@ -4361,10 +4163,10 @@
       </p:pic>
       <p:sp>
         <p:nvSpPr>
-          <p:cNvPr id="130" name="Cube 6">
-            <a:extLst>
-              <a:ext uri="{FF2B5EF4-FFF2-40B4-BE49-F238E27FC236}">
-                <a16:creationId xmlns:a16="http://schemas.microsoft.com/office/drawing/2014/main" id="{CE720982-F220-9B4D-A314-6B3D569738C4}"/>
+          <p:cNvPr id="62" name="Cube 6">
+            <a:extLst>
+              <a:ext uri="{FF2B5EF4-FFF2-40B4-BE49-F238E27FC236}">
+                <a16:creationId xmlns:a16="http://schemas.microsoft.com/office/drawing/2014/main" id="{1A536C3A-FCBD-EA4D-841A-D5F138E1D6C1}"/>
               </a:ext>
             </a:extLst>
           </p:cNvPr>
@@ -4373,7 +4175,7 @@
         </p:nvSpPr>
         <p:spPr>
           <a:xfrm>
-            <a:off x="5581020" y="2683796"/>
+            <a:off x="8473620" y="1959136"/>
             <a:ext cx="1507173" cy="962025"/>
           </a:xfrm>
           <a:custGeom>
@@ -5164,32 +4966,29 @@
       </p:sp>
       <p:cxnSp>
         <p:nvCxnSpPr>
-          <p:cNvPr id="131" name="Straight Arrow Connector 130">
-            <a:extLst>
-              <a:ext uri="{FF2B5EF4-FFF2-40B4-BE49-F238E27FC236}">
-                <a16:creationId xmlns:a16="http://schemas.microsoft.com/office/drawing/2014/main" id="{78E14364-527A-FE4A-8A11-F8249E42A2EE}"/>
+          <p:cNvPr id="65" name="Straight Arrow Connector 64">
+            <a:extLst>
+              <a:ext uri="{FF2B5EF4-FFF2-40B4-BE49-F238E27FC236}">
+                <a16:creationId xmlns:a16="http://schemas.microsoft.com/office/drawing/2014/main" id="{A0BF3C16-EBCB-0346-A90F-77D9C2375E6D}"/>
               </a:ext>
             </a:extLst>
           </p:cNvPr>
           <p:cNvCxnSpPr>
             <a:cxnSpLocks/>
-            <a:stCxn id="130" idx="12"/>
           </p:cNvCxnSpPr>
           <p:nvPr/>
         </p:nvCxnSpPr>
         <p:spPr>
-          <a:xfrm>
-            <a:off x="6172862" y="2791746"/>
-            <a:ext cx="317500" cy="854075"/>
+          <a:xfrm flipH="1">
+            <a:off x="7001728" y="2552861"/>
+            <a:ext cx="1475068" cy="0"/>
           </a:xfrm>
           <a:prstGeom prst="straightConnector1">
             <a:avLst/>
           </a:prstGeom>
           <a:ln w="25400">
             <a:solidFill>
-              <a:schemeClr val="accent1">
-                <a:alpha val="51000"/>
-              </a:schemeClr>
+              <a:schemeClr val="accent2"/>
             </a:solidFill>
             <a:headEnd type="oval"/>
             <a:tailEnd type="triangle" w="lg" len="med"/>
@@ -5212,32 +5011,29 @@
       </p:cxnSp>
       <p:cxnSp>
         <p:nvCxnSpPr>
-          <p:cNvPr id="132" name="Straight Arrow Connector 131">
-            <a:extLst>
-              <a:ext uri="{FF2B5EF4-FFF2-40B4-BE49-F238E27FC236}">
-                <a16:creationId xmlns:a16="http://schemas.microsoft.com/office/drawing/2014/main" id="{A980AC08-2686-4C4C-82D9-2D53CCB14678}"/>
+          <p:cNvPr id="66" name="Straight Arrow Connector 65">
+            <a:extLst>
+              <a:ext uri="{FF2B5EF4-FFF2-40B4-BE49-F238E27FC236}">
+                <a16:creationId xmlns:a16="http://schemas.microsoft.com/office/drawing/2014/main" id="{AE0FA64B-DBCD-8C48-B625-F63D3247BC08}"/>
               </a:ext>
             </a:extLst>
           </p:cNvPr>
           <p:cNvCxnSpPr>
             <a:cxnSpLocks/>
-            <a:endCxn id="130" idx="13"/>
           </p:cNvCxnSpPr>
           <p:nvPr/>
         </p:nvCxnSpPr>
         <p:spPr>
           <a:xfrm flipV="1">
-            <a:off x="6176038" y="2791746"/>
-            <a:ext cx="314324" cy="850900"/>
+            <a:off x="9870621" y="2327436"/>
+            <a:ext cx="478994" cy="3175"/>
           </a:xfrm>
           <a:prstGeom prst="straightConnector1">
             <a:avLst/>
           </a:prstGeom>
           <a:ln w="25400">
             <a:solidFill>
-              <a:schemeClr val="accent1">
-                <a:alpha val="51000"/>
-              </a:schemeClr>
+              <a:schemeClr val="accent2"/>
             </a:solidFill>
             <a:headEnd type="oval"/>
             <a:tailEnd type="triangle" w="lg" len="med"/>
@@ -5260,24 +5056,67 @@
       </p:cxnSp>
       <p:cxnSp>
         <p:nvCxnSpPr>
-          <p:cNvPr id="133" name="Straight Arrow Connector 132">
-            <a:extLst>
-              <a:ext uri="{FF2B5EF4-FFF2-40B4-BE49-F238E27FC236}">
-                <a16:creationId xmlns:a16="http://schemas.microsoft.com/office/drawing/2014/main" id="{BBA12266-FA67-0D40-A8CA-6D005A55F9A2}"/>
+          <p:cNvPr id="67" name="Straight Arrow Connector 66">
+            <a:extLst>
+              <a:ext uri="{FF2B5EF4-FFF2-40B4-BE49-F238E27FC236}">
+                <a16:creationId xmlns:a16="http://schemas.microsoft.com/office/drawing/2014/main" id="{AC9CF195-6CC4-D647-8280-C2321BA47FD9}"/>
               </a:ext>
             </a:extLst>
           </p:cNvPr>
           <p:cNvCxnSpPr>
             <a:cxnSpLocks/>
-            <a:stCxn id="34" idx="1"/>
-            <a:endCxn id="130" idx="6"/>
           </p:cNvCxnSpPr>
           <p:nvPr/>
         </p:nvCxnSpPr>
         <p:spPr>
-          <a:xfrm flipH="1" flipV="1">
-            <a:off x="6176037" y="3642646"/>
-            <a:ext cx="5902" cy="1240264"/>
+          <a:xfrm flipH="1">
+            <a:off x="9870621" y="2552861"/>
+            <a:ext cx="453471" cy="3175"/>
+          </a:xfrm>
+          <a:prstGeom prst="straightConnector1">
+            <a:avLst/>
+          </a:prstGeom>
+          <a:ln w="25400">
+            <a:solidFill>
+              <a:schemeClr val="accent2"/>
+            </a:solidFill>
+            <a:headEnd type="oval"/>
+            <a:tailEnd type="triangle" w="lg" len="med"/>
+          </a:ln>
+        </p:spPr>
+        <p:style>
+          <a:lnRef idx="1">
+            <a:schemeClr val="accent1"/>
+          </a:lnRef>
+          <a:fillRef idx="0">
+            <a:schemeClr val="accent1"/>
+          </a:fillRef>
+          <a:effectRef idx="0">
+            <a:schemeClr val="accent1"/>
+          </a:effectRef>
+          <a:fontRef idx="minor">
+            <a:schemeClr val="tx1"/>
+          </a:fontRef>
+        </p:style>
+      </p:cxnSp>
+      <p:cxnSp>
+        <p:nvCxnSpPr>
+          <p:cNvPr id="69" name="Straight Arrow Connector 68">
+            <a:extLst>
+              <a:ext uri="{FF2B5EF4-FFF2-40B4-BE49-F238E27FC236}">
+                <a16:creationId xmlns:a16="http://schemas.microsoft.com/office/drawing/2014/main" id="{EC97DD5B-D049-1941-81D5-0E6959D120E2}"/>
+              </a:ext>
+            </a:extLst>
+          </p:cNvPr>
+          <p:cNvCxnSpPr>
+            <a:cxnSpLocks/>
+          </p:cNvCxnSpPr>
+          <p:nvPr/>
+        </p:nvCxnSpPr>
+        <p:spPr>
+          <a:xfrm>
+            <a:off x="5039044" y="2136317"/>
+            <a:ext cx="957422" cy="0"/>
           </a:xfrm>
           <a:prstGeom prst="straightConnector1">
             <a:avLst/>
@@ -5307,195 +5146,10 @@
       </p:cxnSp>
       <p:cxnSp>
         <p:nvCxnSpPr>
-          <p:cNvPr id="134" name="Straight Arrow Connector 133">
-            <a:extLst>
-              <a:ext uri="{FF2B5EF4-FFF2-40B4-BE49-F238E27FC236}">
-                <a16:creationId xmlns:a16="http://schemas.microsoft.com/office/drawing/2014/main" id="{A8E3B2CB-F311-824F-A63E-053B8FDB0EA6}"/>
-              </a:ext>
-            </a:extLst>
-          </p:cNvPr>
-          <p:cNvCxnSpPr>
-            <a:cxnSpLocks/>
-            <a:stCxn id="130" idx="5"/>
-            <a:endCxn id="34" idx="2"/>
-          </p:cNvCxnSpPr>
-          <p:nvPr/>
-        </p:nvCxnSpPr>
-        <p:spPr>
-          <a:xfrm>
-            <a:off x="6490362" y="3645821"/>
-            <a:ext cx="18605" cy="1233913"/>
-          </a:xfrm>
-          <a:prstGeom prst="straightConnector1">
-            <a:avLst/>
-          </a:prstGeom>
-          <a:ln w="25400">
-            <a:solidFill>
-              <a:schemeClr val="accent1"/>
-            </a:solidFill>
-            <a:headEnd type="oval"/>
-            <a:tailEnd type="triangle" w="lg" len="med"/>
-          </a:ln>
-        </p:spPr>
-        <p:style>
-          <a:lnRef idx="1">
-            <a:schemeClr val="accent1"/>
-          </a:lnRef>
-          <a:fillRef idx="0">
-            <a:schemeClr val="accent1"/>
-          </a:fillRef>
-          <a:effectRef idx="0">
-            <a:schemeClr val="accent1"/>
-          </a:effectRef>
-          <a:fontRef idx="minor">
-            <a:schemeClr val="tx1"/>
-          </a:fontRef>
-        </p:style>
-      </p:cxnSp>
-      <p:cxnSp>
-        <p:nvCxnSpPr>
-          <p:cNvPr id="135" name="Straight Arrow Connector 134">
-            <a:extLst>
-              <a:ext uri="{FF2B5EF4-FFF2-40B4-BE49-F238E27FC236}">
-                <a16:creationId xmlns:a16="http://schemas.microsoft.com/office/drawing/2014/main" id="{6B5655B0-244F-9240-B491-5A369B853F19}"/>
-              </a:ext>
-            </a:extLst>
-          </p:cNvPr>
-          <p:cNvCxnSpPr>
-            <a:cxnSpLocks/>
-            <a:endCxn id="130" idx="12"/>
-          </p:cNvCxnSpPr>
-          <p:nvPr/>
-        </p:nvCxnSpPr>
-        <p:spPr>
-          <a:xfrm>
-            <a:off x="6172862" y="2431793"/>
-            <a:ext cx="0" cy="359953"/>
-          </a:xfrm>
-          <a:prstGeom prst="straightConnector1">
-            <a:avLst/>
-          </a:prstGeom>
-          <a:ln w="25400">
-            <a:solidFill>
-              <a:schemeClr val="accent1"/>
-            </a:solidFill>
-            <a:headEnd type="oval"/>
-            <a:tailEnd type="triangle" w="lg" len="med"/>
-          </a:ln>
-        </p:spPr>
-        <p:style>
-          <a:lnRef idx="1">
-            <a:schemeClr val="accent1"/>
-          </a:lnRef>
-          <a:fillRef idx="0">
-            <a:schemeClr val="accent1"/>
-          </a:fillRef>
-          <a:effectRef idx="0">
-            <a:schemeClr val="accent1"/>
-          </a:effectRef>
-          <a:fontRef idx="minor">
-            <a:schemeClr val="tx1"/>
-          </a:fontRef>
-        </p:style>
-      </p:cxnSp>
-      <p:cxnSp>
-        <p:nvCxnSpPr>
-          <p:cNvPr id="136" name="Straight Arrow Connector 135">
-            <a:extLst>
-              <a:ext uri="{FF2B5EF4-FFF2-40B4-BE49-F238E27FC236}">
-                <a16:creationId xmlns:a16="http://schemas.microsoft.com/office/drawing/2014/main" id="{519A08D6-E9DF-DA4F-97CB-9FEADD079010}"/>
-              </a:ext>
-            </a:extLst>
-          </p:cNvPr>
-          <p:cNvCxnSpPr>
-            <a:cxnSpLocks/>
-            <a:stCxn id="130" idx="13"/>
-          </p:cNvCxnSpPr>
-          <p:nvPr/>
-        </p:nvCxnSpPr>
-        <p:spPr>
-          <a:xfrm flipV="1">
-            <a:off x="6490362" y="2430046"/>
-            <a:ext cx="0" cy="361700"/>
-          </a:xfrm>
-          <a:prstGeom prst="straightConnector1">
-            <a:avLst/>
-          </a:prstGeom>
-          <a:ln w="25400">
-            <a:solidFill>
-              <a:schemeClr val="accent1"/>
-            </a:solidFill>
-            <a:headEnd type="oval"/>
-            <a:tailEnd type="triangle" w="lg" len="med"/>
-          </a:ln>
-        </p:spPr>
-        <p:style>
-          <a:lnRef idx="1">
-            <a:schemeClr val="accent1"/>
-          </a:lnRef>
-          <a:fillRef idx="0">
-            <a:schemeClr val="accent1"/>
-          </a:fillRef>
-          <a:effectRef idx="0">
-            <a:schemeClr val="accent1"/>
-          </a:effectRef>
-          <a:fontRef idx="minor">
-            <a:schemeClr val="tx1"/>
-          </a:fontRef>
-        </p:style>
-      </p:cxnSp>
-      <p:cxnSp>
-        <p:nvCxnSpPr>
-          <p:cNvPr id="149" name="Straight Arrow Connector 148">
-            <a:extLst>
-              <a:ext uri="{FF2B5EF4-FFF2-40B4-BE49-F238E27FC236}">
-                <a16:creationId xmlns:a16="http://schemas.microsoft.com/office/drawing/2014/main" id="{6F5F625C-C6A4-A841-9423-EF2CDC94D927}"/>
-              </a:ext>
-            </a:extLst>
-          </p:cNvPr>
-          <p:cNvCxnSpPr>
-            <a:cxnSpLocks/>
-            <a:endCxn id="100" idx="1"/>
-          </p:cNvCxnSpPr>
-          <p:nvPr/>
-        </p:nvCxnSpPr>
-        <p:spPr>
-          <a:xfrm flipV="1">
-            <a:off x="6924761" y="5108861"/>
-            <a:ext cx="889206" cy="3054"/>
-          </a:xfrm>
-          <a:prstGeom prst="straightConnector1">
-            <a:avLst/>
-          </a:prstGeom>
-          <a:ln w="25400">
-            <a:solidFill>
-              <a:schemeClr val="accent1"/>
-            </a:solidFill>
-            <a:headEnd type="oval"/>
-            <a:tailEnd type="triangle" w="lg" len="med"/>
-          </a:ln>
-        </p:spPr>
-        <p:style>
-          <a:lnRef idx="1">
-            <a:schemeClr val="accent1"/>
-          </a:lnRef>
-          <a:fillRef idx="0">
-            <a:schemeClr val="accent1"/>
-          </a:fillRef>
-          <a:effectRef idx="0">
-            <a:schemeClr val="accent1"/>
-          </a:effectRef>
-          <a:fontRef idx="minor">
-            <a:schemeClr val="tx1"/>
-          </a:fontRef>
-        </p:style>
-      </p:cxnSp>
-      <p:cxnSp>
-        <p:nvCxnSpPr>
-          <p:cNvPr id="152" name="Straight Arrow Connector 151">
-            <a:extLst>
-              <a:ext uri="{FF2B5EF4-FFF2-40B4-BE49-F238E27FC236}">
-                <a16:creationId xmlns:a16="http://schemas.microsoft.com/office/drawing/2014/main" id="{2A6FBC50-34CA-CE4E-BE79-FE302D292356}"/>
+          <p:cNvPr id="70" name="Straight Arrow Connector 69">
+            <a:extLst>
+              <a:ext uri="{FF2B5EF4-FFF2-40B4-BE49-F238E27FC236}">
+                <a16:creationId xmlns:a16="http://schemas.microsoft.com/office/drawing/2014/main" id="{E7B9C72F-D8AF-2049-9C6C-C1D7496485D4}"/>
               </a:ext>
             </a:extLst>
           </p:cNvPr>
@@ -5505,9 +5159,9 @@
           <p:nvPr/>
         </p:nvCxnSpPr>
         <p:spPr>
-          <a:xfrm flipV="1">
-            <a:off x="10666618" y="5108860"/>
-            <a:ext cx="738731" cy="1"/>
+          <a:xfrm>
+            <a:off x="1136728" y="2136317"/>
+            <a:ext cx="873022" cy="0"/>
           </a:xfrm>
           <a:prstGeom prst="straightConnector1">
             <a:avLst/>
@@ -5537,10 +5191,10 @@
       </p:cxnSp>
       <p:sp>
         <p:nvSpPr>
-          <p:cNvPr id="157" name="TextBox 156">
-            <a:extLst>
-              <a:ext uri="{FF2B5EF4-FFF2-40B4-BE49-F238E27FC236}">
-                <a16:creationId xmlns:a16="http://schemas.microsoft.com/office/drawing/2014/main" id="{91C5F416-7040-574B-9B86-44A42A98BCD1}"/>
+          <p:cNvPr id="71" name="TextBox 70">
+            <a:extLst>
+              <a:ext uri="{FF2B5EF4-FFF2-40B4-BE49-F238E27FC236}">
+                <a16:creationId xmlns:a16="http://schemas.microsoft.com/office/drawing/2014/main" id="{D4F3EEC0-A205-BF42-BB93-3AECF45D4412}"/>
               </a:ext>
             </a:extLst>
           </p:cNvPr>
@@ -5549,8 +5203,8 @@
         </p:nvSpPr>
         <p:spPr>
           <a:xfrm>
-            <a:off x="4324922" y="4122369"/>
-            <a:ext cx="1899411" cy="307777"/>
+            <a:off x="1832588" y="1227430"/>
+            <a:ext cx="2949616" cy="338554"/>
           </a:xfrm>
           <a:prstGeom prst="rect">
             <a:avLst/>
@@ -5563,26 +5217,27 @@
           </a:bodyPr>
           <a:lstStyle/>
           <a:p>
-            <a:pPr algn="r"/>
-            <a:r>
-              <a:rPr lang="en-US" sz="1400" b="1" dirty="0">
-                <a:solidFill>
-                  <a:schemeClr val="accent1">
-                    <a:lumMod val="75000"/>
-                  </a:schemeClr>
-                </a:solidFill>
-              </a:rPr>
-              <a:t>event messages</a:t>
+            <a:r>
+              <a:rPr lang="en-US" sz="1600" b="1" dirty="0"/>
+              <a:t>Watson </a:t>
+            </a:r>
+            <a:r>
+              <a:rPr lang="en-US" sz="1600" b="1" dirty="0" err="1"/>
+              <a:t>IoT</a:t>
+            </a:r>
+            <a:r>
+              <a:rPr lang="en-US" sz="1600" b="1" dirty="0"/>
+              <a:t> device</a:t>
             </a:r>
           </a:p>
         </p:txBody>
       </p:sp>
       <p:sp>
         <p:nvSpPr>
-          <p:cNvPr id="158" name="TextBox 157">
-            <a:extLst>
-              <a:ext uri="{FF2B5EF4-FFF2-40B4-BE49-F238E27FC236}">
-                <a16:creationId xmlns:a16="http://schemas.microsoft.com/office/drawing/2014/main" id="{F9AAF343-C5D8-A54A-8E88-4E597C5CA166}"/>
+          <p:cNvPr id="74" name="TextBox 73">
+            <a:extLst>
+              <a:ext uri="{FF2B5EF4-FFF2-40B4-BE49-F238E27FC236}">
+                <a16:creationId xmlns:a16="http://schemas.microsoft.com/office/drawing/2014/main" id="{24BBD98D-CBCC-1A4E-BCEE-3BD70AED734C}"/>
               </a:ext>
             </a:extLst>
           </p:cNvPr>
@@ -5591,8 +5246,8 @@
         </p:nvSpPr>
         <p:spPr>
           <a:xfrm>
-            <a:off x="6456906" y="4122368"/>
-            <a:ext cx="2123716" cy="307777"/>
+            <a:off x="7367071" y="1802021"/>
+            <a:ext cx="1003201" cy="523220"/>
           </a:xfrm>
           <a:prstGeom prst="rect">
             <a:avLst/>
@@ -5605,25 +5260,39 @@
           </a:bodyPr>
           <a:lstStyle/>
           <a:p>
+            <a:pPr algn="ctr"/>
             <a:r>
               <a:rPr lang="en-US" sz="1400" b="1" dirty="0">
                 <a:solidFill>
-                  <a:schemeClr val="accent1">
-                    <a:lumMod val="75000"/>
-                  </a:schemeClr>
+                  <a:schemeClr val="accent2"/>
                 </a:solidFill>
               </a:rPr>
-              <a:t>command messages</a:t>
+              <a:t>event</a:t>
+            </a:r>
+            <a:br>
+              <a:rPr lang="en-US" sz="1400" b="1" dirty="0">
+                <a:solidFill>
+                  <a:schemeClr val="accent2"/>
+                </a:solidFill>
+              </a:rPr>
+            </a:br>
+            <a:r>
+              <a:rPr lang="en-US" sz="1400" b="1" dirty="0">
+                <a:solidFill>
+                  <a:schemeClr val="accent2"/>
+                </a:solidFill>
+              </a:rPr>
+              <a:t>messages</a:t>
             </a:r>
           </a:p>
         </p:txBody>
       </p:sp>
       <p:sp>
         <p:nvSpPr>
-          <p:cNvPr id="159" name="TextBox 158">
-            <a:extLst>
-              <a:ext uri="{FF2B5EF4-FFF2-40B4-BE49-F238E27FC236}">
-                <a16:creationId xmlns:a16="http://schemas.microsoft.com/office/drawing/2014/main" id="{45272C43-7F9F-5441-9CC1-BA9A83209678}"/>
+          <p:cNvPr id="75" name="TextBox 74">
+            <a:extLst>
+              <a:ext uri="{FF2B5EF4-FFF2-40B4-BE49-F238E27FC236}">
+                <a16:creationId xmlns:a16="http://schemas.microsoft.com/office/drawing/2014/main" id="{0B69E9E0-DC0A-404F-AF37-CF4E6A4C527C}"/>
               </a:ext>
             </a:extLst>
           </p:cNvPr>
@@ -5632,8 +5301,8 @@
         </p:nvSpPr>
         <p:spPr>
           <a:xfrm>
-            <a:off x="1101807" y="4852850"/>
-            <a:ext cx="994659" cy="307777"/>
+            <a:off x="7294997" y="2485711"/>
+            <a:ext cx="1027804" cy="523220"/>
           </a:xfrm>
           <a:prstGeom prst="rect">
             <a:avLst/>
@@ -5648,18 +5317,37 @@
           <a:p>
             <a:pPr algn="ctr"/>
             <a:r>
-              <a:rPr lang="en-US" sz="1400" b="1" dirty="0"/>
-              <a:t>readings</a:t>
+              <a:rPr lang="en-US" sz="1400" b="1" dirty="0">
+                <a:solidFill>
+                  <a:schemeClr val="accent2"/>
+                </a:solidFill>
+              </a:rPr>
+              <a:t>command</a:t>
+            </a:r>
+            <a:br>
+              <a:rPr lang="en-US" sz="1400" b="1" dirty="0">
+                <a:solidFill>
+                  <a:schemeClr val="accent2"/>
+                </a:solidFill>
+              </a:rPr>
+            </a:br>
+            <a:r>
+              <a:rPr lang="en-US" sz="1400" b="1" dirty="0">
+                <a:solidFill>
+                  <a:schemeClr val="accent2"/>
+                </a:solidFill>
+              </a:rPr>
+              <a:t>messages</a:t>
             </a:r>
           </a:p>
         </p:txBody>
       </p:sp>
       <p:sp>
         <p:nvSpPr>
-          <p:cNvPr id="160" name="TextBox 159">
-            <a:extLst>
-              <a:ext uri="{FF2B5EF4-FFF2-40B4-BE49-F238E27FC236}">
-                <a16:creationId xmlns:a16="http://schemas.microsoft.com/office/drawing/2014/main" id="{A63DC5A0-0B38-F24D-8DE7-CDB891B7D8AA}"/>
+          <p:cNvPr id="76" name="TextBox 75">
+            <a:extLst>
+              <a:ext uri="{FF2B5EF4-FFF2-40B4-BE49-F238E27FC236}">
+                <a16:creationId xmlns:a16="http://schemas.microsoft.com/office/drawing/2014/main" id="{68B8380D-9DF8-DF4F-B93C-D8D274B820AE}"/>
               </a:ext>
             </a:extLst>
           </p:cNvPr>
@@ -5668,180 +5356,8 @@
         </p:nvSpPr>
         <p:spPr>
           <a:xfrm>
-            <a:off x="10388159" y="4836870"/>
-            <a:ext cx="1314987" cy="307777"/>
-          </a:xfrm>
-          <a:prstGeom prst="rect">
-            <a:avLst/>
-          </a:prstGeom>
-          <a:noFill/>
-        </p:spPr>
-        <p:txBody>
-          <a:bodyPr wrap="square" rtlCol="0">
-            <a:spAutoFit/>
-          </a:bodyPr>
-          <a:lstStyle/>
-          <a:p>
-            <a:pPr algn="ctr"/>
-            <a:r>
-              <a:rPr lang="en-US" sz="1400" b="1" dirty="0"/>
-              <a:t>actions</a:t>
-            </a:r>
-          </a:p>
-        </p:txBody>
-      </p:sp>
-      <p:cxnSp>
-        <p:nvCxnSpPr>
-          <p:cNvPr id="165" name="Straight Arrow Connector 164">
-            <a:extLst>
-              <a:ext uri="{FF2B5EF4-FFF2-40B4-BE49-F238E27FC236}">
-                <a16:creationId xmlns:a16="http://schemas.microsoft.com/office/drawing/2014/main" id="{ED0EA714-BC3B-FA42-8B58-95FAABB3140B}"/>
-              </a:ext>
-            </a:extLst>
-          </p:cNvPr>
-          <p:cNvCxnSpPr>
-            <a:cxnSpLocks/>
-            <a:stCxn id="126" idx="0"/>
-            <a:endCxn id="34" idx="4"/>
-          </p:cNvCxnSpPr>
-          <p:nvPr/>
-        </p:nvCxnSpPr>
-        <p:spPr>
-          <a:xfrm flipH="1" flipV="1">
-            <a:off x="6924761" y="5334486"/>
-            <a:ext cx="802412" cy="415003"/>
-          </a:xfrm>
-          <a:prstGeom prst="straightConnector1">
-            <a:avLst/>
-          </a:prstGeom>
-          <a:ln w="19050">
-            <a:solidFill>
-              <a:schemeClr val="accent2"/>
-            </a:solidFill>
-            <a:prstDash val="sysDash"/>
-            <a:tailEnd type="arrow" w="lg" len="lg"/>
-          </a:ln>
-        </p:spPr>
-        <p:style>
-          <a:lnRef idx="1">
-            <a:schemeClr val="accent1"/>
-          </a:lnRef>
-          <a:fillRef idx="0">
-            <a:schemeClr val="accent1"/>
-          </a:fillRef>
-          <a:effectRef idx="0">
-            <a:schemeClr val="accent1"/>
-          </a:effectRef>
-          <a:fontRef idx="minor">
-            <a:schemeClr val="tx1"/>
-          </a:fontRef>
-        </p:style>
-      </p:cxnSp>
-      <p:sp>
-        <p:nvSpPr>
-          <p:cNvPr id="168" name="TextBox 167">
-            <a:extLst>
-              <a:ext uri="{FF2B5EF4-FFF2-40B4-BE49-F238E27FC236}">
-                <a16:creationId xmlns:a16="http://schemas.microsoft.com/office/drawing/2014/main" id="{CFD23FE2-F735-E14A-A826-90E7163C239A}"/>
-              </a:ext>
-            </a:extLst>
-          </p:cNvPr>
-          <p:cNvSpPr txBox="1"/>
-          <p:nvPr/>
-        </p:nvSpPr>
-        <p:spPr>
-          <a:xfrm>
-            <a:off x="1830365" y="4229603"/>
-            <a:ext cx="2807377" cy="338554"/>
-          </a:xfrm>
-          <a:prstGeom prst="rect">
-            <a:avLst/>
-          </a:prstGeom>
-          <a:noFill/>
-        </p:spPr>
-        <p:txBody>
-          <a:bodyPr wrap="square" rtlCol="0">
-            <a:spAutoFit/>
-          </a:bodyPr>
-          <a:lstStyle/>
-          <a:p>
-            <a:r>
-              <a:rPr lang="en-US" sz="1600" b="1" dirty="0"/>
-              <a:t>Watson </a:t>
-            </a:r>
-            <a:r>
-              <a:rPr lang="en-US" sz="1600" b="1" dirty="0" err="1"/>
-              <a:t>IoT</a:t>
-            </a:r>
-            <a:r>
-              <a:rPr lang="en-US" sz="1600" b="1" dirty="0"/>
-              <a:t> device</a:t>
-            </a:r>
-          </a:p>
-        </p:txBody>
-      </p:sp>
-      <p:cxnSp>
-        <p:nvCxnSpPr>
-          <p:cNvPr id="193" name="Straight Arrow Connector 192">
-            <a:extLst>
-              <a:ext uri="{FF2B5EF4-FFF2-40B4-BE49-F238E27FC236}">
-                <a16:creationId xmlns:a16="http://schemas.microsoft.com/office/drawing/2014/main" id="{9189324B-7AD9-1E49-95C7-1F8A6AA4D6CD}"/>
-              </a:ext>
-            </a:extLst>
-          </p:cNvPr>
-          <p:cNvCxnSpPr>
-            <a:cxnSpLocks/>
-            <a:stCxn id="118" idx="3"/>
-          </p:cNvCxnSpPr>
-          <p:nvPr/>
-        </p:nvCxnSpPr>
-        <p:spPr>
-          <a:xfrm>
-            <a:off x="1241291" y="5108861"/>
-            <a:ext cx="827038" cy="0"/>
-          </a:xfrm>
-          <a:prstGeom prst="straightConnector1">
-            <a:avLst/>
-          </a:prstGeom>
-          <a:ln w="25400">
-            <a:solidFill>
-              <a:schemeClr val="tx1"/>
-            </a:solidFill>
-            <a:headEnd type="none"/>
-            <a:tailEnd type="triangle" w="lg" len="med"/>
-          </a:ln>
-        </p:spPr>
-        <p:style>
-          <a:lnRef idx="1">
-            <a:schemeClr val="accent1"/>
-          </a:lnRef>
-          <a:fillRef idx="0">
-            <a:schemeClr val="accent1"/>
-          </a:fillRef>
-          <a:effectRef idx="0">
-            <a:schemeClr val="accent1"/>
-          </a:effectRef>
-          <a:fontRef idx="minor">
-            <a:schemeClr val="tx1"/>
-          </a:fontRef>
-        </p:style>
-      </p:cxnSp>
-      <p:sp>
-        <p:nvSpPr>
-          <p:cNvPr id="200" name="TextBox 199">
-            <a:extLst>
-              <a:ext uri="{FF2B5EF4-FFF2-40B4-BE49-F238E27FC236}">
-                <a16:creationId xmlns:a16="http://schemas.microsoft.com/office/drawing/2014/main" id="{24DC3761-CBED-3947-A674-8469AA6603EA}"/>
-              </a:ext>
-            </a:extLst>
-          </p:cNvPr>
-          <p:cNvSpPr txBox="1"/>
-          <p:nvPr/>
-        </p:nvSpPr>
-        <p:spPr>
-          <a:xfrm>
-            <a:off x="2087603" y="4873044"/>
-            <a:ext cx="1023851" cy="461665"/>
+            <a:off x="2014289" y="1900421"/>
+            <a:ext cx="1023851" cy="1200329"/>
           </a:xfrm>
           <a:prstGeom prst="rect">
             <a:avLst/>
@@ -5881,16 +5397,16 @@
           <a:lstStyle/>
           <a:p>
             <a:pPr algn="ctr"/>
-            <a:r>
-              <a:rPr lang="en-US" sz="1200" b="1" i="1" dirty="0">
-                <a:solidFill>
-                  <a:schemeClr val="accent1">
-                    <a:lumMod val="75000"/>
-                  </a:schemeClr>
-                </a:solidFill>
-              </a:rPr>
-              <a:t>device</a:t>
-            </a:r>
+            <a:endParaRPr lang="en-US" sz="1200" b="1" i="1" dirty="0">
+              <a:solidFill>
+                <a:schemeClr val="accent1">
+                  <a:lumMod val="75000"/>
+                </a:schemeClr>
+              </a:solidFill>
+            </a:endParaRPr>
+          </a:p>
+          <a:p>
+            <a:pPr algn="ctr"/>
             <a:br>
               <a:rPr lang="en-US" sz="1200" b="1" i="1" dirty="0">
                 <a:solidFill>
@@ -5911,237 +5427,56 @@
               <a:t>analytics</a:t>
             </a:r>
           </a:p>
-        </p:txBody>
-      </p:sp>
-      <p:sp>
-        <p:nvSpPr>
-          <p:cNvPr id="201" name="TextBox 200">
-            <a:extLst>
-              <a:ext uri="{FF2B5EF4-FFF2-40B4-BE49-F238E27FC236}">
-                <a16:creationId xmlns:a16="http://schemas.microsoft.com/office/drawing/2014/main" id="{B6AAA944-DB8A-FC4C-9F50-1CE1CBDC9DD3}"/>
-              </a:ext>
-            </a:extLst>
-          </p:cNvPr>
-          <p:cNvSpPr txBox="1"/>
-          <p:nvPr/>
-        </p:nvSpPr>
-        <p:spPr>
-          <a:xfrm>
-            <a:off x="9659113" y="4888735"/>
-            <a:ext cx="1023851" cy="461665"/>
-          </a:xfrm>
-          <a:prstGeom prst="rect">
-            <a:avLst/>
-          </a:prstGeom>
-          <a:pattFill prst="wdUpDiag">
-            <a:fgClr>
-              <a:schemeClr val="bg1">
-                <a:lumMod val="95000"/>
-              </a:schemeClr>
-            </a:fgClr>
-            <a:bgClr>
-              <a:schemeClr val="bg1"/>
-            </a:bgClr>
-          </a:pattFill>
-          <a:ln w="19050">
-            <a:prstDash val="sysDash"/>
-          </a:ln>
-        </p:spPr>
-        <p:style>
-          <a:lnRef idx="1">
-            <a:schemeClr val="accent5"/>
-          </a:lnRef>
-          <a:fillRef idx="3">
-            <a:schemeClr val="accent5"/>
-          </a:fillRef>
-          <a:effectRef idx="2">
-            <a:schemeClr val="accent5"/>
-          </a:effectRef>
-          <a:fontRef idx="minor">
-            <a:schemeClr val="lt1"/>
-          </a:fontRef>
-        </p:style>
-        <p:txBody>
-          <a:bodyPr wrap="square" rtlCol="0">
-            <a:spAutoFit/>
-          </a:bodyPr>
-          <a:lstStyle/>
           <a:p>
             <a:pPr algn="ctr"/>
-            <a:r>
-              <a:rPr lang="en-US" sz="1200" b="1" i="1" dirty="0">
-                <a:solidFill>
-                  <a:schemeClr val="accent1">
-                    <a:lumMod val="75000"/>
-                  </a:schemeClr>
-                </a:solidFill>
-              </a:rPr>
-              <a:t>device</a:t>
-            </a:r>
-            <a:br>
-              <a:rPr lang="en-US" sz="1200" b="1" i="1" dirty="0">
-                <a:solidFill>
-                  <a:schemeClr val="accent1">
-                    <a:lumMod val="75000"/>
-                  </a:schemeClr>
-                </a:solidFill>
-              </a:rPr>
-            </a:br>
-            <a:r>
-              <a:rPr lang="en-US" sz="1200" b="1" i="1" dirty="0">
-                <a:solidFill>
-                  <a:schemeClr val="accent1">
-                    <a:lumMod val="75000"/>
-                  </a:schemeClr>
-                </a:solidFill>
-              </a:rPr>
-              <a:t>analytics</a:t>
-            </a:r>
-          </a:p>
-        </p:txBody>
-      </p:sp>
-      <p:sp>
-        <p:nvSpPr>
-          <p:cNvPr id="202" name="TextBox 201">
-            <a:extLst>
-              <a:ext uri="{FF2B5EF4-FFF2-40B4-BE49-F238E27FC236}">
-                <a16:creationId xmlns:a16="http://schemas.microsoft.com/office/drawing/2014/main" id="{4F6ED38F-676C-C448-A98D-93B7EFA05C6C}"/>
-              </a:ext>
-            </a:extLst>
-          </p:cNvPr>
-          <p:cNvSpPr txBox="1"/>
-          <p:nvPr/>
-        </p:nvSpPr>
-        <p:spPr>
-          <a:xfrm>
-            <a:off x="3125824" y="4609335"/>
-            <a:ext cx="693924" cy="523220"/>
-          </a:xfrm>
-          <a:prstGeom prst="rect">
-            <a:avLst/>
-          </a:prstGeom>
-          <a:noFill/>
-        </p:spPr>
-        <p:txBody>
-          <a:bodyPr wrap="square" rtlCol="0">
-            <a:spAutoFit/>
-          </a:bodyPr>
-          <a:lstStyle/>
+            <a:endParaRPr lang="en-US" sz="1200" b="1" i="1" dirty="0">
+              <a:solidFill>
+                <a:schemeClr val="accent1">
+                  <a:lumMod val="75000"/>
+                </a:schemeClr>
+              </a:solidFill>
+            </a:endParaRPr>
+          </a:p>
           <a:p>
             <a:pPr algn="ctr"/>
-            <a:r>
-              <a:rPr lang="en-US" sz="1400" b="1" dirty="0">
-                <a:solidFill>
-                  <a:schemeClr val="accent1">
-                    <a:lumMod val="75000"/>
-                  </a:schemeClr>
-                </a:solidFill>
-              </a:rPr>
-              <a:t>event</a:t>
-            </a:r>
-            <a:br>
-              <a:rPr lang="en-US" sz="1400" b="1" dirty="0">
-                <a:solidFill>
-                  <a:schemeClr val="accent1">
-                    <a:lumMod val="75000"/>
-                  </a:schemeClr>
-                </a:solidFill>
-              </a:rPr>
-            </a:br>
-            <a:r>
-              <a:rPr lang="en-US" sz="1400" b="1" dirty="0">
-                <a:solidFill>
-                  <a:schemeClr val="accent1">
-                    <a:lumMod val="75000"/>
-                  </a:schemeClr>
-                </a:solidFill>
-              </a:rPr>
-              <a:t>tuples</a:t>
-            </a:r>
-          </a:p>
-        </p:txBody>
-      </p:sp>
-      <p:sp>
-        <p:nvSpPr>
-          <p:cNvPr id="203" name="TextBox 202">
-            <a:extLst>
-              <a:ext uri="{FF2B5EF4-FFF2-40B4-BE49-F238E27FC236}">
-                <a16:creationId xmlns:a16="http://schemas.microsoft.com/office/drawing/2014/main" id="{BC0B7726-9D50-0742-AFFA-0B7DBF947EAB}"/>
-              </a:ext>
-            </a:extLst>
-          </p:cNvPr>
-          <p:cNvSpPr txBox="1"/>
-          <p:nvPr/>
-        </p:nvSpPr>
-        <p:spPr>
-          <a:xfrm>
-            <a:off x="8737423" y="4624501"/>
-            <a:ext cx="1027804" cy="523220"/>
-          </a:xfrm>
-          <a:prstGeom prst="rect">
-            <a:avLst/>
-          </a:prstGeom>
-          <a:noFill/>
-        </p:spPr>
-        <p:txBody>
-          <a:bodyPr wrap="square" rtlCol="0">
-            <a:spAutoFit/>
-          </a:bodyPr>
-          <a:lstStyle/>
+            <a:endParaRPr lang="en-US" sz="1200" b="1" i="1" dirty="0">
+              <a:solidFill>
+                <a:schemeClr val="accent1">
+                  <a:lumMod val="75000"/>
+                </a:schemeClr>
+              </a:solidFill>
+            </a:endParaRPr>
+          </a:p>
           <a:p>
             <a:pPr algn="ctr"/>
-            <a:r>
-              <a:rPr lang="en-US" sz="1400" b="1" dirty="0">
-                <a:solidFill>
-                  <a:schemeClr val="accent1">
-                    <a:lumMod val="75000"/>
-                  </a:schemeClr>
-                </a:solidFill>
-              </a:rPr>
-              <a:t>command</a:t>
-            </a:r>
-            <a:br>
-              <a:rPr lang="en-US" sz="1400" b="1" dirty="0">
-                <a:solidFill>
-                  <a:schemeClr val="accent1">
-                    <a:lumMod val="75000"/>
-                  </a:schemeClr>
-                </a:solidFill>
-              </a:rPr>
-            </a:br>
-            <a:r>
-              <a:rPr lang="en-US" sz="1400" b="1" dirty="0">
-                <a:solidFill>
-                  <a:schemeClr val="accent1">
-                    <a:lumMod val="75000"/>
-                  </a:schemeClr>
-                </a:solidFill>
-              </a:rPr>
-              <a:t>tuples</a:t>
-            </a:r>
+            <a:endParaRPr lang="en-US" sz="1200" b="1" i="1" dirty="0">
+              <a:solidFill>
+                <a:schemeClr val="accent1">
+                  <a:lumMod val="75000"/>
+                </a:schemeClr>
+              </a:solidFill>
+            </a:endParaRPr>
           </a:p>
         </p:txBody>
       </p:sp>
       <p:cxnSp>
         <p:nvCxnSpPr>
-          <p:cNvPr id="204" name="Straight Arrow Connector 203">
-            <a:extLst>
-              <a:ext uri="{FF2B5EF4-FFF2-40B4-BE49-F238E27FC236}">
-                <a16:creationId xmlns:a16="http://schemas.microsoft.com/office/drawing/2014/main" id="{E0D3F03B-C9AF-8C47-A087-41CB30ED4A2C}"/>
+          <p:cNvPr id="77" name="Straight Arrow Connector 76">
+            <a:extLst>
+              <a:ext uri="{FF2B5EF4-FFF2-40B4-BE49-F238E27FC236}">
+                <a16:creationId xmlns:a16="http://schemas.microsoft.com/office/drawing/2014/main" id="{9D232641-6801-5F44-AAC2-B6B0CC6C1166}"/>
               </a:ext>
             </a:extLst>
           </p:cNvPr>
           <p:cNvCxnSpPr>
             <a:cxnSpLocks/>
-            <a:stCxn id="100" idx="3"/>
-            <a:endCxn id="201" idx="1"/>
           </p:cNvCxnSpPr>
           <p:nvPr/>
         </p:nvCxnSpPr>
         <p:spPr>
-          <a:xfrm>
-            <a:off x="8837818" y="5108861"/>
-            <a:ext cx="821295" cy="10707"/>
+          <a:xfrm flipH="1">
+            <a:off x="3040528" y="2883818"/>
+            <a:ext cx="957423" cy="0"/>
           </a:xfrm>
           <a:prstGeom prst="straightConnector1">
             <a:avLst/>
@@ -6169,26 +5504,146 @@
           </a:fontRef>
         </p:style>
       </p:cxnSp>
+      <p:sp>
+        <p:nvSpPr>
+          <p:cNvPr id="78" name="TextBox 77">
+            <a:extLst>
+              <a:ext uri="{FF2B5EF4-FFF2-40B4-BE49-F238E27FC236}">
+                <a16:creationId xmlns:a16="http://schemas.microsoft.com/office/drawing/2014/main" id="{242192DE-EC44-2D4E-AC4D-3B1C1A45C360}"/>
+              </a:ext>
+            </a:extLst>
+          </p:cNvPr>
+          <p:cNvSpPr txBox="1"/>
+          <p:nvPr/>
+        </p:nvSpPr>
+        <p:spPr>
+          <a:xfrm>
+            <a:off x="3241804" y="1665552"/>
+            <a:ext cx="693924" cy="523220"/>
+          </a:xfrm>
+          <a:prstGeom prst="rect">
+            <a:avLst/>
+          </a:prstGeom>
+          <a:noFill/>
+        </p:spPr>
+        <p:txBody>
+          <a:bodyPr wrap="square" rtlCol="0">
+            <a:spAutoFit/>
+          </a:bodyPr>
+          <a:lstStyle/>
+          <a:p>
+            <a:pPr algn="ctr"/>
+            <a:r>
+              <a:rPr lang="en-US" sz="1400" b="1" dirty="0">
+                <a:solidFill>
+                  <a:schemeClr val="accent1">
+                    <a:lumMod val="75000"/>
+                  </a:schemeClr>
+                </a:solidFill>
+              </a:rPr>
+              <a:t>event</a:t>
+            </a:r>
+            <a:br>
+              <a:rPr lang="en-US" sz="1400" b="1" dirty="0">
+                <a:solidFill>
+                  <a:schemeClr val="accent1">
+                    <a:lumMod val="75000"/>
+                  </a:schemeClr>
+                </a:solidFill>
+              </a:rPr>
+            </a:br>
+            <a:r>
+              <a:rPr lang="en-US" sz="1400" b="1" dirty="0">
+                <a:solidFill>
+                  <a:schemeClr val="accent1">
+                    <a:lumMod val="75000"/>
+                  </a:schemeClr>
+                </a:solidFill>
+              </a:rPr>
+              <a:t>tuples</a:t>
+            </a:r>
+          </a:p>
+        </p:txBody>
+      </p:sp>
+      <p:sp>
+        <p:nvSpPr>
+          <p:cNvPr id="79" name="TextBox 78">
+            <a:extLst>
+              <a:ext uri="{FF2B5EF4-FFF2-40B4-BE49-F238E27FC236}">
+                <a16:creationId xmlns:a16="http://schemas.microsoft.com/office/drawing/2014/main" id="{E2EFB7AF-7942-7A4A-89B8-351899735799}"/>
+              </a:ext>
+            </a:extLst>
+          </p:cNvPr>
+          <p:cNvSpPr txBox="1"/>
+          <p:nvPr/>
+        </p:nvSpPr>
+        <p:spPr>
+          <a:xfrm>
+            <a:off x="3027093" y="2410464"/>
+            <a:ext cx="1027804" cy="523220"/>
+          </a:xfrm>
+          <a:prstGeom prst="rect">
+            <a:avLst/>
+          </a:prstGeom>
+          <a:noFill/>
+        </p:spPr>
+        <p:txBody>
+          <a:bodyPr wrap="square" rtlCol="0">
+            <a:spAutoFit/>
+          </a:bodyPr>
+          <a:lstStyle/>
+          <a:p>
+            <a:pPr algn="ctr"/>
+            <a:r>
+              <a:rPr lang="en-US" sz="1400" b="1" dirty="0">
+                <a:solidFill>
+                  <a:schemeClr val="accent1">
+                    <a:lumMod val="75000"/>
+                  </a:schemeClr>
+                </a:solidFill>
+              </a:rPr>
+              <a:t>command</a:t>
+            </a:r>
+            <a:br>
+              <a:rPr lang="en-US" sz="1400" b="1" dirty="0">
+                <a:solidFill>
+                  <a:schemeClr val="accent1">
+                    <a:lumMod val="75000"/>
+                  </a:schemeClr>
+                </a:solidFill>
+              </a:rPr>
+            </a:br>
+            <a:r>
+              <a:rPr lang="en-US" sz="1400" b="1" dirty="0">
+                <a:solidFill>
+                  <a:schemeClr val="accent1">
+                    <a:lumMod val="75000"/>
+                  </a:schemeClr>
+                </a:solidFill>
+              </a:rPr>
+              <a:t>tuples</a:t>
+            </a:r>
+          </a:p>
+        </p:txBody>
+      </p:sp>
       <p:cxnSp>
         <p:nvCxnSpPr>
-          <p:cNvPr id="205" name="Straight Arrow Connector 204">
-            <a:extLst>
-              <a:ext uri="{FF2B5EF4-FFF2-40B4-BE49-F238E27FC236}">
-                <a16:creationId xmlns:a16="http://schemas.microsoft.com/office/drawing/2014/main" id="{5687A411-7191-EE47-A75E-D3FABEC8EC71}"/>
+          <p:cNvPr id="80" name="Straight Arrow Connector 79">
+            <a:extLst>
+              <a:ext uri="{FF2B5EF4-FFF2-40B4-BE49-F238E27FC236}">
+                <a16:creationId xmlns:a16="http://schemas.microsoft.com/office/drawing/2014/main" id="{1FE92D62-B4E7-4A4C-9C10-DA2E4E01D1D7}"/>
               </a:ext>
             </a:extLst>
           </p:cNvPr>
           <p:cNvCxnSpPr>
             <a:cxnSpLocks/>
-            <a:stCxn id="200" idx="3"/>
-            <a:endCxn id="6" idx="1"/>
           </p:cNvCxnSpPr>
           <p:nvPr/>
         </p:nvCxnSpPr>
         <p:spPr>
           <a:xfrm>
-            <a:off x="3111454" y="5103877"/>
-            <a:ext cx="775285" cy="4984"/>
+            <a:off x="3040529" y="2143243"/>
+            <a:ext cx="957422" cy="0"/>
           </a:xfrm>
           <a:prstGeom prst="straightConnector1">
             <a:avLst/>
@@ -6196,6 +5651,479 @@
           <a:ln w="25400">
             <a:solidFill>
               <a:schemeClr val="accent1"/>
+            </a:solidFill>
+            <a:headEnd type="oval"/>
+            <a:tailEnd type="triangle" w="lg" len="med"/>
+          </a:ln>
+        </p:spPr>
+        <p:style>
+          <a:lnRef idx="1">
+            <a:schemeClr val="accent1"/>
+          </a:lnRef>
+          <a:fillRef idx="0">
+            <a:schemeClr val="accent1"/>
+          </a:fillRef>
+          <a:effectRef idx="0">
+            <a:schemeClr val="accent1"/>
+          </a:effectRef>
+          <a:fontRef idx="minor">
+            <a:schemeClr val="tx1"/>
+          </a:fontRef>
+        </p:style>
+      </p:cxnSp>
+      <p:sp>
+        <p:nvSpPr>
+          <p:cNvPr id="41" name="Rectangle 33">
+            <a:extLst>
+              <a:ext uri="{FF2B5EF4-FFF2-40B4-BE49-F238E27FC236}">
+                <a16:creationId xmlns:a16="http://schemas.microsoft.com/office/drawing/2014/main" id="{47B089CB-A80A-634D-A472-0F6527DC0045}"/>
+              </a:ext>
+            </a:extLst>
+          </p:cNvPr>
+          <p:cNvSpPr/>
+          <p:nvPr/>
+        </p:nvSpPr>
+        <p:spPr>
+          <a:xfrm>
+            <a:off x="6002915" y="1848128"/>
+            <a:ext cx="963848" cy="1249858"/>
+          </a:xfrm>
+          <a:custGeom>
+            <a:avLst/>
+            <a:gdLst>
+              <a:gd name="connsiteX0" fmla="*/ 0 w 990596"/>
+              <a:gd name="connsiteY0" fmla="*/ 0 h 454751"/>
+              <a:gd name="connsiteX1" fmla="*/ 990596 w 990596"/>
+              <a:gd name="connsiteY1" fmla="*/ 0 h 454751"/>
+              <a:gd name="connsiteX2" fmla="*/ 990596 w 990596"/>
+              <a:gd name="connsiteY2" fmla="*/ 454751 h 454751"/>
+              <a:gd name="connsiteX3" fmla="*/ 0 w 990596"/>
+              <a:gd name="connsiteY3" fmla="*/ 454751 h 454751"/>
+              <a:gd name="connsiteX4" fmla="*/ 0 w 990596"/>
+              <a:gd name="connsiteY4" fmla="*/ 0 h 454751"/>
+              <a:gd name="connsiteX0" fmla="*/ 0 w 990596"/>
+              <a:gd name="connsiteY0" fmla="*/ 0 h 454751"/>
+              <a:gd name="connsiteX1" fmla="*/ 312688 w 990596"/>
+              <a:gd name="connsiteY1" fmla="*/ 3175 h 454751"/>
+              <a:gd name="connsiteX2" fmla="*/ 990596 w 990596"/>
+              <a:gd name="connsiteY2" fmla="*/ 0 h 454751"/>
+              <a:gd name="connsiteX3" fmla="*/ 990596 w 990596"/>
+              <a:gd name="connsiteY3" fmla="*/ 454751 h 454751"/>
+              <a:gd name="connsiteX4" fmla="*/ 0 w 990596"/>
+              <a:gd name="connsiteY4" fmla="*/ 454751 h 454751"/>
+              <a:gd name="connsiteX5" fmla="*/ 0 w 990596"/>
+              <a:gd name="connsiteY5" fmla="*/ 0 h 454751"/>
+              <a:gd name="connsiteX0" fmla="*/ 0 w 990596"/>
+              <a:gd name="connsiteY0" fmla="*/ 0 h 457200"/>
+              <a:gd name="connsiteX1" fmla="*/ 312688 w 990596"/>
+              <a:gd name="connsiteY1" fmla="*/ 3175 h 457200"/>
+              <a:gd name="connsiteX2" fmla="*/ 990596 w 990596"/>
+              <a:gd name="connsiteY2" fmla="*/ 0 h 457200"/>
+              <a:gd name="connsiteX3" fmla="*/ 990596 w 990596"/>
+              <a:gd name="connsiteY3" fmla="*/ 454751 h 457200"/>
+              <a:gd name="connsiteX4" fmla="*/ 312688 w 990596"/>
+              <a:gd name="connsiteY4" fmla="*/ 457200 h 457200"/>
+              <a:gd name="connsiteX5" fmla="*/ 0 w 990596"/>
+              <a:gd name="connsiteY5" fmla="*/ 454751 h 457200"/>
+              <a:gd name="connsiteX6" fmla="*/ 0 w 990596"/>
+              <a:gd name="connsiteY6" fmla="*/ 0 h 457200"/>
+              <a:gd name="connsiteX0" fmla="*/ 0 w 990596"/>
+              <a:gd name="connsiteY0" fmla="*/ 1 h 457201"/>
+              <a:gd name="connsiteX1" fmla="*/ 312688 w 990596"/>
+              <a:gd name="connsiteY1" fmla="*/ 3176 h 457201"/>
+              <a:gd name="connsiteX2" fmla="*/ 611138 w 990596"/>
+              <a:gd name="connsiteY2" fmla="*/ 0 h 457201"/>
+              <a:gd name="connsiteX3" fmla="*/ 990596 w 990596"/>
+              <a:gd name="connsiteY3" fmla="*/ 1 h 457201"/>
+              <a:gd name="connsiteX4" fmla="*/ 990596 w 990596"/>
+              <a:gd name="connsiteY4" fmla="*/ 454752 h 457201"/>
+              <a:gd name="connsiteX5" fmla="*/ 312688 w 990596"/>
+              <a:gd name="connsiteY5" fmla="*/ 457201 h 457201"/>
+              <a:gd name="connsiteX6" fmla="*/ 0 w 990596"/>
+              <a:gd name="connsiteY6" fmla="*/ 454752 h 457201"/>
+              <a:gd name="connsiteX7" fmla="*/ 0 w 990596"/>
+              <a:gd name="connsiteY7" fmla="*/ 1 h 457201"/>
+              <a:gd name="connsiteX0" fmla="*/ 0 w 990596"/>
+              <a:gd name="connsiteY0" fmla="*/ 1 h 460376"/>
+              <a:gd name="connsiteX1" fmla="*/ 312688 w 990596"/>
+              <a:gd name="connsiteY1" fmla="*/ 3176 h 460376"/>
+              <a:gd name="connsiteX2" fmla="*/ 611138 w 990596"/>
+              <a:gd name="connsiteY2" fmla="*/ 0 h 460376"/>
+              <a:gd name="connsiteX3" fmla="*/ 990596 w 990596"/>
+              <a:gd name="connsiteY3" fmla="*/ 1 h 460376"/>
+              <a:gd name="connsiteX4" fmla="*/ 990596 w 990596"/>
+              <a:gd name="connsiteY4" fmla="*/ 454752 h 460376"/>
+              <a:gd name="connsiteX5" fmla="*/ 614313 w 990596"/>
+              <a:gd name="connsiteY5" fmla="*/ 460376 h 460376"/>
+              <a:gd name="connsiteX6" fmla="*/ 312688 w 990596"/>
+              <a:gd name="connsiteY6" fmla="*/ 457201 h 460376"/>
+              <a:gd name="connsiteX7" fmla="*/ 0 w 990596"/>
+              <a:gd name="connsiteY7" fmla="*/ 454752 h 460376"/>
+              <a:gd name="connsiteX8" fmla="*/ 0 w 990596"/>
+              <a:gd name="connsiteY8" fmla="*/ 1 h 460376"/>
+              <a:gd name="connsiteX0" fmla="*/ 0 w 990596"/>
+              <a:gd name="connsiteY0" fmla="*/ 1 h 490278"/>
+              <a:gd name="connsiteX1" fmla="*/ 312688 w 990596"/>
+              <a:gd name="connsiteY1" fmla="*/ 3176 h 490278"/>
+              <a:gd name="connsiteX2" fmla="*/ 611138 w 990596"/>
+              <a:gd name="connsiteY2" fmla="*/ 0 h 490278"/>
+              <a:gd name="connsiteX3" fmla="*/ 990596 w 990596"/>
+              <a:gd name="connsiteY3" fmla="*/ 1 h 490278"/>
+              <a:gd name="connsiteX4" fmla="*/ 990596 w 990596"/>
+              <a:gd name="connsiteY4" fmla="*/ 454752 h 490278"/>
+              <a:gd name="connsiteX5" fmla="*/ 614313 w 990596"/>
+              <a:gd name="connsiteY5" fmla="*/ 460376 h 490278"/>
+              <a:gd name="connsiteX6" fmla="*/ 312688 w 990596"/>
+              <a:gd name="connsiteY6" fmla="*/ 457201 h 490278"/>
+              <a:gd name="connsiteX7" fmla="*/ 0 w 990596"/>
+              <a:gd name="connsiteY7" fmla="*/ 454752 h 490278"/>
+              <a:gd name="connsiteX8" fmla="*/ 0 w 990596"/>
+              <a:gd name="connsiteY8" fmla="*/ 1 h 490278"/>
+              <a:gd name="connsiteX0" fmla="*/ 0 w 990596"/>
+              <a:gd name="connsiteY0" fmla="*/ 1 h 490630"/>
+              <a:gd name="connsiteX1" fmla="*/ 312688 w 990596"/>
+              <a:gd name="connsiteY1" fmla="*/ 3176 h 490630"/>
+              <a:gd name="connsiteX2" fmla="*/ 611138 w 990596"/>
+              <a:gd name="connsiteY2" fmla="*/ 0 h 490630"/>
+              <a:gd name="connsiteX3" fmla="*/ 990596 w 990596"/>
+              <a:gd name="connsiteY3" fmla="*/ 1 h 490630"/>
+              <a:gd name="connsiteX4" fmla="*/ 990596 w 990596"/>
+              <a:gd name="connsiteY4" fmla="*/ 454752 h 490630"/>
+              <a:gd name="connsiteX5" fmla="*/ 614313 w 990596"/>
+              <a:gd name="connsiteY5" fmla="*/ 460376 h 490630"/>
+              <a:gd name="connsiteX6" fmla="*/ 312688 w 990596"/>
+              <a:gd name="connsiteY6" fmla="*/ 457201 h 490630"/>
+              <a:gd name="connsiteX7" fmla="*/ 0 w 990596"/>
+              <a:gd name="connsiteY7" fmla="*/ 454752 h 490630"/>
+              <a:gd name="connsiteX8" fmla="*/ 0 w 990596"/>
+              <a:gd name="connsiteY8" fmla="*/ 1 h 490630"/>
+              <a:gd name="connsiteX0" fmla="*/ 0 w 990596"/>
+              <a:gd name="connsiteY0" fmla="*/ 1 h 489711"/>
+              <a:gd name="connsiteX1" fmla="*/ 312688 w 990596"/>
+              <a:gd name="connsiteY1" fmla="*/ 3176 h 489711"/>
+              <a:gd name="connsiteX2" fmla="*/ 611138 w 990596"/>
+              <a:gd name="connsiteY2" fmla="*/ 0 h 489711"/>
+              <a:gd name="connsiteX3" fmla="*/ 990596 w 990596"/>
+              <a:gd name="connsiteY3" fmla="*/ 1 h 489711"/>
+              <a:gd name="connsiteX4" fmla="*/ 990596 w 990596"/>
+              <a:gd name="connsiteY4" fmla="*/ 454752 h 489711"/>
+              <a:gd name="connsiteX5" fmla="*/ 614313 w 990596"/>
+              <a:gd name="connsiteY5" fmla="*/ 460376 h 489711"/>
+              <a:gd name="connsiteX6" fmla="*/ 312688 w 990596"/>
+              <a:gd name="connsiteY6" fmla="*/ 457201 h 489711"/>
+              <a:gd name="connsiteX7" fmla="*/ 0 w 990596"/>
+              <a:gd name="connsiteY7" fmla="*/ 454752 h 489711"/>
+              <a:gd name="connsiteX8" fmla="*/ 0 w 990596"/>
+              <a:gd name="connsiteY8" fmla="*/ 1 h 489711"/>
+              <a:gd name="connsiteX0" fmla="*/ 0 w 990596"/>
+              <a:gd name="connsiteY0" fmla="*/ 1 h 489265"/>
+              <a:gd name="connsiteX1" fmla="*/ 312688 w 990596"/>
+              <a:gd name="connsiteY1" fmla="*/ 3176 h 489265"/>
+              <a:gd name="connsiteX2" fmla="*/ 611138 w 990596"/>
+              <a:gd name="connsiteY2" fmla="*/ 0 h 489265"/>
+              <a:gd name="connsiteX3" fmla="*/ 990596 w 990596"/>
+              <a:gd name="connsiteY3" fmla="*/ 1 h 489265"/>
+              <a:gd name="connsiteX4" fmla="*/ 990596 w 990596"/>
+              <a:gd name="connsiteY4" fmla="*/ 454752 h 489265"/>
+              <a:gd name="connsiteX5" fmla="*/ 312688 w 990596"/>
+              <a:gd name="connsiteY5" fmla="*/ 457201 h 489265"/>
+              <a:gd name="connsiteX6" fmla="*/ 0 w 990596"/>
+              <a:gd name="connsiteY6" fmla="*/ 454752 h 489265"/>
+              <a:gd name="connsiteX7" fmla="*/ 0 w 990596"/>
+              <a:gd name="connsiteY7" fmla="*/ 1 h 489265"/>
+              <a:gd name="connsiteX0" fmla="*/ 0 w 990596"/>
+              <a:gd name="connsiteY0" fmla="*/ 1 h 458386"/>
+              <a:gd name="connsiteX1" fmla="*/ 312688 w 990596"/>
+              <a:gd name="connsiteY1" fmla="*/ 3176 h 458386"/>
+              <a:gd name="connsiteX2" fmla="*/ 611138 w 990596"/>
+              <a:gd name="connsiteY2" fmla="*/ 0 h 458386"/>
+              <a:gd name="connsiteX3" fmla="*/ 990596 w 990596"/>
+              <a:gd name="connsiteY3" fmla="*/ 1 h 458386"/>
+              <a:gd name="connsiteX4" fmla="*/ 990596 w 990596"/>
+              <a:gd name="connsiteY4" fmla="*/ 454752 h 458386"/>
+              <a:gd name="connsiteX5" fmla="*/ 312688 w 990596"/>
+              <a:gd name="connsiteY5" fmla="*/ 457201 h 458386"/>
+              <a:gd name="connsiteX6" fmla="*/ 0 w 990596"/>
+              <a:gd name="connsiteY6" fmla="*/ 454752 h 458386"/>
+              <a:gd name="connsiteX7" fmla="*/ 0 w 990596"/>
+              <a:gd name="connsiteY7" fmla="*/ 1 h 458386"/>
+              <a:gd name="connsiteX0" fmla="*/ 0 w 990596"/>
+              <a:gd name="connsiteY0" fmla="*/ 1 h 489172"/>
+              <a:gd name="connsiteX1" fmla="*/ 312688 w 990596"/>
+              <a:gd name="connsiteY1" fmla="*/ 3176 h 489172"/>
+              <a:gd name="connsiteX2" fmla="*/ 611138 w 990596"/>
+              <a:gd name="connsiteY2" fmla="*/ 0 h 489172"/>
+              <a:gd name="connsiteX3" fmla="*/ 990596 w 990596"/>
+              <a:gd name="connsiteY3" fmla="*/ 1 h 489172"/>
+              <a:gd name="connsiteX4" fmla="*/ 990596 w 990596"/>
+              <a:gd name="connsiteY4" fmla="*/ 454752 h 489172"/>
+              <a:gd name="connsiteX5" fmla="*/ 611138 w 990596"/>
+              <a:gd name="connsiteY5" fmla="*/ 457201 h 489172"/>
+              <a:gd name="connsiteX6" fmla="*/ 312688 w 990596"/>
+              <a:gd name="connsiteY6" fmla="*/ 457201 h 489172"/>
+              <a:gd name="connsiteX7" fmla="*/ 0 w 990596"/>
+              <a:gd name="connsiteY7" fmla="*/ 454752 h 489172"/>
+              <a:gd name="connsiteX8" fmla="*/ 0 w 990596"/>
+              <a:gd name="connsiteY8" fmla="*/ 1 h 489172"/>
+              <a:gd name="connsiteX0" fmla="*/ 0 w 990596"/>
+              <a:gd name="connsiteY0" fmla="*/ 1 h 458253"/>
+              <a:gd name="connsiteX1" fmla="*/ 312688 w 990596"/>
+              <a:gd name="connsiteY1" fmla="*/ 3176 h 458253"/>
+              <a:gd name="connsiteX2" fmla="*/ 611138 w 990596"/>
+              <a:gd name="connsiteY2" fmla="*/ 0 h 458253"/>
+              <a:gd name="connsiteX3" fmla="*/ 990596 w 990596"/>
+              <a:gd name="connsiteY3" fmla="*/ 1 h 458253"/>
+              <a:gd name="connsiteX4" fmla="*/ 990596 w 990596"/>
+              <a:gd name="connsiteY4" fmla="*/ 454752 h 458253"/>
+              <a:gd name="connsiteX5" fmla="*/ 611138 w 990596"/>
+              <a:gd name="connsiteY5" fmla="*/ 457201 h 458253"/>
+              <a:gd name="connsiteX6" fmla="*/ 312688 w 990596"/>
+              <a:gd name="connsiteY6" fmla="*/ 457201 h 458253"/>
+              <a:gd name="connsiteX7" fmla="*/ 0 w 990596"/>
+              <a:gd name="connsiteY7" fmla="*/ 454752 h 458253"/>
+              <a:gd name="connsiteX8" fmla="*/ 0 w 990596"/>
+              <a:gd name="connsiteY8" fmla="*/ 1 h 458253"/>
+            </a:gdLst>
+            <a:ahLst/>
+            <a:cxnLst>
+              <a:cxn ang="0">
+                <a:pos x="connsiteX0" y="connsiteY0"/>
+              </a:cxn>
+              <a:cxn ang="0">
+                <a:pos x="connsiteX1" y="connsiteY1"/>
+              </a:cxn>
+              <a:cxn ang="0">
+                <a:pos x="connsiteX2" y="connsiteY2"/>
+              </a:cxn>
+              <a:cxn ang="0">
+                <a:pos x="connsiteX3" y="connsiteY3"/>
+              </a:cxn>
+              <a:cxn ang="0">
+                <a:pos x="connsiteX4" y="connsiteY4"/>
+              </a:cxn>
+              <a:cxn ang="0">
+                <a:pos x="connsiteX5" y="connsiteY5"/>
+              </a:cxn>
+              <a:cxn ang="0">
+                <a:pos x="connsiteX6" y="connsiteY6"/>
+              </a:cxn>
+              <a:cxn ang="0">
+                <a:pos x="connsiteX7" y="connsiteY7"/>
+              </a:cxn>
+              <a:cxn ang="0">
+                <a:pos x="connsiteX8" y="connsiteY8"/>
+              </a:cxn>
+            </a:cxnLst>
+            <a:rect l="l" t="t" r="r" b="b"/>
+            <a:pathLst>
+              <a:path w="990596" h="458253">
+                <a:moveTo>
+                  <a:pt x="0" y="1"/>
+                </a:moveTo>
+                <a:lnTo>
+                  <a:pt x="312688" y="3176"/>
+                </a:lnTo>
+                <a:lnTo>
+                  <a:pt x="611138" y="0"/>
+                </a:lnTo>
+                <a:lnTo>
+                  <a:pt x="990596" y="1"/>
+                </a:lnTo>
+                <a:lnTo>
+                  <a:pt x="990596" y="454752"/>
+                </a:lnTo>
+                <a:cubicBezTo>
+                  <a:pt x="901953" y="461102"/>
+                  <a:pt x="724123" y="456793"/>
+                  <a:pt x="611138" y="457201"/>
+                </a:cubicBezTo>
+                <a:lnTo>
+                  <a:pt x="312688" y="457201"/>
+                </a:lnTo>
+                <a:lnTo>
+                  <a:pt x="0" y="454752"/>
+                </a:lnTo>
+                <a:lnTo>
+                  <a:pt x="0" y="1"/>
+                </a:lnTo>
+                <a:close/>
+              </a:path>
+            </a:pathLst>
+          </a:custGeom>
+        </p:spPr>
+        <p:style>
+          <a:lnRef idx="2">
+            <a:schemeClr val="accent1">
+              <a:shade val="50000"/>
+            </a:schemeClr>
+          </a:lnRef>
+          <a:fillRef idx="1">
+            <a:schemeClr val="accent1"/>
+          </a:fillRef>
+          <a:effectRef idx="0">
+            <a:schemeClr val="accent1"/>
+          </a:effectRef>
+          <a:fontRef idx="minor">
+            <a:schemeClr val="lt1"/>
+          </a:fontRef>
+        </p:style>
+        <p:txBody>
+          <a:bodyPr rtlCol="0" anchor="ctr"/>
+          <a:lstStyle/>
+          <a:p>
+            <a:pPr algn="ctr"/>
+            <a:r>
+              <a:rPr lang="en-US" sz="1200" b="1" dirty="0"/>
+              <a:t>Device</a:t>
+            </a:r>
+          </a:p>
+          <a:p>
+            <a:pPr algn="ctr"/>
+            <a:r>
+              <a:rPr lang="en-US" sz="1200" b="1" dirty="0"/>
+              <a:t>Connector</a:t>
+            </a:r>
+          </a:p>
+          <a:p>
+            <a:pPr algn="ctr"/>
+            <a:endParaRPr lang="en-US" sz="1200" b="1" dirty="0"/>
+          </a:p>
+          <a:p>
+            <a:pPr algn="ctr"/>
+            <a:endParaRPr lang="en-US" sz="1200" b="1" dirty="0"/>
+          </a:p>
+          <a:p>
+            <a:pPr algn="ctr"/>
+            <a:endParaRPr lang="en-US" sz="1200" b="1" dirty="0"/>
+          </a:p>
+          <a:p>
+            <a:pPr algn="ctr"/>
+            <a:endParaRPr lang="en-US" sz="1200" b="1" dirty="0"/>
+          </a:p>
+        </p:txBody>
+      </p:sp>
+      <p:sp>
+        <p:nvSpPr>
+          <p:cNvPr id="85" name="Oval 84">
+            <a:extLst>
+              <a:ext uri="{FF2B5EF4-FFF2-40B4-BE49-F238E27FC236}">
+                <a16:creationId xmlns:a16="http://schemas.microsoft.com/office/drawing/2014/main" id="{B5ED5989-E568-A34C-8364-910D62896625}"/>
+              </a:ext>
+            </a:extLst>
+          </p:cNvPr>
+          <p:cNvSpPr/>
+          <p:nvPr/>
+        </p:nvSpPr>
+        <p:spPr>
+          <a:xfrm>
+            <a:off x="6595112" y="2264527"/>
+            <a:ext cx="406616" cy="430981"/>
+          </a:xfrm>
+          <a:prstGeom prst="ellipse">
+            <a:avLst/>
+          </a:prstGeom>
+          <a:solidFill>
+            <a:schemeClr val="accent2"/>
+          </a:solidFill>
+          <a:ln>
+            <a:noFill/>
+          </a:ln>
+        </p:spPr>
+        <p:style>
+          <a:lnRef idx="2">
+            <a:schemeClr val="accent1">
+              <a:shade val="50000"/>
+            </a:schemeClr>
+          </a:lnRef>
+          <a:fillRef idx="1">
+            <a:schemeClr val="accent1"/>
+          </a:fillRef>
+          <a:effectRef idx="0">
+            <a:schemeClr val="accent1"/>
+          </a:effectRef>
+          <a:fontRef idx="minor">
+            <a:schemeClr val="lt1"/>
+          </a:fontRef>
+        </p:style>
+        <p:txBody>
+          <a:bodyPr rtlCol="0" anchor="ctr"/>
+          <a:lstStyle/>
+          <a:p>
+            <a:pPr algn="ctr"/>
+            <a:endParaRPr lang="en-US"/>
+          </a:p>
+        </p:txBody>
+      </p:sp>
+      <p:cxnSp>
+        <p:nvCxnSpPr>
+          <p:cNvPr id="72" name="Straight Arrow Connector 71">
+            <a:extLst>
+              <a:ext uri="{FF2B5EF4-FFF2-40B4-BE49-F238E27FC236}">
+                <a16:creationId xmlns:a16="http://schemas.microsoft.com/office/drawing/2014/main" id="{CD1BD6C8-A6D5-824C-83F4-83E83A2768EF}"/>
+              </a:ext>
+            </a:extLst>
+          </p:cNvPr>
+          <p:cNvCxnSpPr>
+            <a:cxnSpLocks/>
+          </p:cNvCxnSpPr>
+          <p:nvPr/>
+        </p:nvCxnSpPr>
+        <p:spPr>
+          <a:xfrm flipV="1">
+            <a:off x="5996466" y="3097986"/>
+            <a:ext cx="480595" cy="398432"/>
+          </a:xfrm>
+          <a:prstGeom prst="straightConnector1">
+            <a:avLst/>
+          </a:prstGeom>
+          <a:ln w="19050">
+            <a:solidFill>
+              <a:schemeClr val="accent2"/>
+            </a:solidFill>
+            <a:prstDash val="sysDash"/>
+            <a:tailEnd type="arrow" w="lg" len="lg"/>
+          </a:ln>
+        </p:spPr>
+        <p:style>
+          <a:lnRef idx="1">
+            <a:schemeClr val="accent1"/>
+          </a:lnRef>
+          <a:fillRef idx="0">
+            <a:schemeClr val="accent1"/>
+          </a:fillRef>
+          <a:effectRef idx="0">
+            <a:schemeClr val="accent1"/>
+          </a:effectRef>
+          <a:fontRef idx="minor">
+            <a:schemeClr val="tx1"/>
+          </a:fontRef>
+        </p:style>
+      </p:cxnSp>
+      <p:cxnSp>
+        <p:nvCxnSpPr>
+          <p:cNvPr id="68" name="Straight Arrow Connector 67">
+            <a:extLst>
+              <a:ext uri="{FF2B5EF4-FFF2-40B4-BE49-F238E27FC236}">
+                <a16:creationId xmlns:a16="http://schemas.microsoft.com/office/drawing/2014/main" id="{3C640A77-4D65-3146-829F-751A7DB54F24}"/>
+              </a:ext>
+            </a:extLst>
+          </p:cNvPr>
+          <p:cNvCxnSpPr>
+            <a:cxnSpLocks/>
+          </p:cNvCxnSpPr>
+          <p:nvPr/>
+        </p:nvCxnSpPr>
+        <p:spPr>
+          <a:xfrm>
+            <a:off x="6966763" y="2323955"/>
+            <a:ext cx="1506857" cy="3482"/>
+          </a:xfrm>
+          <a:prstGeom prst="straightConnector1">
+            <a:avLst/>
+          </a:prstGeom>
+          <a:ln w="25400">
+            <a:solidFill>
+              <a:schemeClr val="accent2"/>
             </a:solidFill>
             <a:headEnd type="oval"/>
             <a:tailEnd type="triangle" w="lg" len="med"/>
@@ -6306,7 +6234,7 @@
         </p:nvSpPr>
         <p:spPr>
           <a:xfrm>
-            <a:off x="8133478" y="949123"/>
+            <a:off x="8133478" y="1025323"/>
             <a:ext cx="3800475" cy="3307601"/>
           </a:xfrm>
           <a:prstGeom prst="cloud">
@@ -6978,7 +6906,7 @@
         </p:nvSpPr>
         <p:spPr>
           <a:xfrm>
-            <a:off x="10326316" y="2149355"/>
+            <a:off x="10326316" y="2225555"/>
             <a:ext cx="1178233" cy="581586"/>
           </a:xfrm>
           <a:prstGeom prst="cube">
@@ -7141,7 +7069,7 @@
         </p:nvSpPr>
         <p:spPr>
           <a:xfrm>
-            <a:off x="10008915" y="1230863"/>
+            <a:off x="10008915" y="1307063"/>
             <a:ext cx="1412110" cy="369332"/>
           </a:xfrm>
           <a:prstGeom prst="rect">
@@ -7191,7 +7119,7 @@
         </p:blipFill>
         <p:spPr>
           <a:xfrm>
-            <a:off x="9483636" y="1086674"/>
+            <a:off x="9483636" y="1162874"/>
             <a:ext cx="607562" cy="607562"/>
           </a:xfrm>
           <a:prstGeom prst="rect">
@@ -7213,7 +7141,7 @@
         </p:nvSpPr>
         <p:spPr>
           <a:xfrm>
-            <a:off x="8473620" y="1959136"/>
+            <a:off x="8473620" y="2035336"/>
             <a:ext cx="1507173" cy="962025"/>
           </a:xfrm>
           <a:custGeom>
@@ -8004,33 +7932,30 @@
       </p:sp>
       <p:cxnSp>
         <p:nvCxnSpPr>
-          <p:cNvPr id="77" name="Straight Arrow Connector 76">
-            <a:extLst>
-              <a:ext uri="{FF2B5EF4-FFF2-40B4-BE49-F238E27FC236}">
-                <a16:creationId xmlns:a16="http://schemas.microsoft.com/office/drawing/2014/main" id="{5446CEC2-CA15-7642-B5C3-91942D0EED72}"/>
+          <p:cNvPr id="79" name="Straight Arrow Connector 78">
+            <a:extLst>
+              <a:ext uri="{FF2B5EF4-FFF2-40B4-BE49-F238E27FC236}">
+                <a16:creationId xmlns:a16="http://schemas.microsoft.com/office/drawing/2014/main" id="{8217BBFE-86CB-1143-942E-975F4D57FB81}"/>
               </a:ext>
             </a:extLst>
           </p:cNvPr>
           <p:cNvCxnSpPr>
             <a:cxnSpLocks/>
-            <a:stCxn id="76" idx="9"/>
-            <a:endCxn id="76" idx="17"/>
+            <a:stCxn id="76" idx="8"/>
           </p:cNvCxnSpPr>
           <p:nvPr/>
         </p:nvCxnSpPr>
         <p:spPr>
-          <a:xfrm>
-            <a:off x="8473620" y="2327436"/>
-            <a:ext cx="1397001" cy="3175"/>
+          <a:xfrm flipH="1" flipV="1">
+            <a:off x="6999357" y="2624067"/>
+            <a:ext cx="1477438" cy="4994"/>
           </a:xfrm>
           <a:prstGeom prst="straightConnector1">
             <a:avLst/>
           </a:prstGeom>
           <a:ln w="25400">
             <a:solidFill>
-              <a:schemeClr val="accent1">
-                <a:alpha val="51000"/>
-              </a:schemeClr>
+              <a:schemeClr val="accent2"/>
             </a:solidFill>
             <a:headEnd type="oval"/>
             <a:tailEnd type="triangle" w="lg" len="med"/>
@@ -8053,33 +7978,30 @@
       </p:cxnSp>
       <p:cxnSp>
         <p:nvCxnSpPr>
-          <p:cNvPr id="78" name="Straight Arrow Connector 77">
-            <a:extLst>
-              <a:ext uri="{FF2B5EF4-FFF2-40B4-BE49-F238E27FC236}">
-                <a16:creationId xmlns:a16="http://schemas.microsoft.com/office/drawing/2014/main" id="{04C53794-4A67-1D40-ABA2-99CC8C454AA1}"/>
+          <p:cNvPr id="80" name="Straight Arrow Connector 79">
+            <a:extLst>
+              <a:ext uri="{FF2B5EF4-FFF2-40B4-BE49-F238E27FC236}">
+                <a16:creationId xmlns:a16="http://schemas.microsoft.com/office/drawing/2014/main" id="{45A35179-8BFD-E240-80C1-C61453C5216A}"/>
               </a:ext>
             </a:extLst>
           </p:cNvPr>
           <p:cNvCxnSpPr>
             <a:cxnSpLocks/>
-            <a:stCxn id="76" idx="18"/>
-            <a:endCxn id="76" idx="8"/>
+            <a:stCxn id="76" idx="17"/>
           </p:cNvCxnSpPr>
           <p:nvPr/>
         </p:nvCxnSpPr>
         <p:spPr>
-          <a:xfrm flipH="1" flipV="1">
-            <a:off x="8476795" y="2552861"/>
-            <a:ext cx="1393826" cy="3175"/>
+          <a:xfrm flipV="1">
+            <a:off x="9870621" y="2403636"/>
+            <a:ext cx="478994" cy="3175"/>
           </a:xfrm>
           <a:prstGeom prst="straightConnector1">
             <a:avLst/>
           </a:prstGeom>
           <a:ln w="25400">
             <a:solidFill>
-              <a:schemeClr val="accent1">
-                <a:alpha val="51000"/>
-              </a:schemeClr>
+              <a:schemeClr val="accent2"/>
             </a:solidFill>
             <a:headEnd type="oval"/>
             <a:tailEnd type="triangle" w="lg" len="med"/>
@@ -8102,24 +8024,68 @@
       </p:cxnSp>
       <p:cxnSp>
         <p:nvCxnSpPr>
-          <p:cNvPr id="79" name="Straight Arrow Connector 78">
-            <a:extLst>
-              <a:ext uri="{FF2B5EF4-FFF2-40B4-BE49-F238E27FC236}">
-                <a16:creationId xmlns:a16="http://schemas.microsoft.com/office/drawing/2014/main" id="{8217BBFE-86CB-1143-942E-975F4D57FB81}"/>
+          <p:cNvPr id="81" name="Straight Arrow Connector 80">
+            <a:extLst>
+              <a:ext uri="{FF2B5EF4-FFF2-40B4-BE49-F238E27FC236}">
+                <a16:creationId xmlns:a16="http://schemas.microsoft.com/office/drawing/2014/main" id="{E7CBA9AB-C3CF-9243-8636-DE047AE2BDC6}"/>
               </a:ext>
             </a:extLst>
           </p:cNvPr>
           <p:cNvCxnSpPr>
             <a:cxnSpLocks/>
-            <a:stCxn id="76" idx="8"/>
-            <a:endCxn id="102" idx="3"/>
+            <a:endCxn id="76" idx="18"/>
           </p:cNvCxnSpPr>
           <p:nvPr/>
         </p:nvCxnSpPr>
         <p:spPr>
           <a:xfrm flipH="1">
-            <a:off x="6987062" y="2552861"/>
-            <a:ext cx="1489733" cy="324032"/>
+            <a:off x="9870621" y="2629061"/>
+            <a:ext cx="453471" cy="3175"/>
+          </a:xfrm>
+          <a:prstGeom prst="straightConnector1">
+            <a:avLst/>
+          </a:prstGeom>
+          <a:ln w="25400">
+            <a:solidFill>
+              <a:schemeClr val="accent2"/>
+            </a:solidFill>
+            <a:headEnd type="oval"/>
+            <a:tailEnd type="triangle" w="lg" len="med"/>
+          </a:ln>
+        </p:spPr>
+        <p:style>
+          <a:lnRef idx="1">
+            <a:schemeClr val="accent1"/>
+          </a:lnRef>
+          <a:fillRef idx="0">
+            <a:schemeClr val="accent1"/>
+          </a:fillRef>
+          <a:effectRef idx="0">
+            <a:schemeClr val="accent1"/>
+          </a:effectRef>
+          <a:fontRef idx="minor">
+            <a:schemeClr val="tx1"/>
+          </a:fontRef>
+        </p:style>
+      </p:cxnSp>
+      <p:cxnSp>
+        <p:nvCxnSpPr>
+          <p:cNvPr id="51" name="Straight Arrow Connector 50">
+            <a:extLst>
+              <a:ext uri="{FF2B5EF4-FFF2-40B4-BE49-F238E27FC236}">
+                <a16:creationId xmlns:a16="http://schemas.microsoft.com/office/drawing/2014/main" id="{3CFB9EEF-F145-5C42-AE56-176C76DEDDE1}"/>
+              </a:ext>
+            </a:extLst>
+          </p:cNvPr>
+          <p:cNvCxnSpPr>
+            <a:cxnSpLocks/>
+          </p:cNvCxnSpPr>
+          <p:nvPr/>
+        </p:nvCxnSpPr>
+        <p:spPr>
+          <a:xfrm>
+            <a:off x="5039044" y="2136317"/>
+            <a:ext cx="957422" cy="0"/>
           </a:xfrm>
           <a:prstGeom prst="straightConnector1">
             <a:avLst/>
@@ -8149,190 +8115,6 @@
       </p:cxnSp>
       <p:cxnSp>
         <p:nvCxnSpPr>
-          <p:cNvPr id="80" name="Straight Arrow Connector 79">
-            <a:extLst>
-              <a:ext uri="{FF2B5EF4-FFF2-40B4-BE49-F238E27FC236}">
-                <a16:creationId xmlns:a16="http://schemas.microsoft.com/office/drawing/2014/main" id="{45A35179-8BFD-E240-80C1-C61453C5216A}"/>
-              </a:ext>
-            </a:extLst>
-          </p:cNvPr>
-          <p:cNvCxnSpPr>
-            <a:cxnSpLocks/>
-            <a:stCxn id="76" idx="17"/>
-          </p:cNvCxnSpPr>
-          <p:nvPr/>
-        </p:nvCxnSpPr>
-        <p:spPr>
-          <a:xfrm flipV="1">
-            <a:off x="9870621" y="2327436"/>
-            <a:ext cx="478994" cy="3175"/>
-          </a:xfrm>
-          <a:prstGeom prst="straightConnector1">
-            <a:avLst/>
-          </a:prstGeom>
-          <a:ln w="25400">
-            <a:solidFill>
-              <a:schemeClr val="accent1"/>
-            </a:solidFill>
-            <a:headEnd type="oval"/>
-            <a:tailEnd type="triangle" w="lg" len="med"/>
-          </a:ln>
-        </p:spPr>
-        <p:style>
-          <a:lnRef idx="1">
-            <a:schemeClr val="accent1"/>
-          </a:lnRef>
-          <a:fillRef idx="0">
-            <a:schemeClr val="accent1"/>
-          </a:fillRef>
-          <a:effectRef idx="0">
-            <a:schemeClr val="accent1"/>
-          </a:effectRef>
-          <a:fontRef idx="minor">
-            <a:schemeClr val="tx1"/>
-          </a:fontRef>
-        </p:style>
-      </p:cxnSp>
-      <p:cxnSp>
-        <p:nvCxnSpPr>
-          <p:cNvPr id="81" name="Straight Arrow Connector 80">
-            <a:extLst>
-              <a:ext uri="{FF2B5EF4-FFF2-40B4-BE49-F238E27FC236}">
-                <a16:creationId xmlns:a16="http://schemas.microsoft.com/office/drawing/2014/main" id="{E7CBA9AB-C3CF-9243-8636-DE047AE2BDC6}"/>
-              </a:ext>
-            </a:extLst>
-          </p:cNvPr>
-          <p:cNvCxnSpPr>
-            <a:cxnSpLocks/>
-            <a:endCxn id="76" idx="18"/>
-          </p:cNvCxnSpPr>
-          <p:nvPr/>
-        </p:nvCxnSpPr>
-        <p:spPr>
-          <a:xfrm flipH="1">
-            <a:off x="9870621" y="2552861"/>
-            <a:ext cx="453471" cy="3175"/>
-          </a:xfrm>
-          <a:prstGeom prst="straightConnector1">
-            <a:avLst/>
-          </a:prstGeom>
-          <a:ln w="25400">
-            <a:solidFill>
-              <a:schemeClr val="accent1"/>
-            </a:solidFill>
-            <a:headEnd type="oval"/>
-            <a:tailEnd type="triangle" w="lg" len="med"/>
-          </a:ln>
-        </p:spPr>
-        <p:style>
-          <a:lnRef idx="1">
-            <a:schemeClr val="accent1"/>
-          </a:lnRef>
-          <a:fillRef idx="0">
-            <a:schemeClr val="accent1"/>
-          </a:fillRef>
-          <a:effectRef idx="0">
-            <a:schemeClr val="accent1"/>
-          </a:effectRef>
-          <a:fontRef idx="minor">
-            <a:schemeClr val="tx1"/>
-          </a:fontRef>
-        </p:style>
-      </p:cxnSp>
-      <p:cxnSp>
-        <p:nvCxnSpPr>
-          <p:cNvPr id="82" name="Straight Arrow Connector 81">
-            <a:extLst>
-              <a:ext uri="{FF2B5EF4-FFF2-40B4-BE49-F238E27FC236}">
-                <a16:creationId xmlns:a16="http://schemas.microsoft.com/office/drawing/2014/main" id="{A6934046-E040-7F4A-AAFD-B20E92A313C9}"/>
-              </a:ext>
-            </a:extLst>
-          </p:cNvPr>
-          <p:cNvCxnSpPr>
-            <a:cxnSpLocks/>
-            <a:stCxn id="103" idx="3"/>
-            <a:endCxn id="76" idx="9"/>
-          </p:cNvCxnSpPr>
-          <p:nvPr/>
-        </p:nvCxnSpPr>
-        <p:spPr>
-          <a:xfrm>
-            <a:off x="6987062" y="2136318"/>
-            <a:ext cx="1486558" cy="191118"/>
-          </a:xfrm>
-          <a:prstGeom prst="straightConnector1">
-            <a:avLst/>
-          </a:prstGeom>
-          <a:ln w="25400">
-            <a:solidFill>
-              <a:schemeClr val="accent1"/>
-            </a:solidFill>
-            <a:headEnd type="oval"/>
-            <a:tailEnd type="triangle" w="lg" len="med"/>
-          </a:ln>
-        </p:spPr>
-        <p:style>
-          <a:lnRef idx="1">
-            <a:schemeClr val="accent1"/>
-          </a:lnRef>
-          <a:fillRef idx="0">
-            <a:schemeClr val="accent1"/>
-          </a:fillRef>
-          <a:effectRef idx="0">
-            <a:schemeClr val="accent1"/>
-          </a:effectRef>
-          <a:fontRef idx="minor">
-            <a:schemeClr val="tx1"/>
-          </a:fontRef>
-        </p:style>
-      </p:cxnSp>
-      <p:cxnSp>
-        <p:nvCxnSpPr>
-          <p:cNvPr id="51" name="Straight Arrow Connector 50">
-            <a:extLst>
-              <a:ext uri="{FF2B5EF4-FFF2-40B4-BE49-F238E27FC236}">
-                <a16:creationId xmlns:a16="http://schemas.microsoft.com/office/drawing/2014/main" id="{3CFB9EEF-F145-5C42-AE56-176C76DEDDE1}"/>
-              </a:ext>
-            </a:extLst>
-          </p:cNvPr>
-          <p:cNvCxnSpPr>
-            <a:cxnSpLocks/>
-          </p:cNvCxnSpPr>
-          <p:nvPr/>
-        </p:nvCxnSpPr>
-        <p:spPr>
-          <a:xfrm>
-            <a:off x="5039044" y="2136317"/>
-            <a:ext cx="957422" cy="0"/>
-          </a:xfrm>
-          <a:prstGeom prst="straightConnector1">
-            <a:avLst/>
-          </a:prstGeom>
-          <a:ln w="25400">
-            <a:solidFill>
-              <a:schemeClr val="accent1"/>
-            </a:solidFill>
-            <a:headEnd type="oval"/>
-            <a:tailEnd type="triangle" w="lg" len="med"/>
-          </a:ln>
-        </p:spPr>
-        <p:style>
-          <a:lnRef idx="1">
-            <a:schemeClr val="accent1"/>
-          </a:lnRef>
-          <a:fillRef idx="0">
-            <a:schemeClr val="accent1"/>
-          </a:fillRef>
-          <a:effectRef idx="0">
-            <a:schemeClr val="accent1"/>
-          </a:effectRef>
-          <a:fontRef idx="minor">
-            <a:schemeClr val="tx1"/>
-          </a:fontRef>
-        </p:style>
-      </p:cxnSp>
-      <p:cxnSp>
-        <p:nvCxnSpPr>
           <p:cNvPr id="55" name="Straight Arrow Connector 54">
             <a:extLst>
               <a:ext uri="{FF2B5EF4-FFF2-40B4-BE49-F238E27FC236}">
@@ -8526,7 +8308,7 @@
         </p:nvSpPr>
         <p:spPr>
           <a:xfrm>
-            <a:off x="7367071" y="1740377"/>
+            <a:off x="7295153" y="1919317"/>
             <a:ext cx="1003201" cy="523220"/>
           </a:xfrm>
           <a:prstGeom prst="rect">
@@ -8544,9 +8326,7 @@
             <a:r>
               <a:rPr lang="en-US" sz="1400" b="1" dirty="0">
                 <a:solidFill>
-                  <a:schemeClr val="accent1">
-                    <a:lumMod val="75000"/>
-                  </a:schemeClr>
+                  <a:schemeClr val="accent2"/>
                 </a:solidFill>
               </a:rPr>
               <a:t>event</a:t>
@@ -8554,18 +8334,14 @@
             <a:br>
               <a:rPr lang="en-US" sz="1400" b="1" dirty="0">
                 <a:solidFill>
-                  <a:schemeClr val="accent1">
-                    <a:lumMod val="75000"/>
-                  </a:schemeClr>
+                  <a:schemeClr val="accent2"/>
                 </a:solidFill>
               </a:rPr>
             </a:br>
             <a:r>
               <a:rPr lang="en-US" sz="1400" b="1" dirty="0">
                 <a:solidFill>
-                  <a:schemeClr val="accent1">
-                    <a:lumMod val="75000"/>
-                  </a:schemeClr>
+                  <a:schemeClr val="accent2"/>
                 </a:solidFill>
               </a:rPr>
               <a:t>messages</a:t>
@@ -8587,7 +8363,7 @@
         </p:nvSpPr>
         <p:spPr>
           <a:xfrm>
-            <a:off x="7294997" y="2752837"/>
+            <a:off x="7294997" y="2582461"/>
             <a:ext cx="1027804" cy="523220"/>
           </a:xfrm>
           <a:prstGeom prst="rect">
@@ -8605,9 +8381,7 @@
             <a:r>
               <a:rPr lang="en-US" sz="1400" b="1" dirty="0">
                 <a:solidFill>
-                  <a:schemeClr val="accent1">
-                    <a:lumMod val="75000"/>
-                  </a:schemeClr>
+                  <a:schemeClr val="accent2"/>
                 </a:solidFill>
               </a:rPr>
               <a:t>command</a:t>
@@ -8615,18 +8389,14 @@
             <a:br>
               <a:rPr lang="en-US" sz="1400" b="1" dirty="0">
                 <a:solidFill>
-                  <a:schemeClr val="accent1">
-                    <a:lumMod val="75000"/>
-                  </a:schemeClr>
+                  <a:schemeClr val="accent2"/>
                 </a:solidFill>
               </a:rPr>
             </a:br>
             <a:r>
               <a:rPr lang="en-US" sz="1400" b="1" dirty="0">
                 <a:solidFill>
-                  <a:schemeClr val="accent1">
-                    <a:lumMod val="75000"/>
-                  </a:schemeClr>
+                  <a:schemeClr val="accent2"/>
                 </a:solidFill>
               </a:rPr>
               <a:t>messages</a:t>
@@ -8716,27 +8486,18 @@
                   </a:schemeClr>
                 </a:solidFill>
               </a:rPr>
-              <a:t>device</a:t>
-            </a:r>
-            <a:br>
-              <a:rPr lang="en-US" sz="1200" b="1" i="1" dirty="0">
-                <a:solidFill>
-                  <a:schemeClr val="accent1">
-                    <a:lumMod val="75000"/>
-                  </a:schemeClr>
-                </a:solidFill>
-              </a:rPr>
-            </a:br>
-            <a:r>
-              <a:rPr lang="en-US" sz="1200" b="1" i="1" dirty="0">
-                <a:solidFill>
-                  <a:schemeClr val="accent1">
-                    <a:lumMod val="75000"/>
-                  </a:schemeClr>
-                </a:solidFill>
-              </a:rPr>
               <a:t>analytics</a:t>
             </a:r>
+          </a:p>
+          <a:p>
+            <a:pPr algn="ctr"/>
+            <a:endParaRPr lang="en-US" sz="1200" b="1" i="1" dirty="0">
+              <a:solidFill>
+                <a:schemeClr val="accent1">
+                  <a:lumMod val="75000"/>
+                </a:schemeClr>
+              </a:solidFill>
+            </a:endParaRPr>
           </a:p>
           <a:p>
             <a:pPr algn="ctr"/>
@@ -8952,6 +8713,104 @@
           <a:ln w="25400">
             <a:solidFill>
               <a:schemeClr val="accent1"/>
+            </a:solidFill>
+            <a:headEnd type="oval"/>
+            <a:tailEnd type="triangle" w="lg" len="med"/>
+          </a:ln>
+        </p:spPr>
+        <p:style>
+          <a:lnRef idx="1">
+            <a:schemeClr val="accent1"/>
+          </a:lnRef>
+          <a:fillRef idx="0">
+            <a:schemeClr val="accent1"/>
+          </a:fillRef>
+          <a:effectRef idx="0">
+            <a:schemeClr val="accent1"/>
+          </a:effectRef>
+          <a:fontRef idx="minor">
+            <a:schemeClr val="tx1"/>
+          </a:fontRef>
+        </p:style>
+      </p:cxnSp>
+      <p:sp>
+        <p:nvSpPr>
+          <p:cNvPr id="41" name="Oval 40">
+            <a:extLst>
+              <a:ext uri="{FF2B5EF4-FFF2-40B4-BE49-F238E27FC236}">
+                <a16:creationId xmlns:a16="http://schemas.microsoft.com/office/drawing/2014/main" id="{A205D815-EA22-1A47-8662-92EF0FB36F9A}"/>
+              </a:ext>
+            </a:extLst>
+          </p:cNvPr>
+          <p:cNvSpPr/>
+          <p:nvPr/>
+        </p:nvSpPr>
+        <p:spPr>
+          <a:xfrm>
+            <a:off x="6595112" y="2293102"/>
+            <a:ext cx="406616" cy="430981"/>
+          </a:xfrm>
+          <a:prstGeom prst="ellipse">
+            <a:avLst/>
+          </a:prstGeom>
+          <a:solidFill>
+            <a:schemeClr val="accent2"/>
+          </a:solidFill>
+          <a:ln>
+            <a:noFill/>
+          </a:ln>
+        </p:spPr>
+        <p:style>
+          <a:lnRef idx="2">
+            <a:schemeClr val="accent1">
+              <a:shade val="50000"/>
+            </a:schemeClr>
+          </a:lnRef>
+          <a:fillRef idx="1">
+            <a:schemeClr val="accent1"/>
+          </a:fillRef>
+          <a:effectRef idx="0">
+            <a:schemeClr val="accent1"/>
+          </a:effectRef>
+          <a:fontRef idx="minor">
+            <a:schemeClr val="lt1"/>
+          </a:fontRef>
+        </p:style>
+        <p:txBody>
+          <a:bodyPr rtlCol="0" anchor="ctr"/>
+          <a:lstStyle/>
+          <a:p>
+            <a:pPr algn="ctr"/>
+            <a:endParaRPr lang="en-US"/>
+          </a:p>
+        </p:txBody>
+      </p:sp>
+      <p:cxnSp>
+        <p:nvCxnSpPr>
+          <p:cNvPr id="82" name="Straight Arrow Connector 81">
+            <a:extLst>
+              <a:ext uri="{FF2B5EF4-FFF2-40B4-BE49-F238E27FC236}">
+                <a16:creationId xmlns:a16="http://schemas.microsoft.com/office/drawing/2014/main" id="{A6934046-E040-7F4A-AAFD-B20E92A313C9}"/>
+              </a:ext>
+            </a:extLst>
+          </p:cNvPr>
+          <p:cNvCxnSpPr>
+            <a:cxnSpLocks/>
+            <a:endCxn id="76" idx="9"/>
+          </p:cNvCxnSpPr>
+          <p:nvPr/>
+        </p:nvCxnSpPr>
+        <p:spPr>
+          <a:xfrm flipV="1">
+            <a:off x="7013223" y="2403636"/>
+            <a:ext cx="1460397" cy="18954"/>
+          </a:xfrm>
+          <a:prstGeom prst="straightConnector1">
+            <a:avLst/>
+          </a:prstGeom>
+          <a:ln w="25400">
+            <a:solidFill>
+              <a:schemeClr val="accent2"/>
             </a:solidFill>
             <a:headEnd type="oval"/>
             <a:tailEnd type="triangle" w="lg" len="med"/>
@@ -9004,10 +8863,10 @@
       </p:grpSpPr>
       <p:sp>
         <p:nvSpPr>
-          <p:cNvPr id="8" name="Cloud 7">
-            <a:extLst>
-              <a:ext uri="{FF2B5EF4-FFF2-40B4-BE49-F238E27FC236}">
-                <a16:creationId xmlns:a16="http://schemas.microsoft.com/office/drawing/2014/main" id="{E552D24A-D6A1-5C4B-8092-A29BAAF4C785}"/>
+          <p:cNvPr id="32" name="Cloud 31">
+            <a:extLst>
+              <a:ext uri="{FF2B5EF4-FFF2-40B4-BE49-F238E27FC236}">
+                <a16:creationId xmlns:a16="http://schemas.microsoft.com/office/drawing/2014/main" id="{03505E1D-2833-744B-93A7-7853D65C7835}"/>
               </a:ext>
             </a:extLst>
           </p:cNvPr>
@@ -9016,8 +8875,8 @@
         </p:nvSpPr>
         <p:spPr>
           <a:xfrm>
-            <a:off x="2497874" y="245322"/>
-            <a:ext cx="7783550" cy="4453379"/>
+            <a:off x="3315875" y="1999222"/>
+            <a:ext cx="8013764" cy="4167401"/>
           </a:xfrm>
           <a:prstGeom prst="cloud">
             <a:avLst/>
@@ -9059,10 +8918,10 @@
       </p:sp>
       <p:sp>
         <p:nvSpPr>
-          <p:cNvPr id="71" name="Cube 70">
-            <a:extLst>
-              <a:ext uri="{FF2B5EF4-FFF2-40B4-BE49-F238E27FC236}">
-                <a16:creationId xmlns:a16="http://schemas.microsoft.com/office/drawing/2014/main" id="{7B60FECD-621B-3F47-926A-BF89480EB312}"/>
+          <p:cNvPr id="36" name="Cube 35">
+            <a:extLst>
+              <a:ext uri="{FF2B5EF4-FFF2-40B4-BE49-F238E27FC236}">
+                <a16:creationId xmlns:a16="http://schemas.microsoft.com/office/drawing/2014/main" id="{CB55F4FC-6CC2-2842-8AF3-5CAE3CC83485}"/>
               </a:ext>
             </a:extLst>
           </p:cNvPr>
@@ -9071,12 +8930,12 @@
         </p:nvSpPr>
         <p:spPr>
           <a:xfrm>
-            <a:off x="3612996" y="1059362"/>
-            <a:ext cx="5855686" cy="1962182"/>
+            <a:off x="5415382" y="3121473"/>
+            <a:ext cx="5405018" cy="1762761"/>
           </a:xfrm>
           <a:prstGeom prst="cube">
             <a:avLst>
-              <a:gd name="adj" fmla="val 5960"/>
+              <a:gd name="adj" fmla="val 9667"/>
             </a:avLst>
           </a:prstGeom>
         </p:spPr>
@@ -9105,10 +8964,10 @@
       </p:sp>
       <p:sp>
         <p:nvSpPr>
-          <p:cNvPr id="123" name="Cube 122">
-            <a:extLst>
-              <a:ext uri="{FF2B5EF4-FFF2-40B4-BE49-F238E27FC236}">
-                <a16:creationId xmlns:a16="http://schemas.microsoft.com/office/drawing/2014/main" id="{66DE88E7-9C23-184D-ADBD-523C8CA57E47}"/>
+          <p:cNvPr id="37" name="Cube 36">
+            <a:extLst>
+              <a:ext uri="{FF2B5EF4-FFF2-40B4-BE49-F238E27FC236}">
+                <a16:creationId xmlns:a16="http://schemas.microsoft.com/office/drawing/2014/main" id="{6254007E-C318-5F43-B3ED-DAE240107C99}"/>
               </a:ext>
             </a:extLst>
           </p:cNvPr>
@@ -9117,7 +8976,7 @@
         </p:nvSpPr>
         <p:spPr>
           <a:xfrm>
-            <a:off x="5962165" y="5096281"/>
+            <a:off x="1302308" y="3865487"/>
             <a:ext cx="1178233" cy="581586"/>
           </a:xfrm>
           <a:prstGeom prst="cube">
@@ -9165,10 +9024,10 @@
       </p:sp>
       <p:sp>
         <p:nvSpPr>
-          <p:cNvPr id="34" name="Rectangle 33">
-            <a:extLst>
-              <a:ext uri="{FF2B5EF4-FFF2-40B4-BE49-F238E27FC236}">
-                <a16:creationId xmlns:a16="http://schemas.microsoft.com/office/drawing/2014/main" id="{8BB31788-6D57-914B-B02E-CC686353E154}"/>
+          <p:cNvPr id="40" name="Cube 6">
+            <a:extLst>
+              <a:ext uri="{FF2B5EF4-FFF2-40B4-BE49-F238E27FC236}">
+                <a16:creationId xmlns:a16="http://schemas.microsoft.com/office/drawing/2014/main" id="{A754EE9D-A2CB-AA4B-A12A-237A6DEC05A8}"/>
               </a:ext>
             </a:extLst>
           </p:cNvPr>
@@ -9177,322 +9036,7 @@
         </p:nvSpPr>
         <p:spPr>
           <a:xfrm>
-            <a:off x="6055984" y="2412283"/>
-            <a:ext cx="990596" cy="458253"/>
-          </a:xfrm>
-          <a:custGeom>
-            <a:avLst/>
-            <a:gdLst>
-              <a:gd name="connsiteX0" fmla="*/ 0 w 990596"/>
-              <a:gd name="connsiteY0" fmla="*/ 0 h 454751"/>
-              <a:gd name="connsiteX1" fmla="*/ 990596 w 990596"/>
-              <a:gd name="connsiteY1" fmla="*/ 0 h 454751"/>
-              <a:gd name="connsiteX2" fmla="*/ 990596 w 990596"/>
-              <a:gd name="connsiteY2" fmla="*/ 454751 h 454751"/>
-              <a:gd name="connsiteX3" fmla="*/ 0 w 990596"/>
-              <a:gd name="connsiteY3" fmla="*/ 454751 h 454751"/>
-              <a:gd name="connsiteX4" fmla="*/ 0 w 990596"/>
-              <a:gd name="connsiteY4" fmla="*/ 0 h 454751"/>
-              <a:gd name="connsiteX0" fmla="*/ 0 w 990596"/>
-              <a:gd name="connsiteY0" fmla="*/ 0 h 454751"/>
-              <a:gd name="connsiteX1" fmla="*/ 312688 w 990596"/>
-              <a:gd name="connsiteY1" fmla="*/ 3175 h 454751"/>
-              <a:gd name="connsiteX2" fmla="*/ 990596 w 990596"/>
-              <a:gd name="connsiteY2" fmla="*/ 0 h 454751"/>
-              <a:gd name="connsiteX3" fmla="*/ 990596 w 990596"/>
-              <a:gd name="connsiteY3" fmla="*/ 454751 h 454751"/>
-              <a:gd name="connsiteX4" fmla="*/ 0 w 990596"/>
-              <a:gd name="connsiteY4" fmla="*/ 454751 h 454751"/>
-              <a:gd name="connsiteX5" fmla="*/ 0 w 990596"/>
-              <a:gd name="connsiteY5" fmla="*/ 0 h 454751"/>
-              <a:gd name="connsiteX0" fmla="*/ 0 w 990596"/>
-              <a:gd name="connsiteY0" fmla="*/ 0 h 457200"/>
-              <a:gd name="connsiteX1" fmla="*/ 312688 w 990596"/>
-              <a:gd name="connsiteY1" fmla="*/ 3175 h 457200"/>
-              <a:gd name="connsiteX2" fmla="*/ 990596 w 990596"/>
-              <a:gd name="connsiteY2" fmla="*/ 0 h 457200"/>
-              <a:gd name="connsiteX3" fmla="*/ 990596 w 990596"/>
-              <a:gd name="connsiteY3" fmla="*/ 454751 h 457200"/>
-              <a:gd name="connsiteX4" fmla="*/ 312688 w 990596"/>
-              <a:gd name="connsiteY4" fmla="*/ 457200 h 457200"/>
-              <a:gd name="connsiteX5" fmla="*/ 0 w 990596"/>
-              <a:gd name="connsiteY5" fmla="*/ 454751 h 457200"/>
-              <a:gd name="connsiteX6" fmla="*/ 0 w 990596"/>
-              <a:gd name="connsiteY6" fmla="*/ 0 h 457200"/>
-              <a:gd name="connsiteX0" fmla="*/ 0 w 990596"/>
-              <a:gd name="connsiteY0" fmla="*/ 1 h 457201"/>
-              <a:gd name="connsiteX1" fmla="*/ 312688 w 990596"/>
-              <a:gd name="connsiteY1" fmla="*/ 3176 h 457201"/>
-              <a:gd name="connsiteX2" fmla="*/ 611138 w 990596"/>
-              <a:gd name="connsiteY2" fmla="*/ 0 h 457201"/>
-              <a:gd name="connsiteX3" fmla="*/ 990596 w 990596"/>
-              <a:gd name="connsiteY3" fmla="*/ 1 h 457201"/>
-              <a:gd name="connsiteX4" fmla="*/ 990596 w 990596"/>
-              <a:gd name="connsiteY4" fmla="*/ 454752 h 457201"/>
-              <a:gd name="connsiteX5" fmla="*/ 312688 w 990596"/>
-              <a:gd name="connsiteY5" fmla="*/ 457201 h 457201"/>
-              <a:gd name="connsiteX6" fmla="*/ 0 w 990596"/>
-              <a:gd name="connsiteY6" fmla="*/ 454752 h 457201"/>
-              <a:gd name="connsiteX7" fmla="*/ 0 w 990596"/>
-              <a:gd name="connsiteY7" fmla="*/ 1 h 457201"/>
-              <a:gd name="connsiteX0" fmla="*/ 0 w 990596"/>
-              <a:gd name="connsiteY0" fmla="*/ 1 h 460376"/>
-              <a:gd name="connsiteX1" fmla="*/ 312688 w 990596"/>
-              <a:gd name="connsiteY1" fmla="*/ 3176 h 460376"/>
-              <a:gd name="connsiteX2" fmla="*/ 611138 w 990596"/>
-              <a:gd name="connsiteY2" fmla="*/ 0 h 460376"/>
-              <a:gd name="connsiteX3" fmla="*/ 990596 w 990596"/>
-              <a:gd name="connsiteY3" fmla="*/ 1 h 460376"/>
-              <a:gd name="connsiteX4" fmla="*/ 990596 w 990596"/>
-              <a:gd name="connsiteY4" fmla="*/ 454752 h 460376"/>
-              <a:gd name="connsiteX5" fmla="*/ 614313 w 990596"/>
-              <a:gd name="connsiteY5" fmla="*/ 460376 h 460376"/>
-              <a:gd name="connsiteX6" fmla="*/ 312688 w 990596"/>
-              <a:gd name="connsiteY6" fmla="*/ 457201 h 460376"/>
-              <a:gd name="connsiteX7" fmla="*/ 0 w 990596"/>
-              <a:gd name="connsiteY7" fmla="*/ 454752 h 460376"/>
-              <a:gd name="connsiteX8" fmla="*/ 0 w 990596"/>
-              <a:gd name="connsiteY8" fmla="*/ 1 h 460376"/>
-              <a:gd name="connsiteX0" fmla="*/ 0 w 990596"/>
-              <a:gd name="connsiteY0" fmla="*/ 1 h 490278"/>
-              <a:gd name="connsiteX1" fmla="*/ 312688 w 990596"/>
-              <a:gd name="connsiteY1" fmla="*/ 3176 h 490278"/>
-              <a:gd name="connsiteX2" fmla="*/ 611138 w 990596"/>
-              <a:gd name="connsiteY2" fmla="*/ 0 h 490278"/>
-              <a:gd name="connsiteX3" fmla="*/ 990596 w 990596"/>
-              <a:gd name="connsiteY3" fmla="*/ 1 h 490278"/>
-              <a:gd name="connsiteX4" fmla="*/ 990596 w 990596"/>
-              <a:gd name="connsiteY4" fmla="*/ 454752 h 490278"/>
-              <a:gd name="connsiteX5" fmla="*/ 614313 w 990596"/>
-              <a:gd name="connsiteY5" fmla="*/ 460376 h 490278"/>
-              <a:gd name="connsiteX6" fmla="*/ 312688 w 990596"/>
-              <a:gd name="connsiteY6" fmla="*/ 457201 h 490278"/>
-              <a:gd name="connsiteX7" fmla="*/ 0 w 990596"/>
-              <a:gd name="connsiteY7" fmla="*/ 454752 h 490278"/>
-              <a:gd name="connsiteX8" fmla="*/ 0 w 990596"/>
-              <a:gd name="connsiteY8" fmla="*/ 1 h 490278"/>
-              <a:gd name="connsiteX0" fmla="*/ 0 w 990596"/>
-              <a:gd name="connsiteY0" fmla="*/ 1 h 490630"/>
-              <a:gd name="connsiteX1" fmla="*/ 312688 w 990596"/>
-              <a:gd name="connsiteY1" fmla="*/ 3176 h 490630"/>
-              <a:gd name="connsiteX2" fmla="*/ 611138 w 990596"/>
-              <a:gd name="connsiteY2" fmla="*/ 0 h 490630"/>
-              <a:gd name="connsiteX3" fmla="*/ 990596 w 990596"/>
-              <a:gd name="connsiteY3" fmla="*/ 1 h 490630"/>
-              <a:gd name="connsiteX4" fmla="*/ 990596 w 990596"/>
-              <a:gd name="connsiteY4" fmla="*/ 454752 h 490630"/>
-              <a:gd name="connsiteX5" fmla="*/ 614313 w 990596"/>
-              <a:gd name="connsiteY5" fmla="*/ 460376 h 490630"/>
-              <a:gd name="connsiteX6" fmla="*/ 312688 w 990596"/>
-              <a:gd name="connsiteY6" fmla="*/ 457201 h 490630"/>
-              <a:gd name="connsiteX7" fmla="*/ 0 w 990596"/>
-              <a:gd name="connsiteY7" fmla="*/ 454752 h 490630"/>
-              <a:gd name="connsiteX8" fmla="*/ 0 w 990596"/>
-              <a:gd name="connsiteY8" fmla="*/ 1 h 490630"/>
-              <a:gd name="connsiteX0" fmla="*/ 0 w 990596"/>
-              <a:gd name="connsiteY0" fmla="*/ 1 h 489711"/>
-              <a:gd name="connsiteX1" fmla="*/ 312688 w 990596"/>
-              <a:gd name="connsiteY1" fmla="*/ 3176 h 489711"/>
-              <a:gd name="connsiteX2" fmla="*/ 611138 w 990596"/>
-              <a:gd name="connsiteY2" fmla="*/ 0 h 489711"/>
-              <a:gd name="connsiteX3" fmla="*/ 990596 w 990596"/>
-              <a:gd name="connsiteY3" fmla="*/ 1 h 489711"/>
-              <a:gd name="connsiteX4" fmla="*/ 990596 w 990596"/>
-              <a:gd name="connsiteY4" fmla="*/ 454752 h 489711"/>
-              <a:gd name="connsiteX5" fmla="*/ 614313 w 990596"/>
-              <a:gd name="connsiteY5" fmla="*/ 460376 h 489711"/>
-              <a:gd name="connsiteX6" fmla="*/ 312688 w 990596"/>
-              <a:gd name="connsiteY6" fmla="*/ 457201 h 489711"/>
-              <a:gd name="connsiteX7" fmla="*/ 0 w 990596"/>
-              <a:gd name="connsiteY7" fmla="*/ 454752 h 489711"/>
-              <a:gd name="connsiteX8" fmla="*/ 0 w 990596"/>
-              <a:gd name="connsiteY8" fmla="*/ 1 h 489711"/>
-              <a:gd name="connsiteX0" fmla="*/ 0 w 990596"/>
-              <a:gd name="connsiteY0" fmla="*/ 1 h 489265"/>
-              <a:gd name="connsiteX1" fmla="*/ 312688 w 990596"/>
-              <a:gd name="connsiteY1" fmla="*/ 3176 h 489265"/>
-              <a:gd name="connsiteX2" fmla="*/ 611138 w 990596"/>
-              <a:gd name="connsiteY2" fmla="*/ 0 h 489265"/>
-              <a:gd name="connsiteX3" fmla="*/ 990596 w 990596"/>
-              <a:gd name="connsiteY3" fmla="*/ 1 h 489265"/>
-              <a:gd name="connsiteX4" fmla="*/ 990596 w 990596"/>
-              <a:gd name="connsiteY4" fmla="*/ 454752 h 489265"/>
-              <a:gd name="connsiteX5" fmla="*/ 312688 w 990596"/>
-              <a:gd name="connsiteY5" fmla="*/ 457201 h 489265"/>
-              <a:gd name="connsiteX6" fmla="*/ 0 w 990596"/>
-              <a:gd name="connsiteY6" fmla="*/ 454752 h 489265"/>
-              <a:gd name="connsiteX7" fmla="*/ 0 w 990596"/>
-              <a:gd name="connsiteY7" fmla="*/ 1 h 489265"/>
-              <a:gd name="connsiteX0" fmla="*/ 0 w 990596"/>
-              <a:gd name="connsiteY0" fmla="*/ 1 h 458386"/>
-              <a:gd name="connsiteX1" fmla="*/ 312688 w 990596"/>
-              <a:gd name="connsiteY1" fmla="*/ 3176 h 458386"/>
-              <a:gd name="connsiteX2" fmla="*/ 611138 w 990596"/>
-              <a:gd name="connsiteY2" fmla="*/ 0 h 458386"/>
-              <a:gd name="connsiteX3" fmla="*/ 990596 w 990596"/>
-              <a:gd name="connsiteY3" fmla="*/ 1 h 458386"/>
-              <a:gd name="connsiteX4" fmla="*/ 990596 w 990596"/>
-              <a:gd name="connsiteY4" fmla="*/ 454752 h 458386"/>
-              <a:gd name="connsiteX5" fmla="*/ 312688 w 990596"/>
-              <a:gd name="connsiteY5" fmla="*/ 457201 h 458386"/>
-              <a:gd name="connsiteX6" fmla="*/ 0 w 990596"/>
-              <a:gd name="connsiteY6" fmla="*/ 454752 h 458386"/>
-              <a:gd name="connsiteX7" fmla="*/ 0 w 990596"/>
-              <a:gd name="connsiteY7" fmla="*/ 1 h 458386"/>
-              <a:gd name="connsiteX0" fmla="*/ 0 w 990596"/>
-              <a:gd name="connsiteY0" fmla="*/ 1 h 489172"/>
-              <a:gd name="connsiteX1" fmla="*/ 312688 w 990596"/>
-              <a:gd name="connsiteY1" fmla="*/ 3176 h 489172"/>
-              <a:gd name="connsiteX2" fmla="*/ 611138 w 990596"/>
-              <a:gd name="connsiteY2" fmla="*/ 0 h 489172"/>
-              <a:gd name="connsiteX3" fmla="*/ 990596 w 990596"/>
-              <a:gd name="connsiteY3" fmla="*/ 1 h 489172"/>
-              <a:gd name="connsiteX4" fmla="*/ 990596 w 990596"/>
-              <a:gd name="connsiteY4" fmla="*/ 454752 h 489172"/>
-              <a:gd name="connsiteX5" fmla="*/ 611138 w 990596"/>
-              <a:gd name="connsiteY5" fmla="*/ 457201 h 489172"/>
-              <a:gd name="connsiteX6" fmla="*/ 312688 w 990596"/>
-              <a:gd name="connsiteY6" fmla="*/ 457201 h 489172"/>
-              <a:gd name="connsiteX7" fmla="*/ 0 w 990596"/>
-              <a:gd name="connsiteY7" fmla="*/ 454752 h 489172"/>
-              <a:gd name="connsiteX8" fmla="*/ 0 w 990596"/>
-              <a:gd name="connsiteY8" fmla="*/ 1 h 489172"/>
-              <a:gd name="connsiteX0" fmla="*/ 0 w 990596"/>
-              <a:gd name="connsiteY0" fmla="*/ 1 h 458253"/>
-              <a:gd name="connsiteX1" fmla="*/ 312688 w 990596"/>
-              <a:gd name="connsiteY1" fmla="*/ 3176 h 458253"/>
-              <a:gd name="connsiteX2" fmla="*/ 611138 w 990596"/>
-              <a:gd name="connsiteY2" fmla="*/ 0 h 458253"/>
-              <a:gd name="connsiteX3" fmla="*/ 990596 w 990596"/>
-              <a:gd name="connsiteY3" fmla="*/ 1 h 458253"/>
-              <a:gd name="connsiteX4" fmla="*/ 990596 w 990596"/>
-              <a:gd name="connsiteY4" fmla="*/ 454752 h 458253"/>
-              <a:gd name="connsiteX5" fmla="*/ 611138 w 990596"/>
-              <a:gd name="connsiteY5" fmla="*/ 457201 h 458253"/>
-              <a:gd name="connsiteX6" fmla="*/ 312688 w 990596"/>
-              <a:gd name="connsiteY6" fmla="*/ 457201 h 458253"/>
-              <a:gd name="connsiteX7" fmla="*/ 0 w 990596"/>
-              <a:gd name="connsiteY7" fmla="*/ 454752 h 458253"/>
-              <a:gd name="connsiteX8" fmla="*/ 0 w 990596"/>
-              <a:gd name="connsiteY8" fmla="*/ 1 h 458253"/>
-            </a:gdLst>
-            <a:ahLst/>
-            <a:cxnLst>
-              <a:cxn ang="0">
-                <a:pos x="connsiteX0" y="connsiteY0"/>
-              </a:cxn>
-              <a:cxn ang="0">
-                <a:pos x="connsiteX1" y="connsiteY1"/>
-              </a:cxn>
-              <a:cxn ang="0">
-                <a:pos x="connsiteX2" y="connsiteY2"/>
-              </a:cxn>
-              <a:cxn ang="0">
-                <a:pos x="connsiteX3" y="connsiteY3"/>
-              </a:cxn>
-              <a:cxn ang="0">
-                <a:pos x="connsiteX4" y="connsiteY4"/>
-              </a:cxn>
-              <a:cxn ang="0">
-                <a:pos x="connsiteX5" y="connsiteY5"/>
-              </a:cxn>
-              <a:cxn ang="0">
-                <a:pos x="connsiteX6" y="connsiteY6"/>
-              </a:cxn>
-              <a:cxn ang="0">
-                <a:pos x="connsiteX7" y="connsiteY7"/>
-              </a:cxn>
-              <a:cxn ang="0">
-                <a:pos x="connsiteX8" y="connsiteY8"/>
-              </a:cxn>
-            </a:cxnLst>
-            <a:rect l="l" t="t" r="r" b="b"/>
-            <a:pathLst>
-              <a:path w="990596" h="458253">
-                <a:moveTo>
-                  <a:pt x="0" y="1"/>
-                </a:moveTo>
-                <a:lnTo>
-                  <a:pt x="312688" y="3176"/>
-                </a:lnTo>
-                <a:lnTo>
-                  <a:pt x="611138" y="0"/>
-                </a:lnTo>
-                <a:lnTo>
-                  <a:pt x="990596" y="1"/>
-                </a:lnTo>
-                <a:lnTo>
-                  <a:pt x="990596" y="454752"/>
-                </a:lnTo>
-                <a:cubicBezTo>
-                  <a:pt x="901953" y="461102"/>
-                  <a:pt x="724123" y="456793"/>
-                  <a:pt x="611138" y="457201"/>
-                </a:cubicBezTo>
-                <a:lnTo>
-                  <a:pt x="312688" y="457201"/>
-                </a:lnTo>
-                <a:lnTo>
-                  <a:pt x="0" y="454752"/>
-                </a:lnTo>
-                <a:lnTo>
-                  <a:pt x="0" y="1"/>
-                </a:lnTo>
-                <a:close/>
-              </a:path>
-            </a:pathLst>
-          </a:custGeom>
-        </p:spPr>
-        <p:style>
-          <a:lnRef idx="2">
-            <a:schemeClr val="accent1">
-              <a:shade val="50000"/>
-            </a:schemeClr>
-          </a:lnRef>
-          <a:fillRef idx="1">
-            <a:schemeClr val="accent1"/>
-          </a:fillRef>
-          <a:effectRef idx="0">
-            <a:schemeClr val="accent1"/>
-          </a:effectRef>
-          <a:fontRef idx="minor">
-            <a:schemeClr val="lt1"/>
-          </a:fontRef>
-        </p:style>
-        <p:txBody>
-          <a:bodyPr rtlCol="0" anchor="ctr"/>
-          <a:lstStyle/>
-          <a:p>
-            <a:pPr algn="ctr"/>
-            <a:r>
-              <a:rPr lang="en-US" sz="1200" b="1" dirty="0"/>
-              <a:t>Application</a:t>
-            </a:r>
-          </a:p>
-          <a:p>
-            <a:pPr algn="ctr"/>
-            <a:r>
-              <a:rPr lang="en-US" sz="1200" b="1" dirty="0"/>
-              <a:t>Connector</a:t>
-            </a:r>
-          </a:p>
-        </p:txBody>
-      </p:sp>
-      <p:sp>
-        <p:nvSpPr>
-          <p:cNvPr id="41" name="Cube 6">
-            <a:extLst>
-              <a:ext uri="{FF2B5EF4-FFF2-40B4-BE49-F238E27FC236}">
-                <a16:creationId xmlns:a16="http://schemas.microsoft.com/office/drawing/2014/main" id="{917B2FC0-D03A-0649-9325-BF8B70739AE0}"/>
-              </a:ext>
-            </a:extLst>
-          </p:cNvPr>
-          <p:cNvSpPr/>
-          <p:nvPr/>
-        </p:nvSpPr>
-        <p:spPr>
-          <a:xfrm>
-            <a:off x="5800690" y="3380540"/>
+            <a:off x="3612042" y="3675268"/>
             <a:ext cx="1507173" cy="962025"/>
           </a:xfrm>
           <a:custGeom>
@@ -10283,33 +9827,29 @@
       </p:sp>
       <p:cxnSp>
         <p:nvCxnSpPr>
-          <p:cNvPr id="50" name="Straight Arrow Connector 49">
-            <a:extLst>
-              <a:ext uri="{FF2B5EF4-FFF2-40B4-BE49-F238E27FC236}">
-                <a16:creationId xmlns:a16="http://schemas.microsoft.com/office/drawing/2014/main" id="{E7411B50-0316-6D4C-A5DE-010A4D45C1A7}"/>
+          <p:cNvPr id="45" name="Straight Arrow Connector 44">
+            <a:extLst>
+              <a:ext uri="{FF2B5EF4-FFF2-40B4-BE49-F238E27FC236}">
+                <a16:creationId xmlns:a16="http://schemas.microsoft.com/office/drawing/2014/main" id="{7F8C8F38-7016-0245-A253-79ADCCEA022D}"/>
               </a:ext>
             </a:extLst>
           </p:cNvPr>
           <p:cNvCxnSpPr>
             <a:cxnSpLocks/>
-            <a:stCxn id="41" idx="12"/>
-            <a:endCxn id="41" idx="5"/>
           </p:cNvCxnSpPr>
           <p:nvPr/>
         </p:nvCxnSpPr>
         <p:spPr>
-          <a:xfrm>
-            <a:off x="6392532" y="3488490"/>
-            <a:ext cx="317500" cy="854075"/>
+          <a:xfrm flipH="1">
+            <a:off x="2435087" y="4268993"/>
+            <a:ext cx="1180130" cy="9600"/>
           </a:xfrm>
           <a:prstGeom prst="straightConnector1">
             <a:avLst/>
           </a:prstGeom>
           <a:ln w="25400">
             <a:solidFill>
-              <a:schemeClr val="accent1">
-                <a:alpha val="51000"/>
-              </a:schemeClr>
+              <a:schemeClr val="accent2"/>
             </a:solidFill>
             <a:headEnd type="oval"/>
             <a:tailEnd type="triangle" w="lg" len="med"/>
@@ -10332,33 +9872,29 @@
       </p:cxnSp>
       <p:cxnSp>
         <p:nvCxnSpPr>
-          <p:cNvPr id="56" name="Straight Arrow Connector 55">
-            <a:extLst>
-              <a:ext uri="{FF2B5EF4-FFF2-40B4-BE49-F238E27FC236}">
-                <a16:creationId xmlns:a16="http://schemas.microsoft.com/office/drawing/2014/main" id="{9A6FA81F-DB27-1D43-94C3-7185DF91BF7B}"/>
+          <p:cNvPr id="46" name="Straight Arrow Connector 45">
+            <a:extLst>
+              <a:ext uri="{FF2B5EF4-FFF2-40B4-BE49-F238E27FC236}">
+                <a16:creationId xmlns:a16="http://schemas.microsoft.com/office/drawing/2014/main" id="{C9259AEA-6665-804E-A4FF-B4686C6B17B4}"/>
               </a:ext>
             </a:extLst>
           </p:cNvPr>
           <p:cNvCxnSpPr>
             <a:cxnSpLocks/>
-            <a:stCxn id="41" idx="6"/>
-            <a:endCxn id="41" idx="13"/>
           </p:cNvCxnSpPr>
           <p:nvPr/>
         </p:nvCxnSpPr>
         <p:spPr>
-          <a:xfrm flipV="1">
-            <a:off x="6395707" y="3488490"/>
-            <a:ext cx="314325" cy="850900"/>
+          <a:xfrm>
+            <a:off x="5009043" y="4046743"/>
+            <a:ext cx="610406" cy="0"/>
           </a:xfrm>
           <a:prstGeom prst="straightConnector1">
             <a:avLst/>
           </a:prstGeom>
           <a:ln w="25400">
             <a:solidFill>
-              <a:schemeClr val="accent1">
-                <a:alpha val="51000"/>
-              </a:schemeClr>
+              <a:schemeClr val="accent2"/>
             </a:solidFill>
             <a:headEnd type="oval"/>
             <a:tailEnd type="triangle" w="lg" len="med"/>
@@ -10381,168 +9917,29 @@
       </p:cxnSp>
       <p:cxnSp>
         <p:nvCxnSpPr>
-          <p:cNvPr id="59" name="Straight Arrow Connector 58">
-            <a:extLst>
-              <a:ext uri="{FF2B5EF4-FFF2-40B4-BE49-F238E27FC236}">
-                <a16:creationId xmlns:a16="http://schemas.microsoft.com/office/drawing/2014/main" id="{C1FDB8A0-29BC-3A42-8E17-88AE7ABF06A4}"/>
+          <p:cNvPr id="51" name="Straight Arrow Connector 50">
+            <a:extLst>
+              <a:ext uri="{FF2B5EF4-FFF2-40B4-BE49-F238E27FC236}">
+                <a16:creationId xmlns:a16="http://schemas.microsoft.com/office/drawing/2014/main" id="{81453973-9474-B14F-BBB7-9D362924CE17}"/>
               </a:ext>
             </a:extLst>
           </p:cNvPr>
           <p:cNvCxnSpPr>
             <a:cxnSpLocks/>
-            <a:endCxn id="41" idx="6"/>
           </p:cNvCxnSpPr>
           <p:nvPr/>
         </p:nvCxnSpPr>
         <p:spPr>
-          <a:xfrm flipV="1">
-            <a:off x="6395707" y="4339390"/>
-            <a:ext cx="0" cy="764341"/>
+          <a:xfrm>
+            <a:off x="2466460" y="4035192"/>
+            <a:ext cx="1145582" cy="8376"/>
           </a:xfrm>
           <a:prstGeom prst="straightConnector1">
             <a:avLst/>
           </a:prstGeom>
           <a:ln w="25400">
             <a:solidFill>
-              <a:schemeClr val="accent1"/>
-            </a:solidFill>
-            <a:headEnd type="oval"/>
-            <a:tailEnd type="triangle" w="lg" len="med"/>
-          </a:ln>
-        </p:spPr>
-        <p:style>
-          <a:lnRef idx="1">
-            <a:schemeClr val="accent1"/>
-          </a:lnRef>
-          <a:fillRef idx="0">
-            <a:schemeClr val="accent1"/>
-          </a:fillRef>
-          <a:effectRef idx="0">
-            <a:schemeClr val="accent1"/>
-          </a:effectRef>
-          <a:fontRef idx="minor">
-            <a:schemeClr val="tx1"/>
-          </a:fontRef>
-        </p:style>
-      </p:cxnSp>
-      <p:cxnSp>
-        <p:nvCxnSpPr>
-          <p:cNvPr id="60" name="Straight Arrow Connector 59">
-            <a:extLst>
-              <a:ext uri="{FF2B5EF4-FFF2-40B4-BE49-F238E27FC236}">
-                <a16:creationId xmlns:a16="http://schemas.microsoft.com/office/drawing/2014/main" id="{F4E19856-93DD-7A42-A0EA-E311BFBF1D55}"/>
-              </a:ext>
-            </a:extLst>
-          </p:cNvPr>
-          <p:cNvCxnSpPr>
-            <a:cxnSpLocks/>
-            <a:stCxn id="41" idx="5"/>
-          </p:cNvCxnSpPr>
-          <p:nvPr/>
-        </p:nvCxnSpPr>
-        <p:spPr>
-          <a:xfrm>
-            <a:off x="6710032" y="4342565"/>
-            <a:ext cx="0" cy="761166"/>
-          </a:xfrm>
-          <a:prstGeom prst="straightConnector1">
-            <a:avLst/>
-          </a:prstGeom>
-          <a:ln w="25400">
-            <a:solidFill>
-              <a:schemeClr val="accent1"/>
-            </a:solidFill>
-            <a:headEnd type="oval"/>
-            <a:tailEnd type="triangle" w="lg" len="med"/>
-          </a:ln>
-        </p:spPr>
-        <p:style>
-          <a:lnRef idx="1">
-            <a:schemeClr val="accent1"/>
-          </a:lnRef>
-          <a:fillRef idx="0">
-            <a:schemeClr val="accent1"/>
-          </a:fillRef>
-          <a:effectRef idx="0">
-            <a:schemeClr val="accent1"/>
-          </a:effectRef>
-          <a:fontRef idx="minor">
-            <a:schemeClr val="tx1"/>
-          </a:fontRef>
-        </p:style>
-      </p:cxnSp>
-      <p:cxnSp>
-        <p:nvCxnSpPr>
-          <p:cNvPr id="69" name="Straight Arrow Connector 68">
-            <a:extLst>
-              <a:ext uri="{FF2B5EF4-FFF2-40B4-BE49-F238E27FC236}">
-                <a16:creationId xmlns:a16="http://schemas.microsoft.com/office/drawing/2014/main" id="{A5E9D686-4E43-3646-8367-C9013E7EF0B6}"/>
-              </a:ext>
-            </a:extLst>
-          </p:cNvPr>
-          <p:cNvCxnSpPr>
-            <a:cxnSpLocks/>
-            <a:endCxn id="41" idx="12"/>
-          </p:cNvCxnSpPr>
-          <p:nvPr/>
-        </p:nvCxnSpPr>
-        <p:spPr>
-          <a:xfrm>
-            <a:off x="6389649" y="2894544"/>
-            <a:ext cx="2883" cy="593946"/>
-          </a:xfrm>
-          <a:prstGeom prst="straightConnector1">
-            <a:avLst/>
-          </a:prstGeom>
-          <a:ln w="25400">
-            <a:solidFill>
-              <a:schemeClr val="accent1"/>
-            </a:solidFill>
-            <a:headEnd type="oval"/>
-            <a:tailEnd type="triangle" w="lg" len="med"/>
-          </a:ln>
-        </p:spPr>
-        <p:style>
-          <a:lnRef idx="1">
-            <a:schemeClr val="accent1"/>
-          </a:lnRef>
-          <a:fillRef idx="0">
-            <a:schemeClr val="accent1"/>
-          </a:fillRef>
-          <a:effectRef idx="0">
-            <a:schemeClr val="accent1"/>
-          </a:effectRef>
-          <a:fontRef idx="minor">
-            <a:schemeClr val="tx1"/>
-          </a:fontRef>
-        </p:style>
-      </p:cxnSp>
-      <p:cxnSp>
-        <p:nvCxnSpPr>
-          <p:cNvPr id="70" name="Straight Arrow Connector 69">
-            <a:extLst>
-              <a:ext uri="{FF2B5EF4-FFF2-40B4-BE49-F238E27FC236}">
-                <a16:creationId xmlns:a16="http://schemas.microsoft.com/office/drawing/2014/main" id="{3BD84AB9-FB95-6844-8ACB-5AD54C7BF58D}"/>
-              </a:ext>
-            </a:extLst>
-          </p:cNvPr>
-          <p:cNvCxnSpPr>
-            <a:cxnSpLocks/>
-            <a:stCxn id="41" idx="13"/>
-          </p:cNvCxnSpPr>
-          <p:nvPr/>
-        </p:nvCxnSpPr>
-        <p:spPr>
-          <a:xfrm flipV="1">
-            <a:off x="6710032" y="2883393"/>
-            <a:ext cx="0" cy="605097"/>
-          </a:xfrm>
-          <a:prstGeom prst="straightConnector1">
-            <a:avLst/>
-          </a:prstGeom>
-          <a:ln w="25400">
-            <a:solidFill>
-              <a:schemeClr val="accent1"/>
+              <a:schemeClr val="accent2"/>
             </a:solidFill>
             <a:headEnd type="oval"/>
             <a:tailEnd type="triangle" w="lg" len="med"/>
@@ -10565,10 +9962,10 @@
       </p:cxnSp>
       <p:sp>
         <p:nvSpPr>
-          <p:cNvPr id="99" name="TextBox 98">
-            <a:extLst>
-              <a:ext uri="{FF2B5EF4-FFF2-40B4-BE49-F238E27FC236}">
-                <a16:creationId xmlns:a16="http://schemas.microsoft.com/office/drawing/2014/main" id="{309BEAF7-B1FD-BD41-8A82-8132D9B8DFCA}"/>
+          <p:cNvPr id="52" name="TextBox 51">
+            <a:extLst>
+              <a:ext uri="{FF2B5EF4-FFF2-40B4-BE49-F238E27FC236}">
+                <a16:creationId xmlns:a16="http://schemas.microsoft.com/office/drawing/2014/main" id="{E3BAA995-332B-F34B-B003-F16185A536D4}"/>
               </a:ext>
             </a:extLst>
           </p:cNvPr>
@@ -10577,7 +9974,7 @@
         </p:nvSpPr>
         <p:spPr>
           <a:xfrm>
-            <a:off x="4102069" y="2421728"/>
+            <a:off x="7446212" y="3481817"/>
             <a:ext cx="1023851" cy="461665"/>
           </a:xfrm>
           <a:prstGeom prst="rect">
@@ -10620,7 +10017,7 @@
                   </a:schemeClr>
                 </a:solidFill>
               </a:rPr>
-              <a:t>encode</a:t>
+              <a:t>decode</a:t>
             </a:r>
             <a:br>
               <a:rPr lang="en-US" sz="1200" b="1" dirty="0">
@@ -10639,17 +10036,17 @@
                   </a:schemeClr>
                 </a:solidFill>
               </a:rPr>
-              <a:t>cmd. data</a:t>
+              <a:t>event data</a:t>
             </a:r>
           </a:p>
         </p:txBody>
       </p:sp>
       <p:sp>
         <p:nvSpPr>
-          <p:cNvPr id="109" name="TextBox 108">
-            <a:extLst>
-              <a:ext uri="{FF2B5EF4-FFF2-40B4-BE49-F238E27FC236}">
-                <a16:creationId xmlns:a16="http://schemas.microsoft.com/office/drawing/2014/main" id="{F33461BC-A8E2-3C43-9BE6-4B48679A4446}"/>
+          <p:cNvPr id="53" name="TextBox 52">
+            <a:extLst>
+              <a:ext uri="{FF2B5EF4-FFF2-40B4-BE49-F238E27FC236}">
+                <a16:creationId xmlns:a16="http://schemas.microsoft.com/office/drawing/2014/main" id="{58802F08-BA1E-1645-A0AA-4DBC3ABD2A3F}"/>
               </a:ext>
             </a:extLst>
           </p:cNvPr>
@@ -10658,109 +10055,19 @@
         </p:nvSpPr>
         <p:spPr>
           <a:xfrm>
-            <a:off x="7090435" y="2404674"/>
-            <a:ext cx="693924" cy="307777"/>
+            <a:off x="7446211" y="4268993"/>
+            <a:ext cx="1023851" cy="461665"/>
           </a:xfrm>
           <a:prstGeom prst="rect">
             <a:avLst/>
           </a:prstGeom>
-          <a:noFill/>
-        </p:spPr>
-        <p:txBody>
-          <a:bodyPr wrap="square" rtlCol="0">
-            <a:spAutoFit/>
-          </a:bodyPr>
-          <a:lstStyle/>
-          <a:p>
-            <a:pPr algn="ctr"/>
-            <a:r>
-              <a:rPr lang="en-US" sz="1400" b="1" dirty="0">
-                <a:solidFill>
-                  <a:schemeClr val="accent1">
-                    <a:lumMod val="75000"/>
-                  </a:schemeClr>
-                </a:solidFill>
-              </a:rPr>
-              <a:t>events</a:t>
-            </a:r>
-          </a:p>
-        </p:txBody>
-      </p:sp>
-      <p:sp>
-        <p:nvSpPr>
-          <p:cNvPr id="110" name="TextBox 109">
-            <a:extLst>
-              <a:ext uri="{FF2B5EF4-FFF2-40B4-BE49-F238E27FC236}">
-                <a16:creationId xmlns:a16="http://schemas.microsoft.com/office/drawing/2014/main" id="{77321C60-4FB2-8A47-BD7B-D3EAAB3874E5}"/>
-              </a:ext>
-            </a:extLst>
-          </p:cNvPr>
-          <p:cNvSpPr txBox="1"/>
-          <p:nvPr/>
-        </p:nvSpPr>
-        <p:spPr>
-          <a:xfrm>
-            <a:off x="5072036" y="2367809"/>
-            <a:ext cx="1027804" cy="307777"/>
-          </a:xfrm>
-          <a:prstGeom prst="rect">
-            <a:avLst/>
-          </a:prstGeom>
-          <a:noFill/>
-        </p:spPr>
-        <p:txBody>
-          <a:bodyPr wrap="square" rtlCol="0">
-            <a:spAutoFit/>
-          </a:bodyPr>
-          <a:lstStyle/>
-          <a:p>
-            <a:pPr algn="ctr"/>
-            <a:r>
-              <a:rPr lang="en-US" sz="1400" b="1" dirty="0">
-                <a:solidFill>
-                  <a:schemeClr val="accent1">
-                    <a:lumMod val="75000"/>
-                  </a:schemeClr>
-                </a:solidFill>
-              </a:rPr>
-              <a:t>commands</a:t>
-            </a:r>
-          </a:p>
-        </p:txBody>
-      </p:sp>
-      <p:sp>
-        <p:nvSpPr>
-          <p:cNvPr id="113" name="TextBox 112">
-            <a:extLst>
-              <a:ext uri="{FF2B5EF4-FFF2-40B4-BE49-F238E27FC236}">
-                <a16:creationId xmlns:a16="http://schemas.microsoft.com/office/drawing/2014/main" id="{11BF35B9-6501-0949-B30C-9EF235B5E54F}"/>
-              </a:ext>
-            </a:extLst>
-          </p:cNvPr>
-          <p:cNvSpPr txBox="1"/>
-          <p:nvPr/>
-        </p:nvSpPr>
-        <p:spPr>
-          <a:xfrm>
-            <a:off x="6055984" y="1409430"/>
-            <a:ext cx="1023851" cy="830997"/>
-          </a:xfrm>
-          <a:prstGeom prst="rect">
-            <a:avLst/>
-          </a:prstGeom>
-          <a:pattFill prst="wdUpDiag">
-            <a:fgClr>
-              <a:schemeClr val="bg1">
-                <a:lumMod val="95000"/>
-              </a:schemeClr>
-            </a:fgClr>
-            <a:bgClr>
-              <a:schemeClr val="bg1"/>
-            </a:bgClr>
-          </a:pattFill>
-          <a:ln w="19050">
-            <a:prstDash val="sysDash"/>
-          </a:ln>
+          <a:solidFill>
+            <a:schemeClr val="accent1">
+              <a:lumMod val="40000"/>
+              <a:lumOff val="60000"/>
+            </a:schemeClr>
+          </a:solidFill>
+          <a:ln/>
         </p:spPr>
         <p:style>
           <a:lnRef idx="1">
@@ -10783,6 +10090,187 @@
           <a:lstStyle/>
           <a:p>
             <a:pPr algn="ctr"/>
+            <a:r>
+              <a:rPr lang="en-US" sz="1200" b="1" dirty="0">
+                <a:solidFill>
+                  <a:schemeClr val="accent1">
+                    <a:lumMod val="75000"/>
+                  </a:schemeClr>
+                </a:solidFill>
+              </a:rPr>
+              <a:t>encode</a:t>
+            </a:r>
+            <a:br>
+              <a:rPr lang="en-US" sz="1200" b="1" dirty="0">
+                <a:solidFill>
+                  <a:schemeClr val="accent1">
+                    <a:lumMod val="75000"/>
+                  </a:schemeClr>
+                </a:solidFill>
+              </a:rPr>
+            </a:br>
+            <a:r>
+              <a:rPr lang="en-US" sz="1200" b="1" dirty="0">
+                <a:solidFill>
+                  <a:schemeClr val="accent1">
+                    <a:lumMod val="75000"/>
+                  </a:schemeClr>
+                </a:solidFill>
+              </a:rPr>
+              <a:t>cmd. data</a:t>
+            </a:r>
+          </a:p>
+        </p:txBody>
+      </p:sp>
+      <p:sp>
+        <p:nvSpPr>
+          <p:cNvPr id="54" name="TextBox 53">
+            <a:extLst>
+              <a:ext uri="{FF2B5EF4-FFF2-40B4-BE49-F238E27FC236}">
+                <a16:creationId xmlns:a16="http://schemas.microsoft.com/office/drawing/2014/main" id="{7D7E20A1-50AE-4848-B3CE-83A43C786DAB}"/>
+              </a:ext>
+            </a:extLst>
+          </p:cNvPr>
+          <p:cNvSpPr txBox="1"/>
+          <p:nvPr/>
+        </p:nvSpPr>
+        <p:spPr>
+          <a:xfrm>
+            <a:off x="6630507" y="3449783"/>
+            <a:ext cx="693924" cy="307777"/>
+          </a:xfrm>
+          <a:prstGeom prst="rect">
+            <a:avLst/>
+          </a:prstGeom>
+          <a:noFill/>
+        </p:spPr>
+        <p:txBody>
+          <a:bodyPr wrap="square" rtlCol="0">
+            <a:spAutoFit/>
+          </a:bodyPr>
+          <a:lstStyle/>
+          <a:p>
+            <a:pPr algn="ctr"/>
+            <a:r>
+              <a:rPr lang="en-US" sz="1400" b="1" dirty="0">
+                <a:solidFill>
+                  <a:schemeClr val="accent1">
+                    <a:lumMod val="75000"/>
+                  </a:schemeClr>
+                </a:solidFill>
+              </a:rPr>
+              <a:t>events</a:t>
+            </a:r>
+          </a:p>
+        </p:txBody>
+      </p:sp>
+      <p:sp>
+        <p:nvSpPr>
+          <p:cNvPr id="55" name="TextBox 54">
+            <a:extLst>
+              <a:ext uri="{FF2B5EF4-FFF2-40B4-BE49-F238E27FC236}">
+                <a16:creationId xmlns:a16="http://schemas.microsoft.com/office/drawing/2014/main" id="{A40DAB6E-9EBE-3D4B-8D91-83C9058494F0}"/>
+              </a:ext>
+            </a:extLst>
+          </p:cNvPr>
+          <p:cNvSpPr txBox="1"/>
+          <p:nvPr/>
+        </p:nvSpPr>
+        <p:spPr>
+          <a:xfrm>
+            <a:off x="6545686" y="4208119"/>
+            <a:ext cx="1027804" cy="307777"/>
+          </a:xfrm>
+          <a:prstGeom prst="rect">
+            <a:avLst/>
+          </a:prstGeom>
+          <a:noFill/>
+        </p:spPr>
+        <p:txBody>
+          <a:bodyPr wrap="square" rtlCol="0">
+            <a:spAutoFit/>
+          </a:bodyPr>
+          <a:lstStyle/>
+          <a:p>
+            <a:pPr algn="ctr"/>
+            <a:r>
+              <a:rPr lang="en-US" sz="1400" b="1" dirty="0">
+                <a:solidFill>
+                  <a:schemeClr val="accent1">
+                    <a:lumMod val="75000"/>
+                  </a:schemeClr>
+                </a:solidFill>
+              </a:rPr>
+              <a:t>commands</a:t>
+            </a:r>
+          </a:p>
+        </p:txBody>
+      </p:sp>
+      <p:sp>
+        <p:nvSpPr>
+          <p:cNvPr id="57" name="TextBox 56">
+            <a:extLst>
+              <a:ext uri="{FF2B5EF4-FFF2-40B4-BE49-F238E27FC236}">
+                <a16:creationId xmlns:a16="http://schemas.microsoft.com/office/drawing/2014/main" id="{C5DCD625-ED45-AB47-8B8D-03540C0B5C67}"/>
+              </a:ext>
+            </a:extLst>
+          </p:cNvPr>
+          <p:cNvSpPr txBox="1"/>
+          <p:nvPr/>
+        </p:nvSpPr>
+        <p:spPr>
+          <a:xfrm>
+            <a:off x="9395709" y="3418983"/>
+            <a:ext cx="1023851" cy="1200329"/>
+          </a:xfrm>
+          <a:prstGeom prst="rect">
+            <a:avLst/>
+          </a:prstGeom>
+          <a:pattFill prst="wdUpDiag">
+            <a:fgClr>
+              <a:schemeClr val="bg1">
+                <a:lumMod val="95000"/>
+              </a:schemeClr>
+            </a:fgClr>
+            <a:bgClr>
+              <a:schemeClr val="bg1"/>
+            </a:bgClr>
+          </a:pattFill>
+          <a:ln w="19050">
+            <a:prstDash val="sysDash"/>
+          </a:ln>
+        </p:spPr>
+        <p:style>
+          <a:lnRef idx="1">
+            <a:schemeClr val="accent5"/>
+          </a:lnRef>
+          <a:fillRef idx="3">
+            <a:schemeClr val="accent5"/>
+          </a:fillRef>
+          <a:effectRef idx="2">
+            <a:schemeClr val="accent5"/>
+          </a:effectRef>
+          <a:fontRef idx="minor">
+            <a:schemeClr val="lt1"/>
+          </a:fontRef>
+        </p:style>
+        <p:txBody>
+          <a:bodyPr wrap="square" rtlCol="0">
+            <a:spAutoFit/>
+          </a:bodyPr>
+          <a:lstStyle/>
+          <a:p>
+            <a:pPr algn="ctr"/>
+            <a:endParaRPr lang="en-US" sz="1200" b="1" i="1" dirty="0">
+              <a:solidFill>
+                <a:schemeClr val="accent1">
+                  <a:lumMod val="75000"/>
+                </a:schemeClr>
+              </a:solidFill>
+            </a:endParaRPr>
+          </a:p>
+          <a:p>
+            <a:pPr algn="ctr"/>
             <a:br>
               <a:rPr lang="en-US" sz="1200" b="1" i="1" dirty="0">
                 <a:solidFill>
@@ -10800,25 +10288,6 @@
                   </a:schemeClr>
                 </a:solidFill>
               </a:rPr>
-              <a:t>cloud</a:t>
-            </a:r>
-            <a:br>
-              <a:rPr lang="en-US" sz="1200" b="1" i="1" dirty="0">
-                <a:solidFill>
-                  <a:schemeClr val="accent1">
-                    <a:lumMod val="75000"/>
-                  </a:schemeClr>
-                </a:solidFill>
-              </a:rPr>
-            </a:br>
-            <a:r>
-              <a:rPr lang="en-US" sz="1200" b="1" i="1" dirty="0">
-                <a:solidFill>
-                  <a:schemeClr val="accent1">
-                    <a:lumMod val="75000"/>
-                  </a:schemeClr>
-                </a:solidFill>
-              </a:rPr>
               <a:t>analytics</a:t>
             </a:r>
           </a:p>
@@ -10832,14 +10301,34 @@
               </a:solidFill>
             </a:endParaRPr>
           </a:p>
+          <a:p>
+            <a:pPr algn="ctr"/>
+            <a:endParaRPr lang="en-US" sz="1200" b="1" i="1" dirty="0">
+              <a:solidFill>
+                <a:schemeClr val="accent1">
+                  <a:lumMod val="75000"/>
+                </a:schemeClr>
+              </a:solidFill>
+            </a:endParaRPr>
+          </a:p>
+          <a:p>
+            <a:pPr algn="ctr"/>
+            <a:endParaRPr lang="en-US" sz="1200" b="1" i="1" dirty="0">
+              <a:solidFill>
+                <a:schemeClr val="accent1">
+                  <a:lumMod val="75000"/>
+                </a:schemeClr>
+              </a:solidFill>
+            </a:endParaRPr>
+          </a:p>
         </p:txBody>
       </p:sp>
       <p:sp>
         <p:nvSpPr>
-          <p:cNvPr id="127" name="Folded Corner 126">
-            <a:extLst>
-              <a:ext uri="{FF2B5EF4-FFF2-40B4-BE49-F238E27FC236}">
-                <a16:creationId xmlns:a16="http://schemas.microsoft.com/office/drawing/2014/main" id="{B8F4F5BF-B8A0-C643-9B58-6EB699A0587C}"/>
+          <p:cNvPr id="58" name="Folded Corner 57">
+            <a:extLst>
+              <a:ext uri="{FF2B5EF4-FFF2-40B4-BE49-F238E27FC236}">
+                <a16:creationId xmlns:a16="http://schemas.microsoft.com/office/drawing/2014/main" id="{1B2B558E-1D46-EB44-A4AF-94F2CD448078}"/>
               </a:ext>
             </a:extLst>
           </p:cNvPr>
@@ -10848,7 +10337,7 @@
         </p:nvSpPr>
         <p:spPr>
           <a:xfrm>
-            <a:off x="4494618" y="3418129"/>
+            <a:off x="6168179" y="5125902"/>
             <a:ext cx="961191" cy="556336"/>
           </a:xfrm>
           <a:prstGeom prst="foldedCorner">
@@ -10894,10 +10383,10 @@
       </p:sp>
       <p:sp>
         <p:nvSpPr>
-          <p:cNvPr id="128" name="TextBox 127">
-            <a:extLst>
-              <a:ext uri="{FF2B5EF4-FFF2-40B4-BE49-F238E27FC236}">
-                <a16:creationId xmlns:a16="http://schemas.microsoft.com/office/drawing/2014/main" id="{7531E503-2EC3-0249-A7BB-2FD793677BE2}"/>
+          <p:cNvPr id="61" name="TextBox 60">
+            <a:extLst>
+              <a:ext uri="{FF2B5EF4-FFF2-40B4-BE49-F238E27FC236}">
+                <a16:creationId xmlns:a16="http://schemas.microsoft.com/office/drawing/2014/main" id="{D7A2E745-0674-F940-A7C0-67E035976B60}"/>
               </a:ext>
             </a:extLst>
           </p:cNvPr>
@@ -10906,7 +10395,7 @@
         </p:nvSpPr>
         <p:spPr>
           <a:xfrm>
-            <a:off x="6515243" y="511769"/>
+            <a:off x="7451606" y="2320194"/>
             <a:ext cx="1412110" cy="369332"/>
           </a:xfrm>
           <a:prstGeom prst="rect">
@@ -10936,10 +10425,10 @@
       </p:sp>
       <p:pic>
         <p:nvPicPr>
-          <p:cNvPr id="129" name="Picture 128">
-            <a:extLst>
-              <a:ext uri="{FF2B5EF4-FFF2-40B4-BE49-F238E27FC236}">
-                <a16:creationId xmlns:a16="http://schemas.microsoft.com/office/drawing/2014/main" id="{6D705B59-5EA4-7A4A-87D9-327A25F679C5}"/>
+          <p:cNvPr id="62" name="Picture 61">
+            <a:extLst>
+              <a:ext uri="{FF2B5EF4-FFF2-40B4-BE49-F238E27FC236}">
+                <a16:creationId xmlns:a16="http://schemas.microsoft.com/office/drawing/2014/main" id="{556A3BED-64AD-894E-BE19-47B991D072DD}"/>
               </a:ext>
             </a:extLst>
           </p:cNvPr>
@@ -10956,7 +10445,7 @@
         </p:blipFill>
         <p:spPr>
           <a:xfrm>
-            <a:off x="5719130" y="399059"/>
+            <a:off x="6673688" y="2174792"/>
             <a:ext cx="607562" cy="607562"/>
           </a:xfrm>
           <a:prstGeom prst="rect">
@@ -10964,106 +10453,24 @@
           </a:prstGeom>
         </p:spPr>
       </p:pic>
-      <p:sp>
-        <p:nvSpPr>
-          <p:cNvPr id="44" name="TextBox 43">
-            <a:extLst>
-              <a:ext uri="{FF2B5EF4-FFF2-40B4-BE49-F238E27FC236}">
-                <a16:creationId xmlns:a16="http://schemas.microsoft.com/office/drawing/2014/main" id="{AF6AF4EF-088D-834A-8071-4156F9ABD978}"/>
-              </a:ext>
-            </a:extLst>
-          </p:cNvPr>
-          <p:cNvSpPr txBox="1"/>
-          <p:nvPr/>
-        </p:nvSpPr>
-        <p:spPr>
-          <a:xfrm>
-            <a:off x="7882837" y="2432879"/>
-            <a:ext cx="1023851" cy="461665"/>
-          </a:xfrm>
-          <a:prstGeom prst="rect">
-            <a:avLst/>
-          </a:prstGeom>
-          <a:solidFill>
-            <a:schemeClr val="accent1">
-              <a:lumMod val="40000"/>
-              <a:lumOff val="60000"/>
-            </a:schemeClr>
-          </a:solidFill>
-          <a:ln/>
-        </p:spPr>
-        <p:style>
-          <a:lnRef idx="1">
-            <a:schemeClr val="accent5"/>
-          </a:lnRef>
-          <a:fillRef idx="3">
-            <a:schemeClr val="accent5"/>
-          </a:fillRef>
-          <a:effectRef idx="2">
-            <a:schemeClr val="accent5"/>
-          </a:effectRef>
-          <a:fontRef idx="minor">
-            <a:schemeClr val="lt1"/>
-          </a:fontRef>
-        </p:style>
-        <p:txBody>
-          <a:bodyPr wrap="square" rtlCol="0">
-            <a:spAutoFit/>
-          </a:bodyPr>
-          <a:lstStyle/>
-          <a:p>
-            <a:pPr algn="ctr"/>
-            <a:r>
-              <a:rPr lang="en-US" sz="1200" b="1" dirty="0">
-                <a:solidFill>
-                  <a:schemeClr val="accent1">
-                    <a:lumMod val="75000"/>
-                  </a:schemeClr>
-                </a:solidFill>
-              </a:rPr>
-              <a:t>decode</a:t>
-            </a:r>
-            <a:br>
-              <a:rPr lang="en-US" sz="1200" b="1" dirty="0">
-                <a:solidFill>
-                  <a:schemeClr val="accent1">
-                    <a:lumMod val="75000"/>
-                  </a:schemeClr>
-                </a:solidFill>
-              </a:rPr>
-            </a:br>
-            <a:r>
-              <a:rPr lang="en-US" sz="1200" b="1" dirty="0">
-                <a:solidFill>
-                  <a:schemeClr val="accent1">
-                    <a:lumMod val="75000"/>
-                  </a:schemeClr>
-                </a:solidFill>
-              </a:rPr>
-              <a:t>event data</a:t>
-            </a:r>
-          </a:p>
-        </p:txBody>
-      </p:sp>
       <p:cxnSp>
         <p:nvCxnSpPr>
-          <p:cNvPr id="48" name="Straight Arrow Connector 47">
-            <a:extLst>
-              <a:ext uri="{FF2B5EF4-FFF2-40B4-BE49-F238E27FC236}">
-                <a16:creationId xmlns:a16="http://schemas.microsoft.com/office/drawing/2014/main" id="{38725719-8EBE-0D4A-AC80-88BBC5F3A75C}"/>
+          <p:cNvPr id="63" name="Straight Arrow Connector 62">
+            <a:extLst>
+              <a:ext uri="{FF2B5EF4-FFF2-40B4-BE49-F238E27FC236}">
+                <a16:creationId xmlns:a16="http://schemas.microsoft.com/office/drawing/2014/main" id="{A9FAA7DD-B90F-8845-B424-258BDA333033}"/>
               </a:ext>
             </a:extLst>
           </p:cNvPr>
           <p:cNvCxnSpPr>
             <a:cxnSpLocks/>
-            <a:stCxn id="99" idx="3"/>
           </p:cNvCxnSpPr>
           <p:nvPr/>
         </p:nvCxnSpPr>
         <p:spPr>
-          <a:xfrm flipV="1">
-            <a:off x="5125920" y="2641411"/>
-            <a:ext cx="930064" cy="11150"/>
+          <a:xfrm flipH="1">
+            <a:off x="8470062" y="4499826"/>
+            <a:ext cx="925647" cy="0"/>
           </a:xfrm>
           <a:prstGeom prst="straightConnector1">
             <a:avLst/>
@@ -11093,10 +10500,10 @@
       </p:cxnSp>
       <p:cxnSp>
         <p:nvCxnSpPr>
-          <p:cNvPr id="49" name="Straight Arrow Connector 48">
-            <a:extLst>
-              <a:ext uri="{FF2B5EF4-FFF2-40B4-BE49-F238E27FC236}">
-                <a16:creationId xmlns:a16="http://schemas.microsoft.com/office/drawing/2014/main" id="{7E68BB01-4680-6A44-ABA7-0696052AEC59}"/>
+          <p:cNvPr id="66" name="Straight Arrow Connector 65">
+            <a:extLst>
+              <a:ext uri="{FF2B5EF4-FFF2-40B4-BE49-F238E27FC236}">
+                <a16:creationId xmlns:a16="http://schemas.microsoft.com/office/drawing/2014/main" id="{9F058E2F-AB2B-4D44-AB32-445253E43CF7}"/>
               </a:ext>
             </a:extLst>
           </p:cNvPr>
@@ -11106,9 +10513,9 @@
           <p:nvPr/>
         </p:nvCxnSpPr>
         <p:spPr>
-          <a:xfrm>
-            <a:off x="7079835" y="2660141"/>
-            <a:ext cx="803002" cy="0"/>
+          <a:xfrm flipV="1">
+            <a:off x="8470063" y="3709193"/>
+            <a:ext cx="925646" cy="3457"/>
           </a:xfrm>
           <a:prstGeom prst="straightConnector1">
             <a:avLst/>
@@ -11138,28 +10545,25 @@
       </p:cxnSp>
       <p:cxnSp>
         <p:nvCxnSpPr>
-          <p:cNvPr id="14" name="Elbow Connector 13">
-            <a:extLst>
-              <a:ext uri="{FF2B5EF4-FFF2-40B4-BE49-F238E27FC236}">
-                <a16:creationId xmlns:a16="http://schemas.microsoft.com/office/drawing/2014/main" id="{B09B76B0-19EA-4445-A16D-CD5D3864BB46}"/>
+          <p:cNvPr id="67" name="Straight Arrow Connector 66">
+            <a:extLst>
+              <a:ext uri="{FF2B5EF4-FFF2-40B4-BE49-F238E27FC236}">
+                <a16:creationId xmlns:a16="http://schemas.microsoft.com/office/drawing/2014/main" id="{A99EF5DE-FF1C-2243-9266-504F6A0A70DA}"/>
               </a:ext>
             </a:extLst>
           </p:cNvPr>
           <p:cNvCxnSpPr>
-            <a:stCxn id="44" idx="3"/>
-            <a:endCxn id="113" idx="3"/>
+            <a:cxnSpLocks/>
           </p:cNvCxnSpPr>
           <p:nvPr/>
         </p:nvCxnSpPr>
         <p:spPr>
-          <a:xfrm flipH="1" flipV="1">
-            <a:off x="7079835" y="1824929"/>
-            <a:ext cx="1826853" cy="838783"/>
-          </a:xfrm>
-          <a:prstGeom prst="bentConnector3">
-            <a:avLst>
-              <a:gd name="adj1" fmla="val -12513"/>
-            </a:avLst>
+          <a:xfrm flipH="1">
+            <a:off x="6610045" y="4499826"/>
+            <a:ext cx="836166" cy="6143"/>
+          </a:xfrm>
+          <a:prstGeom prst="straightConnector1">
+            <a:avLst/>
           </a:prstGeom>
           <a:ln w="25400">
             <a:solidFill>
@@ -11184,60 +10588,12 @@
           </a:fontRef>
         </p:style>
       </p:cxnSp>
-      <p:cxnSp>
-        <p:nvCxnSpPr>
-          <p:cNvPr id="16" name="Elbow Connector 15">
-            <a:extLst>
-              <a:ext uri="{FF2B5EF4-FFF2-40B4-BE49-F238E27FC236}">
-                <a16:creationId xmlns:a16="http://schemas.microsoft.com/office/drawing/2014/main" id="{4561D258-FC71-FE4D-B875-CC99AF5F12D9}"/>
-              </a:ext>
-            </a:extLst>
-          </p:cNvPr>
-          <p:cNvCxnSpPr>
-            <a:stCxn id="113" idx="1"/>
-            <a:endCxn id="99" idx="1"/>
-          </p:cNvCxnSpPr>
-          <p:nvPr/>
-        </p:nvCxnSpPr>
-        <p:spPr>
-          <a:xfrm rot="10800000" flipV="1">
-            <a:off x="4102070" y="1824929"/>
-            <a:ext cx="1953915" cy="827632"/>
-          </a:xfrm>
-          <a:prstGeom prst="bentConnector3">
-            <a:avLst>
-              <a:gd name="adj1" fmla="val 111700"/>
-            </a:avLst>
-          </a:prstGeom>
-          <a:ln w="25400">
-            <a:solidFill>
-              <a:schemeClr val="accent1"/>
-            </a:solidFill>
-            <a:headEnd type="oval"/>
-            <a:tailEnd type="triangle" w="lg" len="med"/>
-          </a:ln>
-        </p:spPr>
-        <p:style>
-          <a:lnRef idx="1">
-            <a:schemeClr val="accent1"/>
-          </a:lnRef>
-          <a:fillRef idx="0">
-            <a:schemeClr val="accent1"/>
-          </a:fillRef>
-          <a:effectRef idx="0">
-            <a:schemeClr val="accent1"/>
-          </a:effectRef>
-          <a:fontRef idx="minor">
-            <a:schemeClr val="tx1"/>
-          </a:fontRef>
-        </p:style>
-      </p:cxnSp>
       <p:sp>
         <p:nvSpPr>
-          <p:cNvPr id="64" name="TextBox 63">
-            <a:extLst>
-              <a:ext uri="{FF2B5EF4-FFF2-40B4-BE49-F238E27FC236}">
-                <a16:creationId xmlns:a16="http://schemas.microsoft.com/office/drawing/2014/main" id="{36A3FA9E-5B6B-A344-9E63-59CC2FA97070}"/>
+          <p:cNvPr id="74" name="TextBox 73">
+            <a:extLst>
+              <a:ext uri="{FF2B5EF4-FFF2-40B4-BE49-F238E27FC236}">
+                <a16:creationId xmlns:a16="http://schemas.microsoft.com/office/drawing/2014/main" id="{161CFD58-6BA0-B043-B444-4487250FEBBE}"/>
               </a:ext>
             </a:extLst>
           </p:cNvPr>
@@ -11246,8 +10602,8 @@
         </p:nvSpPr>
         <p:spPr>
           <a:xfrm>
-            <a:off x="7405276" y="1526427"/>
-            <a:ext cx="1370424" cy="307777"/>
+            <a:off x="8359696" y="3233883"/>
+            <a:ext cx="994659" cy="523220"/>
           </a:xfrm>
           <a:prstGeom prst="rect">
             <a:avLst/>
@@ -11269,41 +10625,9 @@
                   </a:schemeClr>
                 </a:solidFill>
               </a:rPr>
-              <a:t>event tuples</a:t>
-            </a:r>
-          </a:p>
-        </p:txBody>
-      </p:sp>
-      <p:sp>
-        <p:nvSpPr>
-          <p:cNvPr id="65" name="TextBox 64">
-            <a:extLst>
-              <a:ext uri="{FF2B5EF4-FFF2-40B4-BE49-F238E27FC236}">
-                <a16:creationId xmlns:a16="http://schemas.microsoft.com/office/drawing/2014/main" id="{67992BF5-DC64-0F4A-B54F-5BDDFF53069F}"/>
-              </a:ext>
-            </a:extLst>
-          </p:cNvPr>
-          <p:cNvSpPr txBox="1"/>
-          <p:nvPr/>
-        </p:nvSpPr>
-        <p:spPr>
-          <a:xfrm>
-            <a:off x="4126998" y="1525695"/>
-            <a:ext cx="1610192" cy="307777"/>
-          </a:xfrm>
-          <a:prstGeom prst="rect">
-            <a:avLst/>
-          </a:prstGeom>
-          <a:noFill/>
-        </p:spPr>
-        <p:txBody>
-          <a:bodyPr wrap="square" rtlCol="0">
-            <a:spAutoFit/>
-          </a:bodyPr>
-          <a:lstStyle/>
-          <a:p>
-            <a:pPr algn="ctr"/>
-            <a:r>
+              <a:t>event</a:t>
+            </a:r>
+            <a:br>
               <a:rPr lang="en-US" sz="1400" b="1" dirty="0">
                 <a:solidFill>
                   <a:schemeClr val="accent1">
@@ -11311,17 +10635,26 @@
                   </a:schemeClr>
                 </a:solidFill>
               </a:rPr>
-              <a:t>command tuples</a:t>
+            </a:br>
+            <a:r>
+              <a:rPr lang="en-US" sz="1400" b="1" dirty="0">
+                <a:solidFill>
+                  <a:schemeClr val="accent1">
+                    <a:lumMod val="75000"/>
+                  </a:schemeClr>
+                </a:solidFill>
+              </a:rPr>
+              <a:t>tuples</a:t>
             </a:r>
           </a:p>
         </p:txBody>
       </p:sp>
       <p:sp>
         <p:nvSpPr>
-          <p:cNvPr id="72" name="TextBox 71">
-            <a:extLst>
-              <a:ext uri="{FF2B5EF4-FFF2-40B4-BE49-F238E27FC236}">
-                <a16:creationId xmlns:a16="http://schemas.microsoft.com/office/drawing/2014/main" id="{5B77DD5B-ADD2-8A4A-8991-C8554E26052A}"/>
+          <p:cNvPr id="75" name="TextBox 74">
+            <a:extLst>
+              <a:ext uri="{FF2B5EF4-FFF2-40B4-BE49-F238E27FC236}">
+                <a16:creationId xmlns:a16="http://schemas.microsoft.com/office/drawing/2014/main" id="{65FB1C6D-3523-DA4F-A54D-410CC1CC5138}"/>
               </a:ext>
             </a:extLst>
           </p:cNvPr>
@@ -11330,8 +10663,8 @@
         </p:nvSpPr>
         <p:spPr>
           <a:xfrm>
-            <a:off x="3681553" y="783932"/>
-            <a:ext cx="3028479" cy="338554"/>
+            <a:off x="8219457" y="4019813"/>
+            <a:ext cx="1314987" cy="523220"/>
           </a:xfrm>
           <a:prstGeom prst="rect">
             <a:avLst/>
@@ -11344,41 +10677,57 @@
           </a:bodyPr>
           <a:lstStyle/>
           <a:p>
-            <a:r>
-              <a:rPr lang="en-US" sz="1600" b="1" dirty="0"/>
-              <a:t>Watson </a:t>
-            </a:r>
-            <a:r>
-              <a:rPr lang="en-US" sz="1600" b="1" dirty="0" err="1"/>
-              <a:t>IoT</a:t>
-            </a:r>
-            <a:r>
-              <a:rPr lang="en-US" sz="1600" b="1" dirty="0"/>
-              <a:t> application</a:t>
+            <a:pPr algn="ctr"/>
+            <a:r>
+              <a:rPr lang="en-US" sz="1400" b="1" dirty="0">
+                <a:solidFill>
+                  <a:schemeClr val="accent1">
+                    <a:lumMod val="75000"/>
+                  </a:schemeClr>
+                </a:solidFill>
+              </a:rPr>
+              <a:t>command</a:t>
+            </a:r>
+            <a:br>
+              <a:rPr lang="en-US" sz="1400" b="1" dirty="0">
+                <a:solidFill>
+                  <a:schemeClr val="accent1">
+                    <a:lumMod val="75000"/>
+                  </a:schemeClr>
+                </a:solidFill>
+              </a:rPr>
+            </a:br>
+            <a:r>
+              <a:rPr lang="en-US" sz="1400" b="1" dirty="0">
+                <a:solidFill>
+                  <a:schemeClr val="accent1">
+                    <a:lumMod val="75000"/>
+                  </a:schemeClr>
+                </a:solidFill>
+              </a:rPr>
+              <a:t>tuples</a:t>
             </a:r>
           </a:p>
         </p:txBody>
       </p:sp>
       <p:cxnSp>
         <p:nvCxnSpPr>
-          <p:cNvPr id="73" name="Straight Arrow Connector 72">
-            <a:extLst>
-              <a:ext uri="{FF2B5EF4-FFF2-40B4-BE49-F238E27FC236}">
-                <a16:creationId xmlns:a16="http://schemas.microsoft.com/office/drawing/2014/main" id="{94B752ED-D559-A74A-93C9-97FBA5AFE00F}"/>
+          <p:cNvPr id="76" name="Straight Arrow Connector 75">
+            <a:extLst>
+              <a:ext uri="{FF2B5EF4-FFF2-40B4-BE49-F238E27FC236}">
+                <a16:creationId xmlns:a16="http://schemas.microsoft.com/office/drawing/2014/main" id="{2E3C82F5-7313-3749-B84D-4F2AE0A47318}"/>
               </a:ext>
             </a:extLst>
           </p:cNvPr>
           <p:cNvCxnSpPr>
             <a:cxnSpLocks/>
-            <a:stCxn id="127" idx="0"/>
-            <a:endCxn id="34" idx="7"/>
           </p:cNvCxnSpPr>
           <p:nvPr/>
         </p:nvCxnSpPr>
         <p:spPr>
-          <a:xfrm flipV="1">
-            <a:off x="4975214" y="2867035"/>
-            <a:ext cx="1080770" cy="551094"/>
+          <a:xfrm flipH="1" flipV="1">
+            <a:off x="6114747" y="4733344"/>
+            <a:ext cx="534028" cy="392558"/>
           </a:xfrm>
           <a:prstGeom prst="straightConnector1">
             <a:avLst/>
@@ -11408,10 +10757,10 @@
       </p:cxnSp>
       <p:sp>
         <p:nvSpPr>
-          <p:cNvPr id="33" name="TextBox 32">
-            <a:extLst>
-              <a:ext uri="{FF2B5EF4-FFF2-40B4-BE49-F238E27FC236}">
-                <a16:creationId xmlns:a16="http://schemas.microsoft.com/office/drawing/2014/main" id="{A52BA834-9F4E-8042-A6CA-FD36C454A846}"/>
+          <p:cNvPr id="78" name="TextBox 77">
+            <a:extLst>
+              <a:ext uri="{FF2B5EF4-FFF2-40B4-BE49-F238E27FC236}">
+                <a16:creationId xmlns:a16="http://schemas.microsoft.com/office/drawing/2014/main" id="{A59AC5B1-E219-CA41-8304-366A1445944C}"/>
               </a:ext>
             </a:extLst>
           </p:cNvPr>
@@ -11420,8 +10769,8 @@
         </p:nvSpPr>
         <p:spPr>
           <a:xfrm>
-            <a:off x="4535122" y="4731972"/>
-            <a:ext cx="1899411" cy="307777"/>
+            <a:off x="5465749" y="2846911"/>
+            <a:ext cx="3004313" cy="338554"/>
           </a:xfrm>
           <a:prstGeom prst="rect">
             <a:avLst/>
@@ -11434,26 +10783,27 @@
           </a:bodyPr>
           <a:lstStyle/>
           <a:p>
-            <a:pPr algn="r"/>
-            <a:r>
-              <a:rPr lang="en-US" sz="1400" b="1" dirty="0">
-                <a:solidFill>
-                  <a:schemeClr val="accent1">
-                    <a:lumMod val="75000"/>
-                  </a:schemeClr>
-                </a:solidFill>
-              </a:rPr>
-              <a:t>event messages</a:t>
+            <a:r>
+              <a:rPr lang="en-US" sz="1600" b="1" dirty="0"/>
+              <a:t>Watson </a:t>
+            </a:r>
+            <a:r>
+              <a:rPr lang="en-US" sz="1600" b="1" dirty="0" err="1"/>
+              <a:t>IoT</a:t>
+            </a:r>
+            <a:r>
+              <a:rPr lang="en-US" sz="1600" b="1" dirty="0"/>
+              <a:t> application</a:t>
             </a:r>
           </a:p>
         </p:txBody>
       </p:sp>
       <p:sp>
         <p:nvSpPr>
-          <p:cNvPr id="35" name="TextBox 34">
-            <a:extLst>
-              <a:ext uri="{FF2B5EF4-FFF2-40B4-BE49-F238E27FC236}">
-                <a16:creationId xmlns:a16="http://schemas.microsoft.com/office/drawing/2014/main" id="{9554F551-8C9C-B041-9DB0-980145D1924E}"/>
+          <p:cNvPr id="79" name="TextBox 78">
+            <a:extLst>
+              <a:ext uri="{FF2B5EF4-FFF2-40B4-BE49-F238E27FC236}">
+                <a16:creationId xmlns:a16="http://schemas.microsoft.com/office/drawing/2014/main" id="{5EDC99BE-BD5D-7849-B584-DB8F73393DFB}"/>
               </a:ext>
             </a:extLst>
           </p:cNvPr>
@@ -11462,8 +10812,8 @@
         </p:nvSpPr>
         <p:spPr>
           <a:xfrm>
-            <a:off x="6667106" y="4731971"/>
-            <a:ext cx="2123716" cy="307777"/>
+            <a:off x="2467352" y="3520348"/>
+            <a:ext cx="1003201" cy="523220"/>
           </a:xfrm>
           <a:prstGeom prst="rect">
             <a:avLst/>
@@ -11476,19 +10826,558 @@
           </a:bodyPr>
           <a:lstStyle/>
           <a:p>
+            <a:pPr algn="ctr"/>
             <a:r>
               <a:rPr lang="en-US" sz="1400" b="1" dirty="0">
                 <a:solidFill>
-                  <a:schemeClr val="accent1">
-                    <a:lumMod val="75000"/>
-                  </a:schemeClr>
+                  <a:schemeClr val="accent2"/>
                 </a:solidFill>
               </a:rPr>
-              <a:t>command messages</a:t>
+              <a:t>event</a:t>
+            </a:r>
+            <a:br>
+              <a:rPr lang="en-US" sz="1400" b="1" dirty="0">
+                <a:solidFill>
+                  <a:schemeClr val="accent2"/>
+                </a:solidFill>
+              </a:rPr>
+            </a:br>
+            <a:r>
+              <a:rPr lang="en-US" sz="1400" b="1" dirty="0">
+                <a:solidFill>
+                  <a:schemeClr val="accent2"/>
+                </a:solidFill>
+              </a:rPr>
+              <a:t>messages</a:t>
             </a:r>
           </a:p>
         </p:txBody>
       </p:sp>
+      <p:sp>
+        <p:nvSpPr>
+          <p:cNvPr id="80" name="TextBox 79">
+            <a:extLst>
+              <a:ext uri="{FF2B5EF4-FFF2-40B4-BE49-F238E27FC236}">
+                <a16:creationId xmlns:a16="http://schemas.microsoft.com/office/drawing/2014/main" id="{0EB2F72E-822D-9749-9108-B60476947444}"/>
+              </a:ext>
+            </a:extLst>
+          </p:cNvPr>
+          <p:cNvSpPr txBox="1"/>
+          <p:nvPr/>
+        </p:nvSpPr>
+        <p:spPr>
+          <a:xfrm>
+            <a:off x="2500378" y="4228013"/>
+            <a:ext cx="1027804" cy="523220"/>
+          </a:xfrm>
+          <a:prstGeom prst="rect">
+            <a:avLst/>
+          </a:prstGeom>
+          <a:noFill/>
+        </p:spPr>
+        <p:txBody>
+          <a:bodyPr wrap="square" rtlCol="0">
+            <a:spAutoFit/>
+          </a:bodyPr>
+          <a:lstStyle/>
+          <a:p>
+            <a:pPr algn="ctr"/>
+            <a:r>
+              <a:rPr lang="en-US" sz="1400" b="1" dirty="0">
+                <a:solidFill>
+                  <a:schemeClr val="accent2"/>
+                </a:solidFill>
+              </a:rPr>
+              <a:t>command</a:t>
+            </a:r>
+            <a:br>
+              <a:rPr lang="en-US" sz="1400" b="1" dirty="0">
+                <a:solidFill>
+                  <a:schemeClr val="accent2"/>
+                </a:solidFill>
+              </a:rPr>
+            </a:br>
+            <a:r>
+              <a:rPr lang="en-US" sz="1400" b="1" dirty="0">
+                <a:solidFill>
+                  <a:schemeClr val="accent2"/>
+                </a:solidFill>
+              </a:rPr>
+              <a:t>messages</a:t>
+            </a:r>
+          </a:p>
+        </p:txBody>
+      </p:sp>
+      <p:sp>
+        <p:nvSpPr>
+          <p:cNvPr id="31" name="Rectangle 33">
+            <a:extLst>
+              <a:ext uri="{FF2B5EF4-FFF2-40B4-BE49-F238E27FC236}">
+                <a16:creationId xmlns:a16="http://schemas.microsoft.com/office/drawing/2014/main" id="{4692B7A2-AACF-0247-ABB8-8C6BBF8E790C}"/>
+              </a:ext>
+            </a:extLst>
+          </p:cNvPr>
+          <p:cNvSpPr/>
+          <p:nvPr/>
+        </p:nvSpPr>
+        <p:spPr>
+          <a:xfrm>
+            <a:off x="5642871" y="3508198"/>
+            <a:ext cx="939062" cy="1222460"/>
+          </a:xfrm>
+          <a:custGeom>
+            <a:avLst/>
+            <a:gdLst>
+              <a:gd name="connsiteX0" fmla="*/ 0 w 990596"/>
+              <a:gd name="connsiteY0" fmla="*/ 0 h 454751"/>
+              <a:gd name="connsiteX1" fmla="*/ 990596 w 990596"/>
+              <a:gd name="connsiteY1" fmla="*/ 0 h 454751"/>
+              <a:gd name="connsiteX2" fmla="*/ 990596 w 990596"/>
+              <a:gd name="connsiteY2" fmla="*/ 454751 h 454751"/>
+              <a:gd name="connsiteX3" fmla="*/ 0 w 990596"/>
+              <a:gd name="connsiteY3" fmla="*/ 454751 h 454751"/>
+              <a:gd name="connsiteX4" fmla="*/ 0 w 990596"/>
+              <a:gd name="connsiteY4" fmla="*/ 0 h 454751"/>
+              <a:gd name="connsiteX0" fmla="*/ 0 w 990596"/>
+              <a:gd name="connsiteY0" fmla="*/ 0 h 454751"/>
+              <a:gd name="connsiteX1" fmla="*/ 312688 w 990596"/>
+              <a:gd name="connsiteY1" fmla="*/ 3175 h 454751"/>
+              <a:gd name="connsiteX2" fmla="*/ 990596 w 990596"/>
+              <a:gd name="connsiteY2" fmla="*/ 0 h 454751"/>
+              <a:gd name="connsiteX3" fmla="*/ 990596 w 990596"/>
+              <a:gd name="connsiteY3" fmla="*/ 454751 h 454751"/>
+              <a:gd name="connsiteX4" fmla="*/ 0 w 990596"/>
+              <a:gd name="connsiteY4" fmla="*/ 454751 h 454751"/>
+              <a:gd name="connsiteX5" fmla="*/ 0 w 990596"/>
+              <a:gd name="connsiteY5" fmla="*/ 0 h 454751"/>
+              <a:gd name="connsiteX0" fmla="*/ 0 w 990596"/>
+              <a:gd name="connsiteY0" fmla="*/ 0 h 457200"/>
+              <a:gd name="connsiteX1" fmla="*/ 312688 w 990596"/>
+              <a:gd name="connsiteY1" fmla="*/ 3175 h 457200"/>
+              <a:gd name="connsiteX2" fmla="*/ 990596 w 990596"/>
+              <a:gd name="connsiteY2" fmla="*/ 0 h 457200"/>
+              <a:gd name="connsiteX3" fmla="*/ 990596 w 990596"/>
+              <a:gd name="connsiteY3" fmla="*/ 454751 h 457200"/>
+              <a:gd name="connsiteX4" fmla="*/ 312688 w 990596"/>
+              <a:gd name="connsiteY4" fmla="*/ 457200 h 457200"/>
+              <a:gd name="connsiteX5" fmla="*/ 0 w 990596"/>
+              <a:gd name="connsiteY5" fmla="*/ 454751 h 457200"/>
+              <a:gd name="connsiteX6" fmla="*/ 0 w 990596"/>
+              <a:gd name="connsiteY6" fmla="*/ 0 h 457200"/>
+              <a:gd name="connsiteX0" fmla="*/ 0 w 990596"/>
+              <a:gd name="connsiteY0" fmla="*/ 1 h 457201"/>
+              <a:gd name="connsiteX1" fmla="*/ 312688 w 990596"/>
+              <a:gd name="connsiteY1" fmla="*/ 3176 h 457201"/>
+              <a:gd name="connsiteX2" fmla="*/ 611138 w 990596"/>
+              <a:gd name="connsiteY2" fmla="*/ 0 h 457201"/>
+              <a:gd name="connsiteX3" fmla="*/ 990596 w 990596"/>
+              <a:gd name="connsiteY3" fmla="*/ 1 h 457201"/>
+              <a:gd name="connsiteX4" fmla="*/ 990596 w 990596"/>
+              <a:gd name="connsiteY4" fmla="*/ 454752 h 457201"/>
+              <a:gd name="connsiteX5" fmla="*/ 312688 w 990596"/>
+              <a:gd name="connsiteY5" fmla="*/ 457201 h 457201"/>
+              <a:gd name="connsiteX6" fmla="*/ 0 w 990596"/>
+              <a:gd name="connsiteY6" fmla="*/ 454752 h 457201"/>
+              <a:gd name="connsiteX7" fmla="*/ 0 w 990596"/>
+              <a:gd name="connsiteY7" fmla="*/ 1 h 457201"/>
+              <a:gd name="connsiteX0" fmla="*/ 0 w 990596"/>
+              <a:gd name="connsiteY0" fmla="*/ 1 h 460376"/>
+              <a:gd name="connsiteX1" fmla="*/ 312688 w 990596"/>
+              <a:gd name="connsiteY1" fmla="*/ 3176 h 460376"/>
+              <a:gd name="connsiteX2" fmla="*/ 611138 w 990596"/>
+              <a:gd name="connsiteY2" fmla="*/ 0 h 460376"/>
+              <a:gd name="connsiteX3" fmla="*/ 990596 w 990596"/>
+              <a:gd name="connsiteY3" fmla="*/ 1 h 460376"/>
+              <a:gd name="connsiteX4" fmla="*/ 990596 w 990596"/>
+              <a:gd name="connsiteY4" fmla="*/ 454752 h 460376"/>
+              <a:gd name="connsiteX5" fmla="*/ 614313 w 990596"/>
+              <a:gd name="connsiteY5" fmla="*/ 460376 h 460376"/>
+              <a:gd name="connsiteX6" fmla="*/ 312688 w 990596"/>
+              <a:gd name="connsiteY6" fmla="*/ 457201 h 460376"/>
+              <a:gd name="connsiteX7" fmla="*/ 0 w 990596"/>
+              <a:gd name="connsiteY7" fmla="*/ 454752 h 460376"/>
+              <a:gd name="connsiteX8" fmla="*/ 0 w 990596"/>
+              <a:gd name="connsiteY8" fmla="*/ 1 h 460376"/>
+              <a:gd name="connsiteX0" fmla="*/ 0 w 990596"/>
+              <a:gd name="connsiteY0" fmla="*/ 1 h 490278"/>
+              <a:gd name="connsiteX1" fmla="*/ 312688 w 990596"/>
+              <a:gd name="connsiteY1" fmla="*/ 3176 h 490278"/>
+              <a:gd name="connsiteX2" fmla="*/ 611138 w 990596"/>
+              <a:gd name="connsiteY2" fmla="*/ 0 h 490278"/>
+              <a:gd name="connsiteX3" fmla="*/ 990596 w 990596"/>
+              <a:gd name="connsiteY3" fmla="*/ 1 h 490278"/>
+              <a:gd name="connsiteX4" fmla="*/ 990596 w 990596"/>
+              <a:gd name="connsiteY4" fmla="*/ 454752 h 490278"/>
+              <a:gd name="connsiteX5" fmla="*/ 614313 w 990596"/>
+              <a:gd name="connsiteY5" fmla="*/ 460376 h 490278"/>
+              <a:gd name="connsiteX6" fmla="*/ 312688 w 990596"/>
+              <a:gd name="connsiteY6" fmla="*/ 457201 h 490278"/>
+              <a:gd name="connsiteX7" fmla="*/ 0 w 990596"/>
+              <a:gd name="connsiteY7" fmla="*/ 454752 h 490278"/>
+              <a:gd name="connsiteX8" fmla="*/ 0 w 990596"/>
+              <a:gd name="connsiteY8" fmla="*/ 1 h 490278"/>
+              <a:gd name="connsiteX0" fmla="*/ 0 w 990596"/>
+              <a:gd name="connsiteY0" fmla="*/ 1 h 490630"/>
+              <a:gd name="connsiteX1" fmla="*/ 312688 w 990596"/>
+              <a:gd name="connsiteY1" fmla="*/ 3176 h 490630"/>
+              <a:gd name="connsiteX2" fmla="*/ 611138 w 990596"/>
+              <a:gd name="connsiteY2" fmla="*/ 0 h 490630"/>
+              <a:gd name="connsiteX3" fmla="*/ 990596 w 990596"/>
+              <a:gd name="connsiteY3" fmla="*/ 1 h 490630"/>
+              <a:gd name="connsiteX4" fmla="*/ 990596 w 990596"/>
+              <a:gd name="connsiteY4" fmla="*/ 454752 h 490630"/>
+              <a:gd name="connsiteX5" fmla="*/ 614313 w 990596"/>
+              <a:gd name="connsiteY5" fmla="*/ 460376 h 490630"/>
+              <a:gd name="connsiteX6" fmla="*/ 312688 w 990596"/>
+              <a:gd name="connsiteY6" fmla="*/ 457201 h 490630"/>
+              <a:gd name="connsiteX7" fmla="*/ 0 w 990596"/>
+              <a:gd name="connsiteY7" fmla="*/ 454752 h 490630"/>
+              <a:gd name="connsiteX8" fmla="*/ 0 w 990596"/>
+              <a:gd name="connsiteY8" fmla="*/ 1 h 490630"/>
+              <a:gd name="connsiteX0" fmla="*/ 0 w 990596"/>
+              <a:gd name="connsiteY0" fmla="*/ 1 h 489711"/>
+              <a:gd name="connsiteX1" fmla="*/ 312688 w 990596"/>
+              <a:gd name="connsiteY1" fmla="*/ 3176 h 489711"/>
+              <a:gd name="connsiteX2" fmla="*/ 611138 w 990596"/>
+              <a:gd name="connsiteY2" fmla="*/ 0 h 489711"/>
+              <a:gd name="connsiteX3" fmla="*/ 990596 w 990596"/>
+              <a:gd name="connsiteY3" fmla="*/ 1 h 489711"/>
+              <a:gd name="connsiteX4" fmla="*/ 990596 w 990596"/>
+              <a:gd name="connsiteY4" fmla="*/ 454752 h 489711"/>
+              <a:gd name="connsiteX5" fmla="*/ 614313 w 990596"/>
+              <a:gd name="connsiteY5" fmla="*/ 460376 h 489711"/>
+              <a:gd name="connsiteX6" fmla="*/ 312688 w 990596"/>
+              <a:gd name="connsiteY6" fmla="*/ 457201 h 489711"/>
+              <a:gd name="connsiteX7" fmla="*/ 0 w 990596"/>
+              <a:gd name="connsiteY7" fmla="*/ 454752 h 489711"/>
+              <a:gd name="connsiteX8" fmla="*/ 0 w 990596"/>
+              <a:gd name="connsiteY8" fmla="*/ 1 h 489711"/>
+              <a:gd name="connsiteX0" fmla="*/ 0 w 990596"/>
+              <a:gd name="connsiteY0" fmla="*/ 1 h 489265"/>
+              <a:gd name="connsiteX1" fmla="*/ 312688 w 990596"/>
+              <a:gd name="connsiteY1" fmla="*/ 3176 h 489265"/>
+              <a:gd name="connsiteX2" fmla="*/ 611138 w 990596"/>
+              <a:gd name="connsiteY2" fmla="*/ 0 h 489265"/>
+              <a:gd name="connsiteX3" fmla="*/ 990596 w 990596"/>
+              <a:gd name="connsiteY3" fmla="*/ 1 h 489265"/>
+              <a:gd name="connsiteX4" fmla="*/ 990596 w 990596"/>
+              <a:gd name="connsiteY4" fmla="*/ 454752 h 489265"/>
+              <a:gd name="connsiteX5" fmla="*/ 312688 w 990596"/>
+              <a:gd name="connsiteY5" fmla="*/ 457201 h 489265"/>
+              <a:gd name="connsiteX6" fmla="*/ 0 w 990596"/>
+              <a:gd name="connsiteY6" fmla="*/ 454752 h 489265"/>
+              <a:gd name="connsiteX7" fmla="*/ 0 w 990596"/>
+              <a:gd name="connsiteY7" fmla="*/ 1 h 489265"/>
+              <a:gd name="connsiteX0" fmla="*/ 0 w 990596"/>
+              <a:gd name="connsiteY0" fmla="*/ 1 h 458386"/>
+              <a:gd name="connsiteX1" fmla="*/ 312688 w 990596"/>
+              <a:gd name="connsiteY1" fmla="*/ 3176 h 458386"/>
+              <a:gd name="connsiteX2" fmla="*/ 611138 w 990596"/>
+              <a:gd name="connsiteY2" fmla="*/ 0 h 458386"/>
+              <a:gd name="connsiteX3" fmla="*/ 990596 w 990596"/>
+              <a:gd name="connsiteY3" fmla="*/ 1 h 458386"/>
+              <a:gd name="connsiteX4" fmla="*/ 990596 w 990596"/>
+              <a:gd name="connsiteY4" fmla="*/ 454752 h 458386"/>
+              <a:gd name="connsiteX5" fmla="*/ 312688 w 990596"/>
+              <a:gd name="connsiteY5" fmla="*/ 457201 h 458386"/>
+              <a:gd name="connsiteX6" fmla="*/ 0 w 990596"/>
+              <a:gd name="connsiteY6" fmla="*/ 454752 h 458386"/>
+              <a:gd name="connsiteX7" fmla="*/ 0 w 990596"/>
+              <a:gd name="connsiteY7" fmla="*/ 1 h 458386"/>
+              <a:gd name="connsiteX0" fmla="*/ 0 w 990596"/>
+              <a:gd name="connsiteY0" fmla="*/ 1 h 489172"/>
+              <a:gd name="connsiteX1" fmla="*/ 312688 w 990596"/>
+              <a:gd name="connsiteY1" fmla="*/ 3176 h 489172"/>
+              <a:gd name="connsiteX2" fmla="*/ 611138 w 990596"/>
+              <a:gd name="connsiteY2" fmla="*/ 0 h 489172"/>
+              <a:gd name="connsiteX3" fmla="*/ 990596 w 990596"/>
+              <a:gd name="connsiteY3" fmla="*/ 1 h 489172"/>
+              <a:gd name="connsiteX4" fmla="*/ 990596 w 990596"/>
+              <a:gd name="connsiteY4" fmla="*/ 454752 h 489172"/>
+              <a:gd name="connsiteX5" fmla="*/ 611138 w 990596"/>
+              <a:gd name="connsiteY5" fmla="*/ 457201 h 489172"/>
+              <a:gd name="connsiteX6" fmla="*/ 312688 w 990596"/>
+              <a:gd name="connsiteY6" fmla="*/ 457201 h 489172"/>
+              <a:gd name="connsiteX7" fmla="*/ 0 w 990596"/>
+              <a:gd name="connsiteY7" fmla="*/ 454752 h 489172"/>
+              <a:gd name="connsiteX8" fmla="*/ 0 w 990596"/>
+              <a:gd name="connsiteY8" fmla="*/ 1 h 489172"/>
+              <a:gd name="connsiteX0" fmla="*/ 0 w 990596"/>
+              <a:gd name="connsiteY0" fmla="*/ 1 h 458253"/>
+              <a:gd name="connsiteX1" fmla="*/ 312688 w 990596"/>
+              <a:gd name="connsiteY1" fmla="*/ 3176 h 458253"/>
+              <a:gd name="connsiteX2" fmla="*/ 611138 w 990596"/>
+              <a:gd name="connsiteY2" fmla="*/ 0 h 458253"/>
+              <a:gd name="connsiteX3" fmla="*/ 990596 w 990596"/>
+              <a:gd name="connsiteY3" fmla="*/ 1 h 458253"/>
+              <a:gd name="connsiteX4" fmla="*/ 990596 w 990596"/>
+              <a:gd name="connsiteY4" fmla="*/ 454752 h 458253"/>
+              <a:gd name="connsiteX5" fmla="*/ 611138 w 990596"/>
+              <a:gd name="connsiteY5" fmla="*/ 457201 h 458253"/>
+              <a:gd name="connsiteX6" fmla="*/ 312688 w 990596"/>
+              <a:gd name="connsiteY6" fmla="*/ 457201 h 458253"/>
+              <a:gd name="connsiteX7" fmla="*/ 0 w 990596"/>
+              <a:gd name="connsiteY7" fmla="*/ 454752 h 458253"/>
+              <a:gd name="connsiteX8" fmla="*/ 0 w 990596"/>
+              <a:gd name="connsiteY8" fmla="*/ 1 h 458253"/>
+            </a:gdLst>
+            <a:ahLst/>
+            <a:cxnLst>
+              <a:cxn ang="0">
+                <a:pos x="connsiteX0" y="connsiteY0"/>
+              </a:cxn>
+              <a:cxn ang="0">
+                <a:pos x="connsiteX1" y="connsiteY1"/>
+              </a:cxn>
+              <a:cxn ang="0">
+                <a:pos x="connsiteX2" y="connsiteY2"/>
+              </a:cxn>
+              <a:cxn ang="0">
+                <a:pos x="connsiteX3" y="connsiteY3"/>
+              </a:cxn>
+              <a:cxn ang="0">
+                <a:pos x="connsiteX4" y="connsiteY4"/>
+              </a:cxn>
+              <a:cxn ang="0">
+                <a:pos x="connsiteX5" y="connsiteY5"/>
+              </a:cxn>
+              <a:cxn ang="0">
+                <a:pos x="connsiteX6" y="connsiteY6"/>
+              </a:cxn>
+              <a:cxn ang="0">
+                <a:pos x="connsiteX7" y="connsiteY7"/>
+              </a:cxn>
+              <a:cxn ang="0">
+                <a:pos x="connsiteX8" y="connsiteY8"/>
+              </a:cxn>
+            </a:cxnLst>
+            <a:rect l="l" t="t" r="r" b="b"/>
+            <a:pathLst>
+              <a:path w="990596" h="458253">
+                <a:moveTo>
+                  <a:pt x="0" y="1"/>
+                </a:moveTo>
+                <a:lnTo>
+                  <a:pt x="312688" y="3176"/>
+                </a:lnTo>
+                <a:lnTo>
+                  <a:pt x="611138" y="0"/>
+                </a:lnTo>
+                <a:lnTo>
+                  <a:pt x="990596" y="1"/>
+                </a:lnTo>
+                <a:lnTo>
+                  <a:pt x="990596" y="454752"/>
+                </a:lnTo>
+                <a:cubicBezTo>
+                  <a:pt x="901953" y="461102"/>
+                  <a:pt x="724123" y="456793"/>
+                  <a:pt x="611138" y="457201"/>
+                </a:cubicBezTo>
+                <a:lnTo>
+                  <a:pt x="312688" y="457201"/>
+                </a:lnTo>
+                <a:lnTo>
+                  <a:pt x="0" y="454752"/>
+                </a:lnTo>
+                <a:lnTo>
+                  <a:pt x="0" y="1"/>
+                </a:lnTo>
+                <a:close/>
+              </a:path>
+            </a:pathLst>
+          </a:custGeom>
+        </p:spPr>
+        <p:style>
+          <a:lnRef idx="2">
+            <a:schemeClr val="accent1">
+              <a:shade val="50000"/>
+            </a:schemeClr>
+          </a:lnRef>
+          <a:fillRef idx="1">
+            <a:schemeClr val="accent1"/>
+          </a:fillRef>
+          <a:effectRef idx="0">
+            <a:schemeClr val="accent1"/>
+          </a:effectRef>
+          <a:fontRef idx="minor">
+            <a:schemeClr val="lt1"/>
+          </a:fontRef>
+        </p:style>
+        <p:txBody>
+          <a:bodyPr rtlCol="0" anchor="ctr"/>
+          <a:lstStyle/>
+          <a:p>
+            <a:pPr algn="ctr"/>
+            <a:r>
+              <a:rPr lang="en-US" sz="1200" b="1" dirty="0"/>
+              <a:t>Application</a:t>
+            </a:r>
+          </a:p>
+          <a:p>
+            <a:pPr algn="ctr"/>
+            <a:r>
+              <a:rPr lang="en-US" sz="1200" b="1" dirty="0"/>
+              <a:t>Connector</a:t>
+            </a:r>
+            <a:br>
+              <a:rPr lang="en-US" sz="1200" b="1" dirty="0"/>
+            </a:br>
+            <a:br>
+              <a:rPr lang="en-US" sz="1200" b="1" dirty="0"/>
+            </a:br>
+            <a:br>
+              <a:rPr lang="en-US" sz="1200" b="1" dirty="0"/>
+            </a:br>
+            <a:br>
+              <a:rPr lang="en-US" sz="1200" b="1" dirty="0"/>
+            </a:br>
+            <a:endParaRPr lang="en-US" sz="1200" b="1" dirty="0"/>
+          </a:p>
+        </p:txBody>
+      </p:sp>
+      <p:cxnSp>
+        <p:nvCxnSpPr>
+          <p:cNvPr id="68" name="Straight Arrow Connector 67">
+            <a:extLst>
+              <a:ext uri="{FF2B5EF4-FFF2-40B4-BE49-F238E27FC236}">
+                <a16:creationId xmlns:a16="http://schemas.microsoft.com/office/drawing/2014/main" id="{A1842EC9-0AB4-6340-A4FB-FD4BF2799607}"/>
+              </a:ext>
+            </a:extLst>
+          </p:cNvPr>
+          <p:cNvCxnSpPr>
+            <a:cxnSpLocks/>
+          </p:cNvCxnSpPr>
+          <p:nvPr/>
+        </p:nvCxnSpPr>
+        <p:spPr>
+          <a:xfrm>
+            <a:off x="6610045" y="3709193"/>
+            <a:ext cx="836167" cy="3457"/>
+          </a:xfrm>
+          <a:prstGeom prst="straightConnector1">
+            <a:avLst/>
+          </a:prstGeom>
+          <a:ln w="25400">
+            <a:solidFill>
+              <a:schemeClr val="accent1"/>
+            </a:solidFill>
+            <a:headEnd type="oval"/>
+            <a:tailEnd type="triangle" w="lg" len="med"/>
+          </a:ln>
+        </p:spPr>
+        <p:style>
+          <a:lnRef idx="1">
+            <a:schemeClr val="accent1"/>
+          </a:lnRef>
+          <a:fillRef idx="0">
+            <a:schemeClr val="accent1"/>
+          </a:fillRef>
+          <a:effectRef idx="0">
+            <a:schemeClr val="accent1"/>
+          </a:effectRef>
+          <a:fontRef idx="minor">
+            <a:schemeClr val="tx1"/>
+          </a:fontRef>
+        </p:style>
+      </p:cxnSp>
+      <p:sp>
+        <p:nvSpPr>
+          <p:cNvPr id="81" name="Oval 80">
+            <a:extLst>
+              <a:ext uri="{FF2B5EF4-FFF2-40B4-BE49-F238E27FC236}">
+                <a16:creationId xmlns:a16="http://schemas.microsoft.com/office/drawing/2014/main" id="{CBD9B2E9-1662-E541-9EC8-47E69D905819}"/>
+              </a:ext>
+            </a:extLst>
+          </p:cNvPr>
+          <p:cNvSpPr/>
+          <p:nvPr/>
+        </p:nvSpPr>
+        <p:spPr>
+          <a:xfrm>
+            <a:off x="5606834" y="3922359"/>
+            <a:ext cx="406616" cy="430981"/>
+          </a:xfrm>
+          <a:prstGeom prst="ellipse">
+            <a:avLst/>
+          </a:prstGeom>
+          <a:solidFill>
+            <a:schemeClr val="accent2"/>
+          </a:solidFill>
+          <a:ln>
+            <a:noFill/>
+          </a:ln>
+        </p:spPr>
+        <p:style>
+          <a:lnRef idx="2">
+            <a:schemeClr val="accent1">
+              <a:shade val="50000"/>
+            </a:schemeClr>
+          </a:lnRef>
+          <a:fillRef idx="1">
+            <a:schemeClr val="accent1"/>
+          </a:fillRef>
+          <a:effectRef idx="0">
+            <a:schemeClr val="accent1"/>
+          </a:effectRef>
+          <a:fontRef idx="minor">
+            <a:schemeClr val="lt1"/>
+          </a:fontRef>
+        </p:style>
+        <p:txBody>
+          <a:bodyPr rtlCol="0" anchor="ctr"/>
+          <a:lstStyle/>
+          <a:p>
+            <a:pPr algn="ctr"/>
+            <a:endParaRPr lang="en-US"/>
+          </a:p>
+        </p:txBody>
+      </p:sp>
+      <p:cxnSp>
+        <p:nvCxnSpPr>
+          <p:cNvPr id="47" name="Straight Arrow Connector 46">
+            <a:extLst>
+              <a:ext uri="{FF2B5EF4-FFF2-40B4-BE49-F238E27FC236}">
+                <a16:creationId xmlns:a16="http://schemas.microsoft.com/office/drawing/2014/main" id="{8A265DCA-147A-7B43-8CA8-3016755CCD7D}"/>
+              </a:ext>
+            </a:extLst>
+          </p:cNvPr>
+          <p:cNvCxnSpPr>
+            <a:cxnSpLocks/>
+          </p:cNvCxnSpPr>
+          <p:nvPr/>
+        </p:nvCxnSpPr>
+        <p:spPr>
+          <a:xfrm flipH="1" flipV="1">
+            <a:off x="5009043" y="4272169"/>
+            <a:ext cx="610406" cy="6424"/>
+          </a:xfrm>
+          <a:prstGeom prst="straightConnector1">
+            <a:avLst/>
+          </a:prstGeom>
+          <a:ln w="25400">
+            <a:solidFill>
+              <a:schemeClr val="accent2"/>
+            </a:solidFill>
+            <a:headEnd type="oval"/>
+            <a:tailEnd type="triangle" w="lg" len="med"/>
+          </a:ln>
+        </p:spPr>
+        <p:style>
+          <a:lnRef idx="1">
+            <a:schemeClr val="accent1"/>
+          </a:lnRef>
+          <a:fillRef idx="0">
+            <a:schemeClr val="accent1"/>
+          </a:fillRef>
+          <a:effectRef idx="0">
+            <a:schemeClr val="accent1"/>
+          </a:effectRef>
+          <a:fontRef idx="minor">
+            <a:schemeClr val="tx1"/>
+          </a:fontRef>
+        </p:style>
+      </p:cxnSp>
     </p:spTree>
     <p:extLst>
       <p:ext uri="{BB962C8B-B14F-4D97-AF65-F5344CB8AC3E}">
@@ -11634,7 +11523,7 @@
         </p:nvSpPr>
         <p:spPr>
           <a:xfrm>
-            <a:off x="1302308" y="3865487"/>
+            <a:off x="1302308" y="3833957"/>
             <a:ext cx="1178233" cy="581586"/>
           </a:xfrm>
           <a:prstGeom prst="cube">
@@ -11682,10 +11571,10 @@
       </p:sp>
       <p:sp>
         <p:nvSpPr>
-          <p:cNvPr id="37" name="Rectangle 36">
-            <a:extLst>
-              <a:ext uri="{FF2B5EF4-FFF2-40B4-BE49-F238E27FC236}">
-                <a16:creationId xmlns:a16="http://schemas.microsoft.com/office/drawing/2014/main" id="{C74A6E26-08DF-754B-A08F-5303D4308C8A}"/>
+          <p:cNvPr id="76" name="Cube 6">
+            <a:extLst>
+              <a:ext uri="{FF2B5EF4-FFF2-40B4-BE49-F238E27FC236}">
+                <a16:creationId xmlns:a16="http://schemas.microsoft.com/office/drawing/2014/main" id="{D008847F-C48A-924D-A3F0-1C3A75FDDD4C}"/>
               </a:ext>
             </a:extLst>
           </p:cNvPr>
@@ -11694,119 +11583,7 @@
         </p:nvSpPr>
         <p:spPr>
           <a:xfrm>
-            <a:off x="5619449" y="3481817"/>
-            <a:ext cx="990596" cy="454751"/>
-          </a:xfrm>
-          <a:prstGeom prst="rect">
-            <a:avLst/>
-          </a:prstGeom>
-        </p:spPr>
-        <p:style>
-          <a:lnRef idx="2">
-            <a:schemeClr val="accent1">
-              <a:shade val="50000"/>
-            </a:schemeClr>
-          </a:lnRef>
-          <a:fillRef idx="1">
-            <a:schemeClr val="accent1"/>
-          </a:fillRef>
-          <a:effectRef idx="0">
-            <a:schemeClr val="accent1"/>
-          </a:effectRef>
-          <a:fontRef idx="minor">
-            <a:schemeClr val="lt1"/>
-          </a:fontRef>
-        </p:style>
-        <p:txBody>
-          <a:bodyPr rtlCol="0" anchor="ctr"/>
-          <a:lstStyle/>
-          <a:p>
-            <a:pPr algn="ctr"/>
-            <a:r>
-              <a:rPr lang="en-US" sz="1200" b="1" dirty="0"/>
-              <a:t>Application</a:t>
-            </a:r>
-          </a:p>
-          <a:p>
-            <a:pPr algn="ctr"/>
-            <a:r>
-              <a:rPr lang="en-US" sz="1200" b="1" dirty="0"/>
-              <a:t>Source</a:t>
-            </a:r>
-          </a:p>
-        </p:txBody>
-      </p:sp>
-      <p:sp>
-        <p:nvSpPr>
-          <p:cNvPr id="38" name="Rectangle 37">
-            <a:extLst>
-              <a:ext uri="{FF2B5EF4-FFF2-40B4-BE49-F238E27FC236}">
-                <a16:creationId xmlns:a16="http://schemas.microsoft.com/office/drawing/2014/main" id="{1AE1768A-E28E-5145-9F18-3E147672BA8B}"/>
-              </a:ext>
-            </a:extLst>
-          </p:cNvPr>
-          <p:cNvSpPr/>
-          <p:nvPr/>
-        </p:nvSpPr>
-        <p:spPr>
-          <a:xfrm>
-            <a:off x="5619449" y="4278593"/>
-            <a:ext cx="990596" cy="454751"/>
-          </a:xfrm>
-          <a:prstGeom prst="rect">
-            <a:avLst/>
-          </a:prstGeom>
-        </p:spPr>
-        <p:style>
-          <a:lnRef idx="2">
-            <a:schemeClr val="accent1">
-              <a:shade val="50000"/>
-            </a:schemeClr>
-          </a:lnRef>
-          <a:fillRef idx="1">
-            <a:schemeClr val="accent1"/>
-          </a:fillRef>
-          <a:effectRef idx="0">
-            <a:schemeClr val="accent1"/>
-          </a:effectRef>
-          <a:fontRef idx="minor">
-            <a:schemeClr val="lt1"/>
-          </a:fontRef>
-        </p:style>
-        <p:txBody>
-          <a:bodyPr rtlCol="0" anchor="ctr"/>
-          <a:lstStyle/>
-          <a:p>
-            <a:pPr algn="ctr"/>
-            <a:r>
-              <a:rPr lang="en-US" sz="1200" b="1" dirty="0"/>
-              <a:t>Application</a:t>
-            </a:r>
-          </a:p>
-          <a:p>
-            <a:pPr algn="ctr"/>
-            <a:r>
-              <a:rPr lang="en-US" sz="1200" b="1" dirty="0"/>
-              <a:t>Sink</a:t>
-            </a:r>
-          </a:p>
-        </p:txBody>
-      </p:sp>
-      <p:sp>
-        <p:nvSpPr>
-          <p:cNvPr id="76" name="Cube 6">
-            <a:extLst>
-              <a:ext uri="{FF2B5EF4-FFF2-40B4-BE49-F238E27FC236}">
-                <a16:creationId xmlns:a16="http://schemas.microsoft.com/office/drawing/2014/main" id="{D008847F-C48A-924D-A3F0-1C3A75FDDD4C}"/>
-              </a:ext>
-            </a:extLst>
-          </p:cNvPr>
-          <p:cNvSpPr/>
-          <p:nvPr/>
-        </p:nvSpPr>
-        <p:spPr>
-          <a:xfrm>
-            <a:off x="3612042" y="3675268"/>
+            <a:off x="3612042" y="3643738"/>
             <a:ext cx="1507173" cy="962025"/>
           </a:xfrm>
           <a:custGeom>
@@ -12597,104 +12374,6 @@
       </p:sp>
       <p:cxnSp>
         <p:nvCxnSpPr>
-          <p:cNvPr id="77" name="Straight Arrow Connector 76">
-            <a:extLst>
-              <a:ext uri="{FF2B5EF4-FFF2-40B4-BE49-F238E27FC236}">
-                <a16:creationId xmlns:a16="http://schemas.microsoft.com/office/drawing/2014/main" id="{5446CEC2-CA15-7642-B5C3-91942D0EED72}"/>
-              </a:ext>
-            </a:extLst>
-          </p:cNvPr>
-          <p:cNvCxnSpPr>
-            <a:cxnSpLocks/>
-            <a:stCxn id="76" idx="9"/>
-            <a:endCxn id="76" idx="17"/>
-          </p:cNvCxnSpPr>
-          <p:nvPr/>
-        </p:nvCxnSpPr>
-        <p:spPr>
-          <a:xfrm>
-            <a:off x="3612042" y="4043568"/>
-            <a:ext cx="1397001" cy="3175"/>
-          </a:xfrm>
-          <a:prstGeom prst="straightConnector1">
-            <a:avLst/>
-          </a:prstGeom>
-          <a:ln w="25400">
-            <a:solidFill>
-              <a:schemeClr val="accent1">
-                <a:alpha val="51000"/>
-              </a:schemeClr>
-            </a:solidFill>
-            <a:headEnd type="oval"/>
-            <a:tailEnd type="triangle" w="lg" len="med"/>
-          </a:ln>
-        </p:spPr>
-        <p:style>
-          <a:lnRef idx="1">
-            <a:schemeClr val="accent1"/>
-          </a:lnRef>
-          <a:fillRef idx="0">
-            <a:schemeClr val="accent1"/>
-          </a:fillRef>
-          <a:effectRef idx="0">
-            <a:schemeClr val="accent1"/>
-          </a:effectRef>
-          <a:fontRef idx="minor">
-            <a:schemeClr val="tx1"/>
-          </a:fontRef>
-        </p:style>
-      </p:cxnSp>
-      <p:cxnSp>
-        <p:nvCxnSpPr>
-          <p:cNvPr id="78" name="Straight Arrow Connector 77">
-            <a:extLst>
-              <a:ext uri="{FF2B5EF4-FFF2-40B4-BE49-F238E27FC236}">
-                <a16:creationId xmlns:a16="http://schemas.microsoft.com/office/drawing/2014/main" id="{04C53794-4A67-1D40-ABA2-99CC8C454AA1}"/>
-              </a:ext>
-            </a:extLst>
-          </p:cNvPr>
-          <p:cNvCxnSpPr>
-            <a:cxnSpLocks/>
-            <a:stCxn id="76" idx="18"/>
-            <a:endCxn id="76" idx="8"/>
-          </p:cNvCxnSpPr>
-          <p:nvPr/>
-        </p:nvCxnSpPr>
-        <p:spPr>
-          <a:xfrm flipH="1" flipV="1">
-            <a:off x="3615217" y="4268993"/>
-            <a:ext cx="1393826" cy="3175"/>
-          </a:xfrm>
-          <a:prstGeom prst="straightConnector1">
-            <a:avLst/>
-          </a:prstGeom>
-          <a:ln w="25400">
-            <a:solidFill>
-              <a:schemeClr val="accent1">
-                <a:alpha val="51000"/>
-              </a:schemeClr>
-            </a:solidFill>
-            <a:headEnd type="oval"/>
-            <a:tailEnd type="triangle" w="lg" len="med"/>
-          </a:ln>
-        </p:spPr>
-        <p:style>
-          <a:lnRef idx="1">
-            <a:schemeClr val="accent1"/>
-          </a:lnRef>
-          <a:fillRef idx="0">
-            <a:schemeClr val="accent1"/>
-          </a:fillRef>
-          <a:effectRef idx="0">
-            <a:schemeClr val="accent1"/>
-          </a:effectRef>
-          <a:fontRef idx="minor">
-            <a:schemeClr val="tx1"/>
-          </a:fontRef>
-        </p:style>
-      </p:cxnSp>
-      <p:cxnSp>
-        <p:nvCxnSpPr>
           <p:cNvPr id="79" name="Straight Arrow Connector 78">
             <a:extLst>
               <a:ext uri="{FF2B5EF4-FFF2-40B4-BE49-F238E27FC236}">
@@ -12710,7 +12389,7 @@
         </p:nvCxnSpPr>
         <p:spPr>
           <a:xfrm flipH="1">
-            <a:off x="2435087" y="4268993"/>
+            <a:off x="2435087" y="4237463"/>
             <a:ext cx="1180130" cy="9600"/>
           </a:xfrm>
           <a:prstGeom prst="straightConnector1">
@@ -12718,7 +12397,7 @@
           </a:prstGeom>
           <a:ln w="25400">
             <a:solidFill>
-              <a:schemeClr val="accent1"/>
+              <a:schemeClr val="accent2"/>
             </a:solidFill>
             <a:headEnd type="oval"/>
             <a:tailEnd type="triangle" w="lg" len="med"/>
@@ -12751,21 +12430,20 @@
           <p:cNvCxnSpPr>
             <a:cxnSpLocks/>
             <a:stCxn id="76" idx="17"/>
-            <a:endCxn id="37" idx="1"/>
           </p:cNvCxnSpPr>
           <p:nvPr/>
         </p:nvCxnSpPr>
         <p:spPr>
           <a:xfrm flipV="1">
-            <a:off x="5009043" y="3709193"/>
-            <a:ext cx="610406" cy="337550"/>
+            <a:off x="5009043" y="4012038"/>
+            <a:ext cx="605470" cy="3175"/>
           </a:xfrm>
           <a:prstGeom prst="straightConnector1">
             <a:avLst/>
           </a:prstGeom>
           <a:ln w="25400">
             <a:solidFill>
-              <a:schemeClr val="accent1"/>
+              <a:schemeClr val="accent2"/>
             </a:solidFill>
             <a:headEnd type="oval"/>
             <a:tailEnd type="triangle" w="lg" len="med"/>
@@ -12797,22 +12475,21 @@
           </p:cNvPr>
           <p:cNvCxnSpPr>
             <a:cxnSpLocks/>
-            <a:stCxn id="38" idx="1"/>
             <a:endCxn id="76" idx="18"/>
           </p:cNvCxnSpPr>
           <p:nvPr/>
         </p:nvCxnSpPr>
         <p:spPr>
-          <a:xfrm flipH="1" flipV="1">
-            <a:off x="5009043" y="4272168"/>
-            <a:ext cx="610406" cy="233801"/>
+          <a:xfrm flipH="1">
+            <a:off x="5009043" y="4237463"/>
+            <a:ext cx="625109" cy="3175"/>
           </a:xfrm>
           <a:prstGeom prst="straightConnector1">
             <a:avLst/>
           </a:prstGeom>
           <a:ln w="25400">
             <a:solidFill>
-              <a:schemeClr val="accent1"/>
+              <a:schemeClr val="accent2"/>
             </a:solidFill>
             <a:headEnd type="oval"/>
             <a:tailEnd type="triangle" w="lg" len="med"/>
@@ -12850,7 +12527,7 @@
         </p:nvCxnSpPr>
         <p:spPr>
           <a:xfrm>
-            <a:off x="2466460" y="4035192"/>
+            <a:off x="2466460" y="4003662"/>
             <a:ext cx="1145582" cy="8376"/>
           </a:xfrm>
           <a:prstGeom prst="straightConnector1">
@@ -12858,7 +12535,7 @@
           </a:prstGeom>
           <a:ln w="25400">
             <a:solidFill>
-              <a:schemeClr val="accent1"/>
+              <a:schemeClr val="accent2"/>
             </a:solidFill>
             <a:headEnd type="oval"/>
             <a:tailEnd type="triangle" w="lg" len="med"/>
@@ -13207,27 +12884,18 @@
                   </a:schemeClr>
                 </a:solidFill>
               </a:rPr>
-              <a:t>cloud</a:t>
-            </a:r>
-            <a:br>
-              <a:rPr lang="en-US" sz="1200" b="1" i="1" dirty="0">
-                <a:solidFill>
-                  <a:schemeClr val="accent1">
-                    <a:lumMod val="75000"/>
-                  </a:schemeClr>
-                </a:solidFill>
-              </a:rPr>
-            </a:br>
-            <a:r>
-              <a:rPr lang="en-US" sz="1200" b="1" i="1" dirty="0">
-                <a:solidFill>
-                  <a:schemeClr val="accent1">
-                    <a:lumMod val="75000"/>
-                  </a:schemeClr>
-                </a:solidFill>
-              </a:rPr>
               <a:t>analytics</a:t>
             </a:r>
+          </a:p>
+          <a:p>
+            <a:pPr algn="ctr"/>
+            <a:endParaRPr lang="en-US" sz="1200" b="1" i="1" dirty="0">
+              <a:solidFill>
+                <a:schemeClr val="accent1">
+                  <a:lumMod val="75000"/>
+                </a:schemeClr>
+              </a:solidFill>
+            </a:endParaRPr>
           </a:p>
           <a:p>
             <a:pPr algn="ctr"/>
@@ -13736,6 +13404,271 @@
           </a:fontRef>
         </p:style>
       </p:cxnSp>
+      <p:sp>
+        <p:nvSpPr>
+          <p:cNvPr id="89" name="TextBox 88">
+            <a:extLst>
+              <a:ext uri="{FF2B5EF4-FFF2-40B4-BE49-F238E27FC236}">
+                <a16:creationId xmlns:a16="http://schemas.microsoft.com/office/drawing/2014/main" id="{67F427A9-46D1-EE43-97D4-70335183EABB}"/>
+              </a:ext>
+            </a:extLst>
+          </p:cNvPr>
+          <p:cNvSpPr txBox="1"/>
+          <p:nvPr/>
+        </p:nvSpPr>
+        <p:spPr>
+          <a:xfrm>
+            <a:off x="5465749" y="2846911"/>
+            <a:ext cx="3004313" cy="338554"/>
+          </a:xfrm>
+          <a:prstGeom prst="rect">
+            <a:avLst/>
+          </a:prstGeom>
+          <a:noFill/>
+        </p:spPr>
+        <p:txBody>
+          <a:bodyPr wrap="square" rtlCol="0">
+            <a:spAutoFit/>
+          </a:bodyPr>
+          <a:lstStyle/>
+          <a:p>
+            <a:r>
+              <a:rPr lang="en-US" sz="1600" b="1" dirty="0"/>
+              <a:t>Watson </a:t>
+            </a:r>
+            <a:r>
+              <a:rPr lang="en-US" sz="1600" b="1" dirty="0" err="1"/>
+              <a:t>IoT</a:t>
+            </a:r>
+            <a:r>
+              <a:rPr lang="en-US" sz="1600" b="1" dirty="0"/>
+              <a:t> application</a:t>
+            </a:r>
+          </a:p>
+        </p:txBody>
+      </p:sp>
+      <p:sp>
+        <p:nvSpPr>
+          <p:cNvPr id="35" name="TextBox 34">
+            <a:extLst>
+              <a:ext uri="{FF2B5EF4-FFF2-40B4-BE49-F238E27FC236}">
+                <a16:creationId xmlns:a16="http://schemas.microsoft.com/office/drawing/2014/main" id="{BDFAFD5C-5C76-4D4B-B3F3-3B2237089326}"/>
+              </a:ext>
+            </a:extLst>
+          </p:cNvPr>
+          <p:cNvSpPr txBox="1"/>
+          <p:nvPr/>
+        </p:nvSpPr>
+        <p:spPr>
+          <a:xfrm>
+            <a:off x="2446804" y="3488818"/>
+            <a:ext cx="1003201" cy="523220"/>
+          </a:xfrm>
+          <a:prstGeom prst="rect">
+            <a:avLst/>
+          </a:prstGeom>
+          <a:noFill/>
+        </p:spPr>
+        <p:txBody>
+          <a:bodyPr wrap="square" rtlCol="0">
+            <a:spAutoFit/>
+          </a:bodyPr>
+          <a:lstStyle/>
+          <a:p>
+            <a:pPr algn="ctr"/>
+            <a:r>
+              <a:rPr lang="en-US" sz="1400" b="1" dirty="0">
+                <a:solidFill>
+                  <a:schemeClr val="accent2"/>
+                </a:solidFill>
+              </a:rPr>
+              <a:t>event</a:t>
+            </a:r>
+            <a:br>
+              <a:rPr lang="en-US" sz="1400" b="1" dirty="0">
+                <a:solidFill>
+                  <a:schemeClr val="accent2"/>
+                </a:solidFill>
+              </a:rPr>
+            </a:br>
+            <a:r>
+              <a:rPr lang="en-US" sz="1400" b="1" dirty="0">
+                <a:solidFill>
+                  <a:schemeClr val="accent2"/>
+                </a:solidFill>
+              </a:rPr>
+              <a:t>messages</a:t>
+            </a:r>
+          </a:p>
+        </p:txBody>
+      </p:sp>
+      <p:sp>
+        <p:nvSpPr>
+          <p:cNvPr id="36" name="TextBox 35">
+            <a:extLst>
+              <a:ext uri="{FF2B5EF4-FFF2-40B4-BE49-F238E27FC236}">
+                <a16:creationId xmlns:a16="http://schemas.microsoft.com/office/drawing/2014/main" id="{B35123E2-F6F2-274B-9B46-E1CE1951E659}"/>
+              </a:ext>
+            </a:extLst>
+          </p:cNvPr>
+          <p:cNvSpPr txBox="1"/>
+          <p:nvPr/>
+        </p:nvSpPr>
+        <p:spPr>
+          <a:xfrm>
+            <a:off x="2479830" y="4196483"/>
+            <a:ext cx="1027804" cy="523220"/>
+          </a:xfrm>
+          <a:prstGeom prst="rect">
+            <a:avLst/>
+          </a:prstGeom>
+          <a:noFill/>
+        </p:spPr>
+        <p:txBody>
+          <a:bodyPr wrap="square" rtlCol="0">
+            <a:spAutoFit/>
+          </a:bodyPr>
+          <a:lstStyle/>
+          <a:p>
+            <a:pPr algn="ctr"/>
+            <a:r>
+              <a:rPr lang="en-US" sz="1400" b="1" dirty="0">
+                <a:solidFill>
+                  <a:schemeClr val="accent2"/>
+                </a:solidFill>
+              </a:rPr>
+              <a:t>command</a:t>
+            </a:r>
+            <a:br>
+              <a:rPr lang="en-US" sz="1400" b="1" dirty="0">
+                <a:solidFill>
+                  <a:schemeClr val="accent2"/>
+                </a:solidFill>
+              </a:rPr>
+            </a:br>
+            <a:r>
+              <a:rPr lang="en-US" sz="1400" b="1" dirty="0">
+                <a:solidFill>
+                  <a:schemeClr val="accent2"/>
+                </a:solidFill>
+              </a:rPr>
+              <a:t>messages</a:t>
+            </a:r>
+          </a:p>
+        </p:txBody>
+      </p:sp>
+      <p:sp>
+        <p:nvSpPr>
+          <p:cNvPr id="37" name="Rectangle 36">
+            <a:extLst>
+              <a:ext uri="{FF2B5EF4-FFF2-40B4-BE49-F238E27FC236}">
+                <a16:creationId xmlns:a16="http://schemas.microsoft.com/office/drawing/2014/main" id="{C74A6E26-08DF-754B-A08F-5303D4308C8A}"/>
+              </a:ext>
+            </a:extLst>
+          </p:cNvPr>
+          <p:cNvSpPr/>
+          <p:nvPr/>
+        </p:nvSpPr>
+        <p:spPr>
+          <a:xfrm>
+            <a:off x="5619449" y="3481817"/>
+            <a:ext cx="990596" cy="454751"/>
+          </a:xfrm>
+          <a:prstGeom prst="rect">
+            <a:avLst/>
+          </a:prstGeom>
+        </p:spPr>
+        <p:style>
+          <a:lnRef idx="2">
+            <a:schemeClr val="accent1">
+              <a:shade val="50000"/>
+            </a:schemeClr>
+          </a:lnRef>
+          <a:fillRef idx="1">
+            <a:schemeClr val="accent1"/>
+          </a:fillRef>
+          <a:effectRef idx="0">
+            <a:schemeClr val="accent1"/>
+          </a:effectRef>
+          <a:fontRef idx="minor">
+            <a:schemeClr val="lt1"/>
+          </a:fontRef>
+        </p:style>
+        <p:txBody>
+          <a:bodyPr rtlCol="0" anchor="ctr"/>
+          <a:lstStyle/>
+          <a:p>
+            <a:pPr algn="ctr"/>
+            <a:r>
+              <a:rPr lang="en-US" sz="1200" b="1" dirty="0"/>
+              <a:t>Application</a:t>
+            </a:r>
+          </a:p>
+          <a:p>
+            <a:pPr algn="ctr"/>
+            <a:r>
+              <a:rPr lang="en-US" sz="1200" b="1" dirty="0"/>
+              <a:t>Source</a:t>
+            </a:r>
+          </a:p>
+        </p:txBody>
+      </p:sp>
+      <p:sp>
+        <p:nvSpPr>
+          <p:cNvPr id="38" name="Rectangle 37">
+            <a:extLst>
+              <a:ext uri="{FF2B5EF4-FFF2-40B4-BE49-F238E27FC236}">
+                <a16:creationId xmlns:a16="http://schemas.microsoft.com/office/drawing/2014/main" id="{1AE1768A-E28E-5145-9F18-3E147672BA8B}"/>
+              </a:ext>
+            </a:extLst>
+          </p:cNvPr>
+          <p:cNvSpPr/>
+          <p:nvPr/>
+        </p:nvSpPr>
+        <p:spPr>
+          <a:xfrm>
+            <a:off x="5619449" y="4278593"/>
+            <a:ext cx="990596" cy="454751"/>
+          </a:xfrm>
+          <a:prstGeom prst="rect">
+            <a:avLst/>
+          </a:prstGeom>
+        </p:spPr>
+        <p:style>
+          <a:lnRef idx="2">
+            <a:schemeClr val="accent1">
+              <a:shade val="50000"/>
+            </a:schemeClr>
+          </a:lnRef>
+          <a:fillRef idx="1">
+            <a:schemeClr val="accent1"/>
+          </a:fillRef>
+          <a:effectRef idx="0">
+            <a:schemeClr val="accent1"/>
+          </a:effectRef>
+          <a:fontRef idx="minor">
+            <a:schemeClr val="lt1"/>
+          </a:fontRef>
+        </p:style>
+        <p:txBody>
+          <a:bodyPr rtlCol="0" anchor="ctr"/>
+          <a:lstStyle/>
+          <a:p>
+            <a:pPr algn="ctr"/>
+            <a:r>
+              <a:rPr lang="en-US" sz="1200" b="1" dirty="0"/>
+              <a:t>Application</a:t>
+            </a:r>
+          </a:p>
+          <a:p>
+            <a:pPr algn="ctr"/>
+            <a:r>
+              <a:rPr lang="en-US" sz="1200" b="1" dirty="0"/>
+              <a:t>Sink</a:t>
+            </a:r>
+          </a:p>
+        </p:txBody>
+      </p:sp>
       <p:cxnSp>
         <p:nvCxnSpPr>
           <p:cNvPr id="88" name="Straight Arrow Connector 87">
@@ -13785,166 +13718,53 @@
       </p:cxnSp>
       <p:sp>
         <p:nvSpPr>
-          <p:cNvPr id="89" name="TextBox 88">
-            <a:extLst>
-              <a:ext uri="{FF2B5EF4-FFF2-40B4-BE49-F238E27FC236}">
-                <a16:creationId xmlns:a16="http://schemas.microsoft.com/office/drawing/2014/main" id="{67F427A9-46D1-EE43-97D4-70335183EABB}"/>
-              </a:ext>
-            </a:extLst>
-          </p:cNvPr>
-          <p:cNvSpPr txBox="1"/>
+          <p:cNvPr id="2" name="Oval 1">
+            <a:extLst>
+              <a:ext uri="{FF2B5EF4-FFF2-40B4-BE49-F238E27FC236}">
+                <a16:creationId xmlns:a16="http://schemas.microsoft.com/office/drawing/2014/main" id="{3E48B31B-7D9F-CA49-B384-935E3F6A26B1}"/>
+              </a:ext>
+            </a:extLst>
+          </p:cNvPr>
+          <p:cNvSpPr/>
           <p:nvPr/>
         </p:nvSpPr>
         <p:spPr>
           <a:xfrm>
-            <a:off x="5465749" y="2846911"/>
-            <a:ext cx="3004313" cy="338554"/>
-          </a:xfrm>
-          <a:prstGeom prst="rect">
+            <a:off x="5606834" y="3887434"/>
+            <a:ext cx="406616" cy="430981"/>
+          </a:xfrm>
+          <a:prstGeom prst="ellipse">
             <a:avLst/>
           </a:prstGeom>
-          <a:noFill/>
-        </p:spPr>
+          <a:solidFill>
+            <a:schemeClr val="accent2"/>
+          </a:solidFill>
+          <a:ln>
+            <a:noFill/>
+          </a:ln>
+        </p:spPr>
+        <p:style>
+          <a:lnRef idx="2">
+            <a:schemeClr val="accent1">
+              <a:shade val="50000"/>
+            </a:schemeClr>
+          </a:lnRef>
+          <a:fillRef idx="1">
+            <a:schemeClr val="accent1"/>
+          </a:fillRef>
+          <a:effectRef idx="0">
+            <a:schemeClr val="accent1"/>
+          </a:effectRef>
+          <a:fontRef idx="minor">
+            <a:schemeClr val="lt1"/>
+          </a:fontRef>
+        </p:style>
         <p:txBody>
-          <a:bodyPr wrap="square" rtlCol="0">
-            <a:spAutoFit/>
-          </a:bodyPr>
+          <a:bodyPr rtlCol="0" anchor="ctr"/>
           <a:lstStyle/>
           <a:p>
-            <a:r>
-              <a:rPr lang="en-US" sz="1600" b="1" dirty="0"/>
-              <a:t>Watson </a:t>
-            </a:r>
-            <a:r>
-              <a:rPr lang="en-US" sz="1600" b="1" dirty="0" err="1"/>
-              <a:t>IoT</a:t>
-            </a:r>
-            <a:r>
-              <a:rPr lang="en-US" sz="1600" b="1" dirty="0"/>
-              <a:t> application</a:t>
-            </a:r>
-          </a:p>
-        </p:txBody>
-      </p:sp>
-      <p:sp>
-        <p:nvSpPr>
-          <p:cNvPr id="35" name="TextBox 34">
-            <a:extLst>
-              <a:ext uri="{FF2B5EF4-FFF2-40B4-BE49-F238E27FC236}">
-                <a16:creationId xmlns:a16="http://schemas.microsoft.com/office/drawing/2014/main" id="{BDFAFD5C-5C76-4D4B-B3F3-3B2237089326}"/>
-              </a:ext>
-            </a:extLst>
-          </p:cNvPr>
-          <p:cNvSpPr txBox="1"/>
-          <p:nvPr/>
-        </p:nvSpPr>
-        <p:spPr>
-          <a:xfrm>
-            <a:off x="2364612" y="3520348"/>
-            <a:ext cx="1003201" cy="523220"/>
-          </a:xfrm>
-          <a:prstGeom prst="rect">
-            <a:avLst/>
-          </a:prstGeom>
-          <a:noFill/>
-        </p:spPr>
-        <p:txBody>
-          <a:bodyPr wrap="square" rtlCol="0">
-            <a:spAutoFit/>
-          </a:bodyPr>
-          <a:lstStyle/>
-          <a:p>
             <a:pPr algn="ctr"/>
-            <a:r>
-              <a:rPr lang="en-US" sz="1400" b="1" dirty="0">
-                <a:solidFill>
-                  <a:schemeClr val="accent1">
-                    <a:lumMod val="75000"/>
-                  </a:schemeClr>
-                </a:solidFill>
-              </a:rPr>
-              <a:t>event</a:t>
-            </a:r>
-            <a:br>
-              <a:rPr lang="en-US" sz="1400" b="1" dirty="0">
-                <a:solidFill>
-                  <a:schemeClr val="accent1">
-                    <a:lumMod val="75000"/>
-                  </a:schemeClr>
-                </a:solidFill>
-              </a:rPr>
-            </a:br>
-            <a:r>
-              <a:rPr lang="en-US" sz="1400" b="1" dirty="0">
-                <a:solidFill>
-                  <a:schemeClr val="accent1">
-                    <a:lumMod val="75000"/>
-                  </a:schemeClr>
-                </a:solidFill>
-              </a:rPr>
-              <a:t>messages</a:t>
-            </a:r>
-          </a:p>
-        </p:txBody>
-      </p:sp>
-      <p:sp>
-        <p:nvSpPr>
-          <p:cNvPr id="36" name="TextBox 35">
-            <a:extLst>
-              <a:ext uri="{FF2B5EF4-FFF2-40B4-BE49-F238E27FC236}">
-                <a16:creationId xmlns:a16="http://schemas.microsoft.com/office/drawing/2014/main" id="{B35123E2-F6F2-274B-9B46-E1CE1951E659}"/>
-              </a:ext>
-            </a:extLst>
-          </p:cNvPr>
-          <p:cNvSpPr txBox="1"/>
-          <p:nvPr/>
-        </p:nvSpPr>
-        <p:spPr>
-          <a:xfrm>
-            <a:off x="2397638" y="4228013"/>
-            <a:ext cx="1027804" cy="523220"/>
-          </a:xfrm>
-          <a:prstGeom prst="rect">
-            <a:avLst/>
-          </a:prstGeom>
-          <a:noFill/>
-        </p:spPr>
-        <p:txBody>
-          <a:bodyPr wrap="square" rtlCol="0">
-            <a:spAutoFit/>
-          </a:bodyPr>
-          <a:lstStyle/>
-          <a:p>
-            <a:pPr algn="ctr"/>
-            <a:r>
-              <a:rPr lang="en-US" sz="1400" b="1" dirty="0">
-                <a:solidFill>
-                  <a:schemeClr val="accent1">
-                    <a:lumMod val="75000"/>
-                  </a:schemeClr>
-                </a:solidFill>
-              </a:rPr>
-              <a:t>command</a:t>
-            </a:r>
-            <a:br>
-              <a:rPr lang="en-US" sz="1400" b="1" dirty="0">
-                <a:solidFill>
-                  <a:schemeClr val="accent1">
-                    <a:lumMod val="75000"/>
-                  </a:schemeClr>
-                </a:solidFill>
-              </a:rPr>
-            </a:br>
-            <a:r>
-              <a:rPr lang="en-US" sz="1400" b="1" dirty="0">
-                <a:solidFill>
-                  <a:schemeClr val="accent1">
-                    <a:lumMod val="75000"/>
-                  </a:schemeClr>
-                </a:solidFill>
-              </a:rPr>
-              <a:t>messages</a:t>
-            </a:r>
+            <a:endParaRPr lang="en-US"/>
           </a:p>
         </p:txBody>
       </p:sp>
